--- a/docs/app-content.pptx
+++ b/docs/app-content.pptx
@@ -5,10 +5,10 @@
     <p:sldMasterId id="2147493455" r:id="rId4"/>
   </p:sldMasterIdLst>
   <p:notesMasterIdLst>
-    <p:notesMasterId r:id="rId15"/>
+    <p:notesMasterId r:id="rId17"/>
   </p:notesMasterIdLst>
   <p:handoutMasterIdLst>
-    <p:handoutMasterId r:id="rId16"/>
+    <p:handoutMasterId r:id="rId18"/>
   </p:handoutMasterIdLst>
   <p:sldIdLst>
     <p:sldId id="465" r:id="rId5"/>
@@ -20,7 +20,9 @@
     <p:sldId id="455" r:id="rId11"/>
     <p:sldId id="462" r:id="rId12"/>
     <p:sldId id="463" r:id="rId13"/>
-    <p:sldId id="464" r:id="rId14"/>
+    <p:sldId id="467" r:id="rId14"/>
+    <p:sldId id="464" r:id="rId15"/>
+    <p:sldId id="466" r:id="rId16"/>
   </p:sldIdLst>
   <p:sldSz cx="9144000" cy="5143500" type="screen16x9"/>
   <p:notesSz cx="6858000" cy="9144000"/>
@@ -144,7 +146,9 @@
           <p14:sldIdLst>
             <p14:sldId id="462"/>
             <p14:sldId id="463"/>
+            <p14:sldId id="467"/>
             <p14:sldId id="464"/>
+            <p14:sldId id="466"/>
           </p14:sldIdLst>
         </p14:section>
       </p14:sectionLst>
@@ -244,7 +248,7 @@
           <a:p>
             <a:fld id="{C1F639CD-02BA-E14F-BB05-54A9501A84F3}" type="datetimeFigureOut">
               <a:rPr lang="en-US" smtClean="0"/>
-              <a:t>2/27/16</a:t>
+              <a:t>3/30/16</a:t>
             </a:fld>
             <a:endParaRPr lang="en-US"/>
           </a:p>
@@ -409,7 +413,7 @@
           <a:p>
             <a:fld id="{7B47E9F9-6557-4923-BE10-1C342566E3EE}" type="datetimeFigureOut">
               <a:rPr lang="en-US" smtClean="0"/>
-              <a:t>2/27/16</a:t>
+              <a:t>3/30/16</a:t>
             </a:fld>
             <a:endParaRPr lang="en-US"/>
           </a:p>
@@ -1639,6 +1643,90 @@
     <p:extLst>
       <p:ext uri="{BB962C8B-B14F-4D97-AF65-F5344CB8AC3E}">
         <p14:creationId xmlns:p14="http://schemas.microsoft.com/office/powerpoint/2010/main" val="1375042971"/>
+      </p:ext>
+    </p:extLst>
+  </p:cSld>
+  <p:clrMapOvr>
+    <a:masterClrMapping/>
+  </p:clrMapOvr>
+</p:notes>
+</file>
+
+<file path=ppt/notesSlides/notesSlide8.xml><?xml version="1.0" encoding="utf-8"?>
+<p:notes xmlns:a="http://schemas.openxmlformats.org/drawingml/2006/main" xmlns:r="http://schemas.openxmlformats.org/officeDocument/2006/relationships" xmlns:p="http://schemas.openxmlformats.org/presentationml/2006/main">
+  <p:cSld>
+    <p:spTree>
+      <p:nvGrpSpPr>
+        <p:cNvPr id="1" name=""/>
+        <p:cNvGrpSpPr/>
+        <p:nvPr/>
+      </p:nvGrpSpPr>
+      <p:grpSpPr>
+        <a:xfrm>
+          <a:off x="0" y="0"/>
+          <a:ext cx="0" cy="0"/>
+          <a:chOff x="0" y="0"/>
+          <a:chExt cx="0" cy="0"/>
+        </a:xfrm>
+      </p:grpSpPr>
+      <p:sp>
+        <p:nvSpPr>
+          <p:cNvPr id="2" name="Slide Image Placeholder 1"/>
+          <p:cNvSpPr>
+            <a:spLocks noGrp="1" noRot="1" noChangeAspect="1"/>
+          </p:cNvSpPr>
+          <p:nvPr>
+            <p:ph type="sldImg"/>
+          </p:nvPr>
+        </p:nvSpPr>
+        <p:spPr/>
+      </p:sp>
+      <p:sp>
+        <p:nvSpPr>
+          <p:cNvPr id="3" name="Notes Placeholder 2"/>
+          <p:cNvSpPr>
+            <a:spLocks noGrp="1"/>
+          </p:cNvSpPr>
+          <p:nvPr>
+            <p:ph type="body" idx="1"/>
+          </p:nvPr>
+        </p:nvSpPr>
+        <p:spPr/>
+        <p:txBody>
+          <a:bodyPr/>
+          <a:lstStyle/>
+          <a:p>
+            <a:endParaRPr lang="en-US" dirty="0"/>
+          </a:p>
+        </p:txBody>
+      </p:sp>
+      <p:sp>
+        <p:nvSpPr>
+          <p:cNvPr id="4" name="Slide Number Placeholder 3"/>
+          <p:cNvSpPr>
+            <a:spLocks noGrp="1"/>
+          </p:cNvSpPr>
+          <p:nvPr>
+            <p:ph type="sldNum" sz="quarter" idx="10"/>
+          </p:nvPr>
+        </p:nvSpPr>
+        <p:spPr/>
+        <p:txBody>
+          <a:bodyPr/>
+          <a:lstStyle/>
+          <a:p>
+            <a:fld id="{19B87A38-3CEC-41F8-9B8A-7D549F200228}" type="slidenum">
+              <a:rPr lang="en-US" smtClean="0"/>
+              <a:t>10</a:t>
+            </a:fld>
+            <a:endParaRPr lang="en-US"/>
+          </a:p>
+        </p:txBody>
+      </p:sp>
+    </p:spTree>
+    <p:extLst>
+      <p:ext uri="{BB962C8B-B14F-4D97-AF65-F5344CB8AC3E}">
+        <p14:creationId xmlns:p14="http://schemas.microsoft.com/office/powerpoint/2010/main" val="2743874082"/>
       </p:ext>
     </p:extLst>
   </p:cSld>
@@ -8867,14 +8955,61 @@
       </p:grpSpPr>
       <p:sp>
         <p:nvSpPr>
+          <p:cNvPr id="39" name="Rectangle 38"/>
+          <p:cNvSpPr/>
+          <p:nvPr/>
+        </p:nvSpPr>
+        <p:spPr>
+          <a:xfrm>
+            <a:off x="506978" y="2990368"/>
+            <a:ext cx="7886571" cy="1324767"/>
+          </a:xfrm>
+          <a:prstGeom prst="rect">
+            <a:avLst/>
+          </a:prstGeom>
+          <a:solidFill>
+            <a:schemeClr val="accent1"/>
+          </a:solidFill>
+          <a:ln w="6350">
+            <a:solidFill>
+              <a:schemeClr val="bg1"/>
+            </a:solidFill>
+            <a:prstDash val="solid"/>
+          </a:ln>
+          <a:effectLst/>
+        </p:spPr>
+        <p:style>
+          <a:lnRef idx="1">
+            <a:schemeClr val="accent1"/>
+          </a:lnRef>
+          <a:fillRef idx="3">
+            <a:schemeClr val="accent1"/>
+          </a:fillRef>
+          <a:effectRef idx="2">
+            <a:schemeClr val="accent1"/>
+          </a:effectRef>
+          <a:fontRef idx="minor">
+            <a:schemeClr val="lt1"/>
+          </a:fontRef>
+        </p:style>
+        <p:txBody>
+          <a:bodyPr rtlCol="0" anchor="t" anchorCtr="0"/>
+          <a:lstStyle/>
+          <a:p>
+            <a:endParaRPr lang="en-US" dirty="0"/>
+          </a:p>
+        </p:txBody>
+      </p:sp>
+      <p:sp>
+        <p:nvSpPr>
           <p:cNvPr id="4" name="Rounded Rectangle 3"/>
           <p:cNvSpPr/>
           <p:nvPr/>
         </p:nvSpPr>
         <p:spPr>
           <a:xfrm>
-            <a:off x="239787" y="1166502"/>
-            <a:ext cx="2557700" cy="999169"/>
+            <a:off x="3685576" y="786013"/>
+            <a:ext cx="2060370" cy="524008"/>
           </a:xfrm>
           <a:prstGeom prst="roundRect">
             <a:avLst/>
@@ -8909,25 +9044,10 @@
           <a:p>
             <a:pPr algn="ctr"/>
             <a:r>
-              <a:rPr lang="en-US" sz="1400" b="1" dirty="0" smtClean="0"/>
-              <a:t>UI</a:t>
-            </a:r>
-          </a:p>
-          <a:p>
-            <a:pPr algn="ctr"/>
-            <a:r>
-              <a:rPr lang="en-US" sz="1200" dirty="0" smtClean="0"/>
-              <a:t>(</a:t>
-            </a:r>
-            <a:r>
-              <a:rPr lang="en-US" sz="1200" dirty="0" err="1" smtClean="0"/>
-              <a:t>thymeleaf</a:t>
-            </a:r>
-            <a:r>
-              <a:rPr lang="en-US" sz="1200" dirty="0" smtClean="0"/>
-              <a:t> / bootstrap / Spring Boot, MVC and Cloud Connectors)</a:t>
-            </a:r>
-            <a:endParaRPr lang="en-US" sz="1200" dirty="0"/>
+              <a:rPr lang="en-US" dirty="0" smtClean="0"/>
+              <a:t>Load Balancer</a:t>
+            </a:r>
+            <a:endParaRPr lang="en-US" dirty="0"/>
           </a:p>
         </p:txBody>
       </p:sp>
@@ -8939,8 +9059,8 @@
         </p:nvSpPr>
         <p:spPr>
           <a:xfrm>
-            <a:off x="2850774" y="1173969"/>
-            <a:ext cx="879208" cy="991701"/>
+            <a:off x="3685576" y="1863702"/>
+            <a:ext cx="2060370" cy="524008"/>
           </a:xfrm>
           <a:prstGeom prst="roundRect">
             <a:avLst/>
@@ -8975,23 +9095,72 @@
           <a:p>
             <a:pPr algn="ctr"/>
             <a:r>
-              <a:rPr lang="en-US" sz="1400" b="1" dirty="0" smtClean="0"/>
-              <a:t>Model</a:t>
-            </a:r>
-            <a:endParaRPr lang="en-US" sz="1400" b="1" dirty="0"/>
-          </a:p>
-        </p:txBody>
-      </p:sp>
-      <p:sp>
-        <p:nvSpPr>
-          <p:cNvPr id="27" name="Rounded Rectangle 26"/>
+              <a:rPr lang="en-US" dirty="0" smtClean="0"/>
+              <a:t>Router</a:t>
+            </a:r>
+            <a:endParaRPr lang="en-US" dirty="0"/>
+          </a:p>
+        </p:txBody>
+      </p:sp>
+      <p:sp>
+        <p:nvSpPr>
+          <p:cNvPr id="9" name="Rectangle 8"/>
           <p:cNvSpPr/>
           <p:nvPr/>
         </p:nvSpPr>
         <p:spPr>
           <a:xfrm>
-            <a:off x="3793572" y="1166502"/>
-            <a:ext cx="1481686" cy="991701"/>
+            <a:off x="399641" y="1536499"/>
+            <a:ext cx="8197073" cy="2975303"/>
+          </a:xfrm>
+          <a:prstGeom prst="rect">
+            <a:avLst/>
+          </a:prstGeom>
+          <a:noFill/>
+          <a:ln w="6350">
+            <a:solidFill>
+              <a:schemeClr val="bg1"/>
+            </a:solidFill>
+            <a:prstDash val="dash"/>
+          </a:ln>
+          <a:effectLst/>
+        </p:spPr>
+        <p:style>
+          <a:lnRef idx="1">
+            <a:schemeClr val="accent1"/>
+          </a:lnRef>
+          <a:fillRef idx="3">
+            <a:schemeClr val="accent1"/>
+          </a:fillRef>
+          <a:effectRef idx="2">
+            <a:schemeClr val="accent1"/>
+          </a:effectRef>
+          <a:fontRef idx="minor">
+            <a:schemeClr val="lt1"/>
+          </a:fontRef>
+        </p:style>
+        <p:txBody>
+          <a:bodyPr rtlCol="0" anchor="t" anchorCtr="0"/>
+          <a:lstStyle/>
+          <a:p>
+            <a:r>
+              <a:rPr lang="en-US" dirty="0" smtClean="0"/>
+              <a:t>Pivotal Elastic Runtime</a:t>
+            </a:r>
+            <a:endParaRPr lang="en-US" dirty="0"/>
+          </a:p>
+        </p:txBody>
+      </p:sp>
+      <p:sp>
+        <p:nvSpPr>
+          <p:cNvPr id="10" name="Rounded Rectangle 9"/>
+          <p:cNvSpPr/>
+          <p:nvPr/>
+        </p:nvSpPr>
+        <p:spPr>
+          <a:xfrm>
+            <a:off x="1900519" y="2492677"/>
+            <a:ext cx="1074588" cy="414600"/>
           </a:xfrm>
           <a:prstGeom prst="roundRect">
             <a:avLst/>
@@ -9026,30 +9195,27 @@
           <a:p>
             <a:pPr algn="ctr"/>
             <a:r>
-              <a:rPr lang="en-US" sz="1400" b="1" dirty="0" smtClean="0"/>
-              <a:t>Service</a:t>
-            </a:r>
-          </a:p>
-          <a:p>
-            <a:pPr algn="ctr"/>
-            <a:r>
-              <a:rPr lang="en-US" sz="1200" dirty="0" smtClean="0"/>
-              <a:t>(feign / Ribbon)</a:t>
-            </a:r>
-            <a:endParaRPr lang="en-US" sz="1200" dirty="0"/>
-          </a:p>
-        </p:txBody>
-      </p:sp>
-      <p:sp>
-        <p:nvSpPr>
-          <p:cNvPr id="29" name="Rounded Rectangle 28"/>
+              <a:rPr lang="en-US" sz="1400" dirty="0" smtClean="0"/>
+              <a:t>Health </a:t>
+            </a:r>
+            <a:r>
+              <a:rPr lang="en-US" sz="1400" dirty="0" err="1" smtClean="0"/>
+              <a:t>Mgmt</a:t>
+            </a:r>
+            <a:endParaRPr lang="en-US" sz="1400" dirty="0"/>
+          </a:p>
+        </p:txBody>
+      </p:sp>
+      <p:sp>
+        <p:nvSpPr>
+          <p:cNvPr id="11" name="Rounded Rectangle 10"/>
           <p:cNvSpPr/>
           <p:nvPr/>
         </p:nvSpPr>
         <p:spPr>
           <a:xfrm>
-            <a:off x="6678442" y="1175579"/>
-            <a:ext cx="2140297" cy="991701"/>
+            <a:off x="1900518" y="1976135"/>
+            <a:ext cx="1074589" cy="407134"/>
           </a:xfrm>
           <a:prstGeom prst="roundRect">
             <a:avLst/>
@@ -9084,6 +9250,1045 @@
           <a:p>
             <a:pPr algn="ctr"/>
             <a:r>
+              <a:rPr lang="en-US" sz="1400" dirty="0" smtClean="0"/>
+              <a:t>Cloud Controller</a:t>
+            </a:r>
+            <a:endParaRPr lang="en-US" sz="1400" dirty="0"/>
+          </a:p>
+        </p:txBody>
+      </p:sp>
+      <p:sp>
+        <p:nvSpPr>
+          <p:cNvPr id="15" name="Rounded Rectangle 14"/>
+          <p:cNvSpPr/>
+          <p:nvPr/>
+        </p:nvSpPr>
+        <p:spPr>
+          <a:xfrm>
+            <a:off x="3878104" y="3803934"/>
+            <a:ext cx="2134267" cy="524008"/>
+          </a:xfrm>
+          <a:prstGeom prst="roundRect">
+            <a:avLst/>
+          </a:prstGeom>
+          <a:solidFill>
+            <a:srgbClr val="008881"/>
+          </a:solidFill>
+          <a:ln w="6350">
+            <a:solidFill>
+              <a:schemeClr val="bg1"/>
+            </a:solidFill>
+          </a:ln>
+          <a:effectLst/>
+        </p:spPr>
+        <p:style>
+          <a:lnRef idx="1">
+            <a:schemeClr val="accent1"/>
+          </a:lnRef>
+          <a:fillRef idx="3">
+            <a:schemeClr val="accent1"/>
+          </a:fillRef>
+          <a:effectRef idx="2">
+            <a:schemeClr val="accent1"/>
+          </a:effectRef>
+          <a:fontRef idx="minor">
+            <a:schemeClr val="lt1"/>
+          </a:fontRef>
+        </p:style>
+        <p:txBody>
+          <a:bodyPr rtlCol="0" anchor="ctr"/>
+          <a:lstStyle/>
+          <a:p>
+            <a:pPr algn="ctr"/>
+            <a:r>
+              <a:rPr lang="en-US" sz="1200" b="1" dirty="0"/>
+              <a:t>a</a:t>
+            </a:r>
+            <a:r>
+              <a:rPr lang="en-US" sz="1200" b="1" dirty="0" smtClean="0"/>
+              <a:t>ttendees-</a:t>
+            </a:r>
+            <a:r>
+              <a:rPr lang="en-US" sz="1200" b="1" dirty="0" err="1" smtClean="0"/>
+              <a:t>blue</a:t>
+            </a:r>
+            <a:r>
+              <a:rPr lang="en-US" sz="1200" dirty="0" err="1" smtClean="0"/>
+              <a:t>.cfapps.io</a:t>
+            </a:r>
+            <a:endParaRPr lang="en-US" sz="1200" dirty="0"/>
+          </a:p>
+        </p:txBody>
+      </p:sp>
+      <p:sp>
+        <p:nvSpPr>
+          <p:cNvPr id="16" name="Rectangle 15"/>
+          <p:cNvSpPr/>
+          <p:nvPr/>
+        </p:nvSpPr>
+        <p:spPr>
+          <a:xfrm>
+            <a:off x="585810" y="3081881"/>
+            <a:ext cx="7886571" cy="1324767"/>
+          </a:xfrm>
+          <a:prstGeom prst="rect">
+            <a:avLst/>
+          </a:prstGeom>
+          <a:solidFill>
+            <a:schemeClr val="accent1"/>
+          </a:solidFill>
+          <a:ln w="6350">
+            <a:solidFill>
+              <a:schemeClr val="bg1"/>
+            </a:solidFill>
+            <a:prstDash val="solid"/>
+          </a:ln>
+          <a:effectLst/>
+        </p:spPr>
+        <p:style>
+          <a:lnRef idx="1">
+            <a:schemeClr val="accent1"/>
+          </a:lnRef>
+          <a:fillRef idx="3">
+            <a:schemeClr val="accent1"/>
+          </a:fillRef>
+          <a:effectRef idx="2">
+            <a:schemeClr val="accent1"/>
+          </a:effectRef>
+          <a:fontRef idx="minor">
+            <a:schemeClr val="lt1"/>
+          </a:fontRef>
+        </p:style>
+        <p:txBody>
+          <a:bodyPr rtlCol="0" anchor="t" anchorCtr="0"/>
+          <a:lstStyle/>
+          <a:p>
+            <a:r>
+              <a:rPr lang="en-US" dirty="0" smtClean="0"/>
+              <a:t>Cells</a:t>
+            </a:r>
+            <a:endParaRPr lang="en-US" dirty="0"/>
+          </a:p>
+        </p:txBody>
+      </p:sp>
+      <p:cxnSp>
+        <p:nvCxnSpPr>
+          <p:cNvPr id="18" name="Straight Arrow Connector 17"/>
+          <p:cNvCxnSpPr>
+            <a:endCxn id="4" idx="0"/>
+          </p:cNvCxnSpPr>
+          <p:nvPr/>
+        </p:nvCxnSpPr>
+        <p:spPr>
+          <a:xfrm>
+            <a:off x="4715761" y="204275"/>
+            <a:ext cx="0" cy="581738"/>
+          </a:xfrm>
+          <a:prstGeom prst="straightConnector1">
+            <a:avLst/>
+          </a:prstGeom>
+          <a:ln>
+            <a:tailEnd type="arrow"/>
+          </a:ln>
+        </p:spPr>
+        <p:style>
+          <a:lnRef idx="2">
+            <a:schemeClr val="accent1"/>
+          </a:lnRef>
+          <a:fillRef idx="0">
+            <a:schemeClr val="accent1"/>
+          </a:fillRef>
+          <a:effectRef idx="1">
+            <a:schemeClr val="accent1"/>
+          </a:effectRef>
+          <a:fontRef idx="minor">
+            <a:schemeClr val="tx1"/>
+          </a:fontRef>
+        </p:style>
+      </p:cxnSp>
+      <p:sp>
+        <p:nvSpPr>
+          <p:cNvPr id="20" name="TextBox 19"/>
+          <p:cNvSpPr txBox="1"/>
+          <p:nvPr/>
+        </p:nvSpPr>
+        <p:spPr>
+          <a:xfrm>
+            <a:off x="4890084" y="301971"/>
+            <a:ext cx="1358891" cy="369332"/>
+          </a:xfrm>
+          <a:prstGeom prst="rect">
+            <a:avLst/>
+          </a:prstGeom>
+          <a:noFill/>
+        </p:spPr>
+        <p:txBody>
+          <a:bodyPr wrap="none" rtlCol="0">
+            <a:spAutoFit/>
+          </a:bodyPr>
+          <a:lstStyle/>
+          <a:p>
+            <a:r>
+              <a:rPr lang="en-US" dirty="0" smtClean="0">
+                <a:solidFill>
+                  <a:schemeClr val="bg1"/>
+                </a:solidFill>
+              </a:rPr>
+              <a:t>*.</a:t>
+            </a:r>
+            <a:r>
+              <a:rPr lang="en-US" dirty="0" err="1" smtClean="0">
+                <a:solidFill>
+                  <a:schemeClr val="bg1"/>
+                </a:solidFill>
+              </a:rPr>
+              <a:t>cfapps.io</a:t>
+            </a:r>
+            <a:endParaRPr lang="en-US" dirty="0">
+              <a:solidFill>
+                <a:schemeClr val="bg1"/>
+              </a:solidFill>
+            </a:endParaRPr>
+          </a:p>
+        </p:txBody>
+      </p:sp>
+      <p:cxnSp>
+        <p:nvCxnSpPr>
+          <p:cNvPr id="24" name="Straight Connector 23"/>
+          <p:cNvCxnSpPr>
+            <a:stCxn id="4" idx="2"/>
+            <a:endCxn id="5" idx="0"/>
+          </p:cNvCxnSpPr>
+          <p:nvPr/>
+        </p:nvCxnSpPr>
+        <p:spPr>
+          <a:xfrm>
+            <a:off x="4715761" y="1310021"/>
+            <a:ext cx="0" cy="553681"/>
+          </a:xfrm>
+          <a:prstGeom prst="line">
+            <a:avLst/>
+          </a:prstGeom>
+        </p:spPr>
+        <p:style>
+          <a:lnRef idx="2">
+            <a:schemeClr val="accent1"/>
+          </a:lnRef>
+          <a:fillRef idx="0">
+            <a:schemeClr val="accent1"/>
+          </a:fillRef>
+          <a:effectRef idx="1">
+            <a:schemeClr val="accent1"/>
+          </a:effectRef>
+          <a:fontRef idx="minor">
+            <a:schemeClr val="tx1"/>
+          </a:fontRef>
+        </p:style>
+      </p:cxnSp>
+      <p:cxnSp>
+        <p:nvCxnSpPr>
+          <p:cNvPr id="28" name="Straight Arrow Connector 27"/>
+          <p:cNvCxnSpPr>
+            <a:stCxn id="5" idx="2"/>
+            <a:endCxn id="7" idx="0"/>
+          </p:cNvCxnSpPr>
+          <p:nvPr/>
+        </p:nvCxnSpPr>
+        <p:spPr>
+          <a:xfrm>
+            <a:off x="4715761" y="2387710"/>
+            <a:ext cx="0" cy="1221028"/>
+          </a:xfrm>
+          <a:prstGeom prst="straightConnector1">
+            <a:avLst/>
+          </a:prstGeom>
+          <a:ln>
+            <a:tailEnd type="arrow"/>
+          </a:ln>
+        </p:spPr>
+        <p:style>
+          <a:lnRef idx="2">
+            <a:schemeClr val="accent1"/>
+          </a:lnRef>
+          <a:fillRef idx="0">
+            <a:schemeClr val="accent1"/>
+          </a:fillRef>
+          <a:effectRef idx="1">
+            <a:schemeClr val="accent1"/>
+          </a:effectRef>
+          <a:fontRef idx="minor">
+            <a:schemeClr val="tx1"/>
+          </a:fontRef>
+        </p:style>
+      </p:cxnSp>
+      <p:cxnSp>
+        <p:nvCxnSpPr>
+          <p:cNvPr id="30" name="Straight Arrow Connector 29"/>
+          <p:cNvCxnSpPr>
+            <a:stCxn id="5" idx="2"/>
+            <a:endCxn id="8" idx="0"/>
+          </p:cNvCxnSpPr>
+          <p:nvPr/>
+        </p:nvCxnSpPr>
+        <p:spPr>
+          <a:xfrm>
+            <a:off x="4715761" y="2387710"/>
+            <a:ext cx="2521297" cy="1221028"/>
+          </a:xfrm>
+          <a:prstGeom prst="straightConnector1">
+            <a:avLst/>
+          </a:prstGeom>
+          <a:ln>
+            <a:tailEnd type="arrow"/>
+          </a:ln>
+        </p:spPr>
+        <p:style>
+          <a:lnRef idx="2">
+            <a:schemeClr val="accent1"/>
+          </a:lnRef>
+          <a:fillRef idx="0">
+            <a:schemeClr val="accent1"/>
+          </a:fillRef>
+          <a:effectRef idx="1">
+            <a:schemeClr val="accent1"/>
+          </a:effectRef>
+          <a:fontRef idx="minor">
+            <a:schemeClr val="tx1"/>
+          </a:fontRef>
+        </p:style>
+      </p:cxnSp>
+      <p:sp>
+        <p:nvSpPr>
+          <p:cNvPr id="6" name="Rounded Rectangle 5"/>
+          <p:cNvSpPr/>
+          <p:nvPr/>
+        </p:nvSpPr>
+        <p:spPr>
+          <a:xfrm>
+            <a:off x="1403182" y="3608738"/>
+            <a:ext cx="2123962" cy="524008"/>
+          </a:xfrm>
+          <a:prstGeom prst="roundRect">
+            <a:avLst/>
+          </a:prstGeom>
+          <a:solidFill>
+            <a:schemeClr val="accent2"/>
+          </a:solidFill>
+          <a:ln w="6350">
+            <a:solidFill>
+              <a:schemeClr val="bg1"/>
+            </a:solidFill>
+          </a:ln>
+          <a:effectLst/>
+        </p:spPr>
+        <p:style>
+          <a:lnRef idx="1">
+            <a:schemeClr val="accent1"/>
+          </a:lnRef>
+          <a:fillRef idx="3">
+            <a:schemeClr val="accent1"/>
+          </a:fillRef>
+          <a:effectRef idx="2">
+            <a:schemeClr val="accent1"/>
+          </a:effectRef>
+          <a:fontRef idx="minor">
+            <a:schemeClr val="lt1"/>
+          </a:fontRef>
+        </p:style>
+        <p:txBody>
+          <a:bodyPr rtlCol="0" anchor="ctr"/>
+          <a:lstStyle/>
+          <a:p>
+            <a:pPr algn="ctr"/>
+            <a:r>
+              <a:rPr lang="en-US" sz="1200" dirty="0" err="1" smtClean="0"/>
+              <a:t>articulate.cfapps.io</a:t>
+            </a:r>
+            <a:endParaRPr lang="en-US" sz="1400" dirty="0"/>
+          </a:p>
+        </p:txBody>
+      </p:sp>
+      <p:sp>
+        <p:nvSpPr>
+          <p:cNvPr id="7" name="Rounded Rectangle 6"/>
+          <p:cNvSpPr/>
+          <p:nvPr/>
+        </p:nvSpPr>
+        <p:spPr>
+          <a:xfrm>
+            <a:off x="3648627" y="3608738"/>
+            <a:ext cx="2134267" cy="524008"/>
+          </a:xfrm>
+          <a:prstGeom prst="roundRect">
+            <a:avLst/>
+          </a:prstGeom>
+          <a:solidFill>
+            <a:schemeClr val="accent2"/>
+          </a:solidFill>
+          <a:ln w="6350">
+            <a:solidFill>
+              <a:schemeClr val="bg1"/>
+            </a:solidFill>
+          </a:ln>
+          <a:effectLst/>
+        </p:spPr>
+        <p:style>
+          <a:lnRef idx="1">
+            <a:schemeClr val="accent1"/>
+          </a:lnRef>
+          <a:fillRef idx="3">
+            <a:schemeClr val="accent1"/>
+          </a:fillRef>
+          <a:effectRef idx="2">
+            <a:schemeClr val="accent1"/>
+          </a:effectRef>
+          <a:fontRef idx="minor">
+            <a:schemeClr val="lt1"/>
+          </a:fontRef>
+        </p:style>
+        <p:txBody>
+          <a:bodyPr rtlCol="0" anchor="ctr"/>
+          <a:lstStyle/>
+          <a:p>
+            <a:pPr algn="ctr"/>
+            <a:r>
+              <a:rPr lang="en-US" sz="1200" dirty="0"/>
+              <a:t>a</a:t>
+            </a:r>
+            <a:r>
+              <a:rPr lang="en-US" sz="1200" dirty="0" smtClean="0"/>
+              <a:t>ttendees-</a:t>
+            </a:r>
+            <a:r>
+              <a:rPr lang="en-US" sz="1200" dirty="0" err="1" smtClean="0"/>
+              <a:t>blue.cfapps.io</a:t>
+            </a:r>
+            <a:endParaRPr lang="en-US" sz="1200" dirty="0"/>
+          </a:p>
+        </p:txBody>
+      </p:sp>
+      <p:sp>
+        <p:nvSpPr>
+          <p:cNvPr id="8" name="Rounded Rectangle 7"/>
+          <p:cNvSpPr/>
+          <p:nvPr/>
+        </p:nvSpPr>
+        <p:spPr>
+          <a:xfrm>
+            <a:off x="6164771" y="3608738"/>
+            <a:ext cx="2144574" cy="524008"/>
+          </a:xfrm>
+          <a:prstGeom prst="roundRect">
+            <a:avLst/>
+          </a:prstGeom>
+          <a:solidFill>
+            <a:schemeClr val="accent2"/>
+          </a:solidFill>
+          <a:ln w="6350">
+            <a:solidFill>
+              <a:schemeClr val="bg1"/>
+            </a:solidFill>
+          </a:ln>
+          <a:effectLst/>
+        </p:spPr>
+        <p:style>
+          <a:lnRef idx="1">
+            <a:schemeClr val="accent1"/>
+          </a:lnRef>
+          <a:fillRef idx="3">
+            <a:schemeClr val="accent1"/>
+          </a:fillRef>
+          <a:effectRef idx="2">
+            <a:schemeClr val="accent1"/>
+          </a:effectRef>
+          <a:fontRef idx="minor">
+            <a:schemeClr val="lt1"/>
+          </a:fontRef>
+        </p:style>
+        <p:txBody>
+          <a:bodyPr rtlCol="0" anchor="ctr"/>
+          <a:lstStyle/>
+          <a:p>
+            <a:pPr algn="ctr"/>
+            <a:r>
+              <a:rPr lang="en-US" sz="1200" dirty="0"/>
+              <a:t>a</a:t>
+            </a:r>
+            <a:r>
+              <a:rPr lang="en-US" sz="1200" dirty="0" smtClean="0"/>
+              <a:t>ttendees-</a:t>
+            </a:r>
+            <a:r>
+              <a:rPr lang="en-US" sz="1200" dirty="0" err="1" smtClean="0"/>
+              <a:t>green.cfapps.io</a:t>
+            </a:r>
+            <a:endParaRPr lang="en-US" sz="1200" dirty="0"/>
+          </a:p>
+        </p:txBody>
+      </p:sp>
+      <p:sp>
+        <p:nvSpPr>
+          <p:cNvPr id="12" name="Rounded Rectangle 11"/>
+          <p:cNvSpPr/>
+          <p:nvPr/>
+        </p:nvSpPr>
+        <p:spPr>
+          <a:xfrm>
+            <a:off x="6248975" y="3652752"/>
+            <a:ext cx="2144574" cy="524008"/>
+          </a:xfrm>
+          <a:prstGeom prst="roundRect">
+            <a:avLst/>
+          </a:prstGeom>
+          <a:solidFill>
+            <a:schemeClr val="accent2"/>
+          </a:solidFill>
+          <a:ln w="6350">
+            <a:solidFill>
+              <a:schemeClr val="bg1"/>
+            </a:solidFill>
+          </a:ln>
+          <a:effectLst/>
+        </p:spPr>
+        <p:style>
+          <a:lnRef idx="1">
+            <a:schemeClr val="accent1"/>
+          </a:lnRef>
+          <a:fillRef idx="3">
+            <a:schemeClr val="accent1"/>
+          </a:fillRef>
+          <a:effectRef idx="2">
+            <a:schemeClr val="accent1"/>
+          </a:effectRef>
+          <a:fontRef idx="minor">
+            <a:schemeClr val="lt1"/>
+          </a:fontRef>
+        </p:style>
+        <p:txBody>
+          <a:bodyPr rtlCol="0" anchor="ctr"/>
+          <a:lstStyle/>
+          <a:p>
+            <a:pPr algn="ctr"/>
+            <a:r>
+              <a:rPr lang="en-US" sz="1200" dirty="0" err="1" smtClean="0"/>
+              <a:t>myapp.cfapps.io</a:t>
+            </a:r>
+            <a:endParaRPr lang="en-US" sz="1200" dirty="0"/>
+          </a:p>
+        </p:txBody>
+      </p:sp>
+      <p:sp>
+        <p:nvSpPr>
+          <p:cNvPr id="13" name="Rounded Rectangle 12"/>
+          <p:cNvSpPr/>
+          <p:nvPr/>
+        </p:nvSpPr>
+        <p:spPr>
+          <a:xfrm>
+            <a:off x="3725704" y="3651534"/>
+            <a:ext cx="2134267" cy="524008"/>
+          </a:xfrm>
+          <a:prstGeom prst="roundRect">
+            <a:avLst/>
+          </a:prstGeom>
+          <a:solidFill>
+            <a:schemeClr val="accent2"/>
+          </a:solidFill>
+          <a:ln w="6350">
+            <a:solidFill>
+              <a:schemeClr val="bg1"/>
+            </a:solidFill>
+          </a:ln>
+          <a:effectLst/>
+        </p:spPr>
+        <p:style>
+          <a:lnRef idx="1">
+            <a:schemeClr val="accent1"/>
+          </a:lnRef>
+          <a:fillRef idx="3">
+            <a:schemeClr val="accent1"/>
+          </a:fillRef>
+          <a:effectRef idx="2">
+            <a:schemeClr val="accent1"/>
+          </a:effectRef>
+          <a:fontRef idx="minor">
+            <a:schemeClr val="lt1"/>
+          </a:fontRef>
+        </p:style>
+        <p:txBody>
+          <a:bodyPr rtlCol="0" anchor="ctr"/>
+          <a:lstStyle/>
+          <a:p>
+            <a:pPr algn="ctr"/>
+            <a:r>
+              <a:rPr lang="en-US" sz="1200" dirty="0"/>
+              <a:t>a</a:t>
+            </a:r>
+            <a:r>
+              <a:rPr lang="en-US" sz="1200" dirty="0" smtClean="0"/>
+              <a:t>ttendees-</a:t>
+            </a:r>
+            <a:r>
+              <a:rPr lang="en-US" sz="1200" dirty="0" err="1" smtClean="0"/>
+              <a:t>blue.cfapps.io</a:t>
+            </a:r>
+            <a:endParaRPr lang="en-US" sz="1200" dirty="0"/>
+          </a:p>
+        </p:txBody>
+      </p:sp>
+      <p:sp>
+        <p:nvSpPr>
+          <p:cNvPr id="14" name="Rounded Rectangle 13"/>
+          <p:cNvSpPr/>
+          <p:nvPr/>
+        </p:nvSpPr>
+        <p:spPr>
+          <a:xfrm>
+            <a:off x="3809908" y="3738738"/>
+            <a:ext cx="2134267" cy="524008"/>
+          </a:xfrm>
+          <a:prstGeom prst="roundRect">
+            <a:avLst/>
+          </a:prstGeom>
+          <a:solidFill>
+            <a:schemeClr val="accent2"/>
+          </a:solidFill>
+          <a:ln w="6350">
+            <a:solidFill>
+              <a:schemeClr val="bg1"/>
+            </a:solidFill>
+          </a:ln>
+          <a:effectLst/>
+        </p:spPr>
+        <p:style>
+          <a:lnRef idx="1">
+            <a:schemeClr val="accent1"/>
+          </a:lnRef>
+          <a:fillRef idx="3">
+            <a:schemeClr val="accent1"/>
+          </a:fillRef>
+          <a:effectRef idx="2">
+            <a:schemeClr val="accent1"/>
+          </a:effectRef>
+          <a:fontRef idx="minor">
+            <a:schemeClr val="lt1"/>
+          </a:fontRef>
+        </p:style>
+        <p:txBody>
+          <a:bodyPr rtlCol="0" anchor="ctr"/>
+          <a:lstStyle/>
+          <a:p>
+            <a:pPr algn="ctr"/>
+            <a:r>
+              <a:rPr lang="en-US" sz="1200" dirty="0"/>
+              <a:t>a</a:t>
+            </a:r>
+            <a:r>
+              <a:rPr lang="en-US" sz="1200" dirty="0" smtClean="0"/>
+              <a:t>ttendee-</a:t>
+            </a:r>
+            <a:r>
+              <a:rPr lang="en-US" sz="1200" dirty="0" err="1" smtClean="0"/>
+              <a:t>service.cfapps.io</a:t>
+            </a:r>
+            <a:endParaRPr lang="en-US" sz="1200" dirty="0"/>
+          </a:p>
+        </p:txBody>
+      </p:sp>
+      <p:cxnSp>
+        <p:nvCxnSpPr>
+          <p:cNvPr id="26" name="Straight Arrow Connector 25"/>
+          <p:cNvCxnSpPr>
+            <a:stCxn id="5" idx="2"/>
+            <a:endCxn id="6" idx="0"/>
+          </p:cNvCxnSpPr>
+          <p:nvPr/>
+        </p:nvCxnSpPr>
+        <p:spPr>
+          <a:xfrm flipH="1">
+            <a:off x="2465163" y="2387710"/>
+            <a:ext cx="2250598" cy="1221028"/>
+          </a:xfrm>
+          <a:prstGeom prst="straightConnector1">
+            <a:avLst/>
+          </a:prstGeom>
+          <a:ln>
+            <a:tailEnd type="arrow"/>
+          </a:ln>
+        </p:spPr>
+        <p:style>
+          <a:lnRef idx="2">
+            <a:schemeClr val="accent1"/>
+          </a:lnRef>
+          <a:fillRef idx="0">
+            <a:schemeClr val="accent1"/>
+          </a:fillRef>
+          <a:effectRef idx="1">
+            <a:schemeClr val="accent1"/>
+          </a:effectRef>
+          <a:fontRef idx="minor">
+            <a:schemeClr val="tx1"/>
+          </a:fontRef>
+        </p:style>
+      </p:cxnSp>
+      <p:sp>
+        <p:nvSpPr>
+          <p:cNvPr id="25" name="Rounded Rectangle 24"/>
+          <p:cNvSpPr/>
+          <p:nvPr/>
+        </p:nvSpPr>
+        <p:spPr>
+          <a:xfrm>
+            <a:off x="676378" y="1973109"/>
+            <a:ext cx="1074589" cy="407134"/>
+          </a:xfrm>
+          <a:prstGeom prst="roundRect">
+            <a:avLst/>
+          </a:prstGeom>
+          <a:solidFill>
+            <a:srgbClr val="008881"/>
+          </a:solidFill>
+          <a:ln w="6350">
+            <a:solidFill>
+              <a:schemeClr val="bg1"/>
+            </a:solidFill>
+          </a:ln>
+          <a:effectLst/>
+        </p:spPr>
+        <p:style>
+          <a:lnRef idx="1">
+            <a:schemeClr val="accent1"/>
+          </a:lnRef>
+          <a:fillRef idx="3">
+            <a:schemeClr val="accent1"/>
+          </a:fillRef>
+          <a:effectRef idx="2">
+            <a:schemeClr val="accent1"/>
+          </a:effectRef>
+          <a:fontRef idx="minor">
+            <a:schemeClr val="lt1"/>
+          </a:fontRef>
+        </p:style>
+        <p:txBody>
+          <a:bodyPr rtlCol="0" anchor="ctr"/>
+          <a:lstStyle/>
+          <a:p>
+            <a:pPr algn="ctr"/>
+            <a:r>
+              <a:rPr lang="en-US" sz="1400" dirty="0" smtClean="0"/>
+              <a:t>UAA</a:t>
+            </a:r>
+            <a:endParaRPr lang="en-US" sz="1400" dirty="0"/>
+          </a:p>
+        </p:txBody>
+      </p:sp>
+      <p:sp>
+        <p:nvSpPr>
+          <p:cNvPr id="27" name="Rounded Rectangle 26"/>
+          <p:cNvSpPr/>
+          <p:nvPr/>
+        </p:nvSpPr>
+        <p:spPr>
+          <a:xfrm>
+            <a:off x="676378" y="2480770"/>
+            <a:ext cx="1074589" cy="407134"/>
+          </a:xfrm>
+          <a:prstGeom prst="roundRect">
+            <a:avLst/>
+          </a:prstGeom>
+          <a:solidFill>
+            <a:srgbClr val="008881"/>
+          </a:solidFill>
+          <a:ln w="6350">
+            <a:solidFill>
+              <a:schemeClr val="bg1"/>
+            </a:solidFill>
+          </a:ln>
+          <a:effectLst/>
+        </p:spPr>
+        <p:style>
+          <a:lnRef idx="1">
+            <a:schemeClr val="accent1"/>
+          </a:lnRef>
+          <a:fillRef idx="3">
+            <a:schemeClr val="accent1"/>
+          </a:fillRef>
+          <a:effectRef idx="2">
+            <a:schemeClr val="accent1"/>
+          </a:effectRef>
+          <a:fontRef idx="minor">
+            <a:schemeClr val="lt1"/>
+          </a:fontRef>
+        </p:style>
+        <p:txBody>
+          <a:bodyPr rtlCol="0" anchor="ctr"/>
+          <a:lstStyle/>
+          <a:p>
+            <a:pPr algn="ctr"/>
+            <a:r>
+              <a:rPr lang="en-US" sz="1400" dirty="0" smtClean="0"/>
+              <a:t>BLOB Store</a:t>
+            </a:r>
+            <a:endParaRPr lang="en-US" sz="1400" dirty="0"/>
+          </a:p>
+        </p:txBody>
+      </p:sp>
+    </p:spTree>
+    <p:extLst>
+      <p:ext uri="{BB962C8B-B14F-4D97-AF65-F5344CB8AC3E}">
+        <p14:creationId xmlns:p14="http://schemas.microsoft.com/office/powerpoint/2010/main" val="2486797579"/>
+      </p:ext>
+    </p:extLst>
+  </p:cSld>
+  <p:clrMapOvr>
+    <a:masterClrMapping/>
+  </p:clrMapOvr>
+  <p:timing>
+    <p:tnLst>
+      <p:par>
+        <p:cTn xmlns:p14="http://schemas.microsoft.com/office/powerpoint/2010/main" id="1" dur="indefinite" restart="never" nodeType="tmRoot"/>
+      </p:par>
+    </p:tnLst>
+  </p:timing>
+</p:sld>
+</file>
+
+<file path=ppt/slides/slide11.xml><?xml version="1.0" encoding="utf-8"?>
+<p:sld xmlns:a="http://schemas.openxmlformats.org/drawingml/2006/main" xmlns:r="http://schemas.openxmlformats.org/officeDocument/2006/relationships" xmlns:p="http://schemas.openxmlformats.org/presentationml/2006/main">
+  <p:cSld>
+    <p:spTree>
+      <p:nvGrpSpPr>
+        <p:cNvPr id="1" name=""/>
+        <p:cNvGrpSpPr/>
+        <p:nvPr/>
+      </p:nvGrpSpPr>
+      <p:grpSpPr>
+        <a:xfrm>
+          <a:off x="0" y="0"/>
+          <a:ext cx="0" cy="0"/>
+          <a:chOff x="0" y="0"/>
+          <a:chExt cx="0" cy="0"/>
+        </a:xfrm>
+      </p:grpSpPr>
+      <p:sp>
+        <p:nvSpPr>
+          <p:cNvPr id="4" name="Rounded Rectangle 3"/>
+          <p:cNvSpPr/>
+          <p:nvPr/>
+        </p:nvSpPr>
+        <p:spPr>
+          <a:xfrm>
+            <a:off x="239787" y="1166502"/>
+            <a:ext cx="2557700" cy="999169"/>
+          </a:xfrm>
+          <a:prstGeom prst="roundRect">
+            <a:avLst/>
+          </a:prstGeom>
+          <a:solidFill>
+            <a:srgbClr val="FF6600"/>
+          </a:solidFill>
+          <a:ln w="6350">
+            <a:solidFill>
+              <a:schemeClr val="bg1"/>
+            </a:solidFill>
+          </a:ln>
+          <a:effectLst/>
+        </p:spPr>
+        <p:style>
+          <a:lnRef idx="1">
+            <a:schemeClr val="accent1"/>
+          </a:lnRef>
+          <a:fillRef idx="3">
+            <a:schemeClr val="accent1"/>
+          </a:fillRef>
+          <a:effectRef idx="2">
+            <a:schemeClr val="accent1"/>
+          </a:effectRef>
+          <a:fontRef idx="minor">
+            <a:schemeClr val="lt1"/>
+          </a:fontRef>
+        </p:style>
+        <p:txBody>
+          <a:bodyPr rtlCol="0" anchor="ctr"/>
+          <a:lstStyle/>
+          <a:p>
+            <a:pPr algn="ctr"/>
+            <a:r>
+              <a:rPr lang="en-US" sz="1400" b="1" dirty="0" smtClean="0"/>
+              <a:t>UI</a:t>
+            </a:r>
+          </a:p>
+          <a:p>
+            <a:pPr algn="ctr"/>
+            <a:r>
+              <a:rPr lang="en-US" sz="1200" dirty="0" smtClean="0"/>
+              <a:t>(</a:t>
+            </a:r>
+            <a:r>
+              <a:rPr lang="en-US" sz="1200" dirty="0" err="1" smtClean="0"/>
+              <a:t>thymeleaf</a:t>
+            </a:r>
+            <a:r>
+              <a:rPr lang="en-US" sz="1200" dirty="0" smtClean="0"/>
+              <a:t> / bootstrap / Spring Boot, MVC and Cloud Connectors)</a:t>
+            </a:r>
+            <a:endParaRPr lang="en-US" sz="1200" dirty="0"/>
+          </a:p>
+        </p:txBody>
+      </p:sp>
+      <p:sp>
+        <p:nvSpPr>
+          <p:cNvPr id="5" name="Rounded Rectangle 4"/>
+          <p:cNvSpPr/>
+          <p:nvPr/>
+        </p:nvSpPr>
+        <p:spPr>
+          <a:xfrm>
+            <a:off x="2850774" y="1173969"/>
+            <a:ext cx="879208" cy="991701"/>
+          </a:xfrm>
+          <a:prstGeom prst="roundRect">
+            <a:avLst/>
+          </a:prstGeom>
+          <a:solidFill>
+            <a:srgbClr val="008881"/>
+          </a:solidFill>
+          <a:ln w="6350">
+            <a:solidFill>
+              <a:schemeClr val="bg1"/>
+            </a:solidFill>
+          </a:ln>
+          <a:effectLst/>
+        </p:spPr>
+        <p:style>
+          <a:lnRef idx="1">
+            <a:schemeClr val="accent1"/>
+          </a:lnRef>
+          <a:fillRef idx="3">
+            <a:schemeClr val="accent1"/>
+          </a:fillRef>
+          <a:effectRef idx="2">
+            <a:schemeClr val="accent1"/>
+          </a:effectRef>
+          <a:fontRef idx="minor">
+            <a:schemeClr val="lt1"/>
+          </a:fontRef>
+        </p:style>
+        <p:txBody>
+          <a:bodyPr rtlCol="0" anchor="ctr"/>
+          <a:lstStyle/>
+          <a:p>
+            <a:pPr algn="ctr"/>
+            <a:r>
+              <a:rPr lang="en-US" sz="1400" b="1" dirty="0" smtClean="0"/>
+              <a:t>Model</a:t>
+            </a:r>
+            <a:endParaRPr lang="en-US" sz="1400" b="1" dirty="0"/>
+          </a:p>
+        </p:txBody>
+      </p:sp>
+      <p:sp>
+        <p:nvSpPr>
+          <p:cNvPr id="27" name="Rounded Rectangle 26"/>
+          <p:cNvSpPr/>
+          <p:nvPr/>
+        </p:nvSpPr>
+        <p:spPr>
+          <a:xfrm>
+            <a:off x="3793572" y="1166502"/>
+            <a:ext cx="1481686" cy="991701"/>
+          </a:xfrm>
+          <a:prstGeom prst="roundRect">
+            <a:avLst/>
+          </a:prstGeom>
+          <a:solidFill>
+            <a:srgbClr val="008881"/>
+          </a:solidFill>
+          <a:ln w="6350">
+            <a:solidFill>
+              <a:schemeClr val="bg1"/>
+            </a:solidFill>
+          </a:ln>
+          <a:effectLst/>
+        </p:spPr>
+        <p:style>
+          <a:lnRef idx="1">
+            <a:schemeClr val="accent1"/>
+          </a:lnRef>
+          <a:fillRef idx="3">
+            <a:schemeClr val="accent1"/>
+          </a:fillRef>
+          <a:effectRef idx="2">
+            <a:schemeClr val="accent1"/>
+          </a:effectRef>
+          <a:fontRef idx="minor">
+            <a:schemeClr val="lt1"/>
+          </a:fontRef>
+        </p:style>
+        <p:txBody>
+          <a:bodyPr rtlCol="0" anchor="ctr"/>
+          <a:lstStyle/>
+          <a:p>
+            <a:pPr algn="ctr"/>
+            <a:r>
+              <a:rPr lang="en-US" sz="1400" b="1" dirty="0" smtClean="0"/>
+              <a:t>Service</a:t>
+            </a:r>
+          </a:p>
+          <a:p>
+            <a:pPr algn="ctr"/>
+            <a:r>
+              <a:rPr lang="en-US" sz="1200" dirty="0" smtClean="0"/>
+              <a:t>(feign / Ribbon)</a:t>
+            </a:r>
+            <a:endParaRPr lang="en-US" sz="1200" dirty="0"/>
+          </a:p>
+        </p:txBody>
+      </p:sp>
+      <p:sp>
+        <p:nvSpPr>
+          <p:cNvPr id="29" name="Rounded Rectangle 28"/>
+          <p:cNvSpPr/>
+          <p:nvPr/>
+        </p:nvSpPr>
+        <p:spPr>
+          <a:xfrm>
+            <a:off x="6678442" y="1175579"/>
+            <a:ext cx="2140297" cy="991701"/>
+          </a:xfrm>
+          <a:prstGeom prst="roundRect">
+            <a:avLst/>
+          </a:prstGeom>
+          <a:solidFill>
+            <a:srgbClr val="008881"/>
+          </a:solidFill>
+          <a:ln w="6350">
+            <a:solidFill>
+              <a:schemeClr val="bg1"/>
+            </a:solidFill>
+          </a:ln>
+          <a:effectLst/>
+        </p:spPr>
+        <p:style>
+          <a:lnRef idx="1">
+            <a:schemeClr val="accent1"/>
+          </a:lnRef>
+          <a:fillRef idx="3">
+            <a:schemeClr val="accent1"/>
+          </a:fillRef>
+          <a:effectRef idx="2">
+            <a:schemeClr val="accent1"/>
+          </a:effectRef>
+          <a:fontRef idx="minor">
+            <a:schemeClr val="lt1"/>
+          </a:fontRef>
+        </p:style>
+        <p:txBody>
+          <a:bodyPr rtlCol="0" anchor="ctr"/>
+          <a:lstStyle/>
+          <a:p>
+            <a:pPr algn="ctr"/>
+            <a:r>
               <a:rPr lang="en-US" sz="1400" b="1" dirty="0" smtClean="0"/>
               <a:t>attendees</a:t>
             </a:r>
@@ -9299,6 +10504,395 @@
     <p:extLst>
       <p:ext uri="{BB962C8B-B14F-4D97-AF65-F5344CB8AC3E}">
         <p14:creationId xmlns:p14="http://schemas.microsoft.com/office/powerpoint/2010/main" val="3831314922"/>
+      </p:ext>
+    </p:extLst>
+  </p:cSld>
+  <p:clrMapOvr>
+    <a:masterClrMapping/>
+  </p:clrMapOvr>
+  <p:timing>
+    <p:tnLst>
+      <p:par>
+        <p:cTn xmlns:p14="http://schemas.microsoft.com/office/powerpoint/2010/main" id="1" dur="indefinite" restart="never" nodeType="tmRoot"/>
+      </p:par>
+    </p:tnLst>
+  </p:timing>
+</p:sld>
+</file>
+
+<file path=ppt/slides/slide12.xml><?xml version="1.0" encoding="utf-8"?>
+<p:sld xmlns:a="http://schemas.openxmlformats.org/drawingml/2006/main" xmlns:r="http://schemas.openxmlformats.org/officeDocument/2006/relationships" xmlns:p="http://schemas.openxmlformats.org/presentationml/2006/main">
+  <p:cSld>
+    <p:spTree>
+      <p:nvGrpSpPr>
+        <p:cNvPr id="1" name=""/>
+        <p:cNvGrpSpPr/>
+        <p:nvPr/>
+      </p:nvGrpSpPr>
+      <p:grpSpPr>
+        <a:xfrm>
+          <a:off x="0" y="0"/>
+          <a:ext cx="0" cy="0"/>
+          <a:chOff x="0" y="0"/>
+          <a:chExt cx="0" cy="0"/>
+        </a:xfrm>
+      </p:grpSpPr>
+      <p:sp>
+        <p:nvSpPr>
+          <p:cNvPr id="4" name="Rounded Rectangle 3"/>
+          <p:cNvSpPr/>
+          <p:nvPr/>
+        </p:nvSpPr>
+        <p:spPr>
+          <a:xfrm>
+            <a:off x="559384" y="1221202"/>
+            <a:ext cx="2904057" cy="999169"/>
+          </a:xfrm>
+          <a:prstGeom prst="roundRect">
+            <a:avLst/>
+          </a:prstGeom>
+          <a:solidFill>
+            <a:srgbClr val="008881"/>
+          </a:solidFill>
+          <a:ln w="6350">
+            <a:solidFill>
+              <a:schemeClr val="bg1"/>
+            </a:solidFill>
+          </a:ln>
+          <a:effectLst/>
+        </p:spPr>
+        <p:style>
+          <a:lnRef idx="1">
+            <a:schemeClr val="accent1"/>
+          </a:lnRef>
+          <a:fillRef idx="3">
+            <a:schemeClr val="accent1"/>
+          </a:fillRef>
+          <a:effectRef idx="2">
+            <a:schemeClr val="accent1"/>
+          </a:effectRef>
+          <a:fontRef idx="minor">
+            <a:schemeClr val="lt1"/>
+          </a:fontRef>
+        </p:style>
+        <p:txBody>
+          <a:bodyPr rtlCol="0" anchor="ctr"/>
+          <a:lstStyle/>
+          <a:p>
+            <a:pPr algn="ctr"/>
+            <a:r>
+              <a:rPr lang="en-US" sz="1600" b="1" dirty="0" smtClean="0"/>
+              <a:t>articulate</a:t>
+            </a:r>
+            <a:endParaRPr lang="en-US" sz="1600" b="1" dirty="0" smtClean="0"/>
+          </a:p>
+          <a:p>
+            <a:pPr algn="ctr"/>
+            <a:r>
+              <a:rPr lang="en-US" sz="1200" dirty="0" smtClean="0"/>
+              <a:t>(Spring </a:t>
+            </a:r>
+            <a:r>
+              <a:rPr lang="en-US" sz="1200" dirty="0" smtClean="0"/>
+              <a:t>Boot, </a:t>
+            </a:r>
+            <a:r>
+              <a:rPr lang="en-US" sz="1200" dirty="0" smtClean="0"/>
+              <a:t>Spring MVC, Spring Cloud </a:t>
+            </a:r>
+            <a:r>
+              <a:rPr lang="en-US" sz="1200" dirty="0" smtClean="0"/>
+              <a:t>Connectors, </a:t>
+            </a:r>
+            <a:r>
+              <a:rPr lang="en-US" sz="1200" dirty="0" err="1" smtClean="0"/>
+              <a:t>Thymeleaf</a:t>
+            </a:r>
+            <a:r>
+              <a:rPr lang="en-US" sz="1200" dirty="0"/>
+              <a:t>,</a:t>
+            </a:r>
+            <a:r>
+              <a:rPr lang="en-US" sz="1200" dirty="0" smtClean="0"/>
+              <a:t> </a:t>
+            </a:r>
+            <a:r>
+              <a:rPr lang="en-US" sz="1200" dirty="0"/>
+              <a:t>B</a:t>
+            </a:r>
+            <a:r>
+              <a:rPr lang="en-US" sz="1200" dirty="0" smtClean="0"/>
+              <a:t>ootstrap)</a:t>
+            </a:r>
+            <a:endParaRPr lang="en-US" sz="1200" dirty="0"/>
+          </a:p>
+        </p:txBody>
+      </p:sp>
+      <p:sp>
+        <p:nvSpPr>
+          <p:cNvPr id="29" name="Rounded Rectangle 28"/>
+          <p:cNvSpPr/>
+          <p:nvPr/>
+        </p:nvSpPr>
+        <p:spPr>
+          <a:xfrm>
+            <a:off x="4866625" y="1221202"/>
+            <a:ext cx="2140297" cy="991701"/>
+          </a:xfrm>
+          <a:prstGeom prst="roundRect">
+            <a:avLst/>
+          </a:prstGeom>
+          <a:solidFill>
+            <a:srgbClr val="008881"/>
+          </a:solidFill>
+          <a:ln w="6350">
+            <a:solidFill>
+              <a:schemeClr val="bg1"/>
+            </a:solidFill>
+          </a:ln>
+          <a:effectLst/>
+        </p:spPr>
+        <p:style>
+          <a:lnRef idx="1">
+            <a:schemeClr val="accent1"/>
+          </a:lnRef>
+          <a:fillRef idx="3">
+            <a:schemeClr val="accent1"/>
+          </a:fillRef>
+          <a:effectRef idx="2">
+            <a:schemeClr val="accent1"/>
+          </a:effectRef>
+          <a:fontRef idx="minor">
+            <a:schemeClr val="lt1"/>
+          </a:fontRef>
+        </p:style>
+        <p:txBody>
+          <a:bodyPr rtlCol="0" anchor="ctr"/>
+          <a:lstStyle/>
+          <a:p>
+            <a:pPr algn="ctr"/>
+            <a:r>
+              <a:rPr lang="en-US" sz="1600" b="1" dirty="0"/>
+              <a:t>attendee-</a:t>
+            </a:r>
+            <a:r>
+              <a:rPr lang="en-US" sz="1600" b="1" dirty="0" smtClean="0"/>
+              <a:t>service</a:t>
+            </a:r>
+          </a:p>
+          <a:p>
+            <a:pPr algn="ctr"/>
+            <a:r>
+              <a:rPr lang="en-US" sz="1200" dirty="0" smtClean="0"/>
+              <a:t>S</a:t>
+            </a:r>
+            <a:r>
+              <a:rPr lang="en-US" sz="1200" dirty="0" smtClean="0"/>
+              <a:t>pring </a:t>
+            </a:r>
+            <a:r>
+              <a:rPr lang="en-US" sz="1200" dirty="0"/>
+              <a:t>B</a:t>
+            </a:r>
+            <a:r>
+              <a:rPr lang="en-US" sz="1200" dirty="0" smtClean="0"/>
+              <a:t>oot</a:t>
+            </a:r>
+            <a:r>
+              <a:rPr lang="en-US" sz="1200" dirty="0" smtClean="0"/>
+              <a:t>, </a:t>
+            </a:r>
+            <a:r>
+              <a:rPr lang="en-US" sz="1200" dirty="0" smtClean="0"/>
+              <a:t>Spring Data JPA, Spring Cloud Connectors</a:t>
+            </a:r>
+            <a:endParaRPr lang="en-US" sz="1200" dirty="0"/>
+          </a:p>
+        </p:txBody>
+      </p:sp>
+      <p:cxnSp>
+        <p:nvCxnSpPr>
+          <p:cNvPr id="19" name="Straight Connector 18"/>
+          <p:cNvCxnSpPr>
+            <a:endCxn id="29" idx="1"/>
+          </p:cNvCxnSpPr>
+          <p:nvPr/>
+        </p:nvCxnSpPr>
+        <p:spPr>
+          <a:xfrm>
+            <a:off x="3463441" y="1707976"/>
+            <a:ext cx="1403184" cy="9077"/>
+          </a:xfrm>
+          <a:prstGeom prst="line">
+            <a:avLst/>
+          </a:prstGeom>
+        </p:spPr>
+        <p:style>
+          <a:lnRef idx="2">
+            <a:schemeClr val="accent1"/>
+          </a:lnRef>
+          <a:fillRef idx="0">
+            <a:schemeClr val="accent1"/>
+          </a:fillRef>
+          <a:effectRef idx="1">
+            <a:schemeClr val="accent1"/>
+          </a:effectRef>
+          <a:fontRef idx="minor">
+            <a:schemeClr val="tx1"/>
+          </a:fontRef>
+        </p:style>
+      </p:cxnSp>
+      <p:sp>
+        <p:nvSpPr>
+          <p:cNvPr id="37" name="TextBox 36"/>
+          <p:cNvSpPr txBox="1"/>
+          <p:nvPr/>
+        </p:nvSpPr>
+        <p:spPr>
+          <a:xfrm>
+            <a:off x="3694233" y="1477143"/>
+            <a:ext cx="977100" cy="461665"/>
+          </a:xfrm>
+          <a:prstGeom prst="rect">
+            <a:avLst/>
+          </a:prstGeom>
+          <a:noFill/>
+        </p:spPr>
+        <p:txBody>
+          <a:bodyPr wrap="none" rtlCol="0">
+            <a:spAutoFit/>
+          </a:bodyPr>
+          <a:lstStyle/>
+          <a:p>
+            <a:pPr algn="ctr"/>
+            <a:r>
+              <a:rPr lang="en-US" sz="1200" dirty="0" smtClean="0">
+                <a:solidFill>
+                  <a:schemeClr val="bg1"/>
+                </a:solidFill>
+              </a:rPr>
+              <a:t>REST</a:t>
+            </a:r>
+          </a:p>
+          <a:p>
+            <a:pPr algn="ctr"/>
+            <a:r>
+              <a:rPr lang="en-US" sz="1200" dirty="0" smtClean="0">
+                <a:solidFill>
+                  <a:schemeClr val="bg1"/>
+                </a:solidFill>
+              </a:rPr>
+              <a:t>(http/</a:t>
+            </a:r>
+            <a:r>
+              <a:rPr lang="en-US" sz="1200" dirty="0" err="1" smtClean="0">
+                <a:solidFill>
+                  <a:schemeClr val="bg1"/>
+                </a:solidFill>
+              </a:rPr>
+              <a:t>json</a:t>
+            </a:r>
+            <a:r>
+              <a:rPr lang="en-US" sz="1200" dirty="0" smtClean="0">
+                <a:solidFill>
+                  <a:schemeClr val="bg1"/>
+                </a:solidFill>
+              </a:rPr>
+              <a:t>)</a:t>
+            </a:r>
+            <a:endParaRPr lang="en-US" sz="1200" dirty="0">
+              <a:solidFill>
+                <a:schemeClr val="bg1"/>
+              </a:solidFill>
+            </a:endParaRPr>
+          </a:p>
+        </p:txBody>
+      </p:sp>
+      <p:sp>
+        <p:nvSpPr>
+          <p:cNvPr id="2" name="Magnetic Disk 1"/>
+          <p:cNvSpPr/>
+          <p:nvPr/>
+        </p:nvSpPr>
+        <p:spPr>
+          <a:xfrm>
+            <a:off x="7593061" y="1232999"/>
+            <a:ext cx="1012534" cy="987552"/>
+          </a:xfrm>
+          <a:prstGeom prst="flowChartMagneticDisk">
+            <a:avLst/>
+          </a:prstGeom>
+          <a:solidFill>
+            <a:srgbClr val="FF6600"/>
+          </a:solidFill>
+          <a:ln w="6350">
+            <a:solidFill>
+              <a:schemeClr val="bg1"/>
+            </a:solidFill>
+          </a:ln>
+          <a:effectLst/>
+        </p:spPr>
+        <p:style>
+          <a:lnRef idx="1">
+            <a:schemeClr val="accent1"/>
+          </a:lnRef>
+          <a:fillRef idx="3">
+            <a:schemeClr val="accent1"/>
+          </a:fillRef>
+          <a:effectRef idx="2">
+            <a:schemeClr val="accent1"/>
+          </a:effectRef>
+          <a:fontRef idx="minor">
+            <a:schemeClr val="lt1"/>
+          </a:fontRef>
+        </p:style>
+        <p:txBody>
+          <a:bodyPr rtlCol="0" anchor="ctr"/>
+          <a:lstStyle/>
+          <a:p>
+            <a:pPr algn="ctr"/>
+            <a:r>
+              <a:rPr lang="en-US" sz="1600" dirty="0" smtClean="0"/>
+              <a:t>MySQL</a:t>
+            </a:r>
+            <a:endParaRPr lang="en-US" sz="1600" dirty="0"/>
+          </a:p>
+        </p:txBody>
+      </p:sp>
+      <p:cxnSp>
+        <p:nvCxnSpPr>
+          <p:cNvPr id="11" name="Straight Connector 10"/>
+          <p:cNvCxnSpPr/>
+          <p:nvPr/>
+        </p:nvCxnSpPr>
+        <p:spPr>
+          <a:xfrm>
+            <a:off x="7023256" y="1707976"/>
+            <a:ext cx="569805" cy="9077"/>
+          </a:xfrm>
+          <a:prstGeom prst="line">
+            <a:avLst/>
+          </a:prstGeom>
+        </p:spPr>
+        <p:style>
+          <a:lnRef idx="2">
+            <a:schemeClr val="accent1"/>
+          </a:lnRef>
+          <a:fillRef idx="0">
+            <a:schemeClr val="accent1"/>
+          </a:fillRef>
+          <a:effectRef idx="1">
+            <a:schemeClr val="accent1"/>
+          </a:effectRef>
+          <a:fontRef idx="minor">
+            <a:schemeClr val="tx1"/>
+          </a:fontRef>
+        </p:style>
+      </p:cxnSp>
+    </p:spTree>
+    <p:extLst>
+      <p:ext uri="{BB962C8B-B14F-4D97-AF65-F5344CB8AC3E}">
+        <p14:creationId xmlns:p14="http://schemas.microsoft.com/office/powerpoint/2010/main" val="3683135655"/>
       </p:ext>
     </p:extLst>
   </p:cSld>
@@ -18001,11 +19595,7 @@
             </a:r>
             <a:r>
               <a:rPr lang="en-US" sz="1200" dirty="0" err="1" smtClean="0"/>
-              <a:t>green</a:t>
-            </a:r>
-            <a:r>
-              <a:rPr lang="en-US" sz="1200" dirty="0" err="1" smtClean="0"/>
-              <a:t>.cfapps.io</a:t>
+              <a:t>green.cfapps.io</a:t>
             </a:r>
             <a:endParaRPr lang="en-US" sz="1200" dirty="0"/>
           </a:p>

--- a/docs/app-content.pptx
+++ b/docs/app-content.pptx
@@ -5,24 +5,25 @@
     <p:sldMasterId id="2147493455" r:id="rId4"/>
   </p:sldMasterIdLst>
   <p:notesMasterIdLst>
-    <p:notesMasterId r:id="rId17"/>
+    <p:notesMasterId r:id="rId18"/>
   </p:notesMasterIdLst>
   <p:handoutMasterIdLst>
-    <p:handoutMasterId r:id="rId18"/>
+    <p:handoutMasterId r:id="rId19"/>
   </p:handoutMasterIdLst>
   <p:sldIdLst>
     <p:sldId id="465" r:id="rId5"/>
     <p:sldId id="461" r:id="rId6"/>
     <p:sldId id="448" r:id="rId7"/>
-    <p:sldId id="431" r:id="rId8"/>
-    <p:sldId id="432" r:id="rId9"/>
-    <p:sldId id="454" r:id="rId10"/>
-    <p:sldId id="455" r:id="rId11"/>
-    <p:sldId id="462" r:id="rId12"/>
-    <p:sldId id="463" r:id="rId13"/>
-    <p:sldId id="467" r:id="rId14"/>
-    <p:sldId id="464" r:id="rId15"/>
-    <p:sldId id="466" r:id="rId16"/>
+    <p:sldId id="468" r:id="rId8"/>
+    <p:sldId id="431" r:id="rId9"/>
+    <p:sldId id="432" r:id="rId10"/>
+    <p:sldId id="454" r:id="rId11"/>
+    <p:sldId id="455" r:id="rId12"/>
+    <p:sldId id="462" r:id="rId13"/>
+    <p:sldId id="463" r:id="rId14"/>
+    <p:sldId id="467" r:id="rId15"/>
+    <p:sldId id="464" r:id="rId16"/>
+    <p:sldId id="466" r:id="rId17"/>
   </p:sldIdLst>
   <p:sldSz cx="9144000" cy="5143500" type="screen16x9"/>
   <p:notesSz cx="6858000" cy="9144000"/>
@@ -129,6 +130,7 @@
             <p14:sldId id="465"/>
             <p14:sldId id="461"/>
             <p14:sldId id="448"/>
+            <p14:sldId id="468"/>
             <p14:sldId id="431"/>
           </p14:sldIdLst>
         </p14:section>
@@ -248,7 +250,7 @@
           <a:p>
             <a:fld id="{C1F639CD-02BA-E14F-BB05-54A9501A84F3}" type="datetimeFigureOut">
               <a:rPr lang="en-US" smtClean="0"/>
-              <a:t>3/30/16</a:t>
+              <a:t>4/13/16</a:t>
             </a:fld>
             <a:endParaRPr lang="en-US"/>
           </a:p>
@@ -413,7 +415,7 @@
           <a:p>
             <a:fld id="{7B47E9F9-6557-4923-BE10-1C342566E3EE}" type="datetimeFigureOut">
               <a:rPr lang="en-US" smtClean="0"/>
-              <a:t>3/30/16</a:t>
+              <a:t>4/13/16</a:t>
             </a:fld>
             <a:endParaRPr lang="en-US"/>
           </a:p>
@@ -905,7 +907,7 @@
   <p:cSld>
     <p:spTree>
       <p:nvGrpSpPr>
-        <p:cNvPr id="1" name="Shape 124"/>
+        <p:cNvPr id="1" name="Shape 96"/>
         <p:cNvGrpSpPr/>
         <p:nvPr/>
       </p:nvGrpSpPr>
@@ -919,7 +921,7 @@
       </p:grpSpPr>
       <p:sp>
         <p:nvSpPr>
-          <p:cNvPr id="125" name="Shape 125"/>
+          <p:cNvPr id="97" name="Shape 97"/>
           <p:cNvSpPr txBox="1">
             <a:spLocks noGrp="1"/>
           </p:cNvSpPr>
@@ -929,33 +931,26 @@
         </p:nvSpPr>
         <p:spPr>
           <a:xfrm>
-            <a:off x="685800" y="4343400"/>
-            <a:ext cx="5486399" cy="4114800"/>
+            <a:off x="295171" y="2972430"/>
+            <a:ext cx="6267659" cy="5793719"/>
           </a:xfrm>
           <a:prstGeom prst="rect">
             <a:avLst/>
           </a:prstGeom>
         </p:spPr>
         <p:txBody>
-          <a:bodyPr lIns="91425" tIns="91425" rIns="91425" bIns="91425" anchor="t" anchorCtr="0">
+          <a:bodyPr lIns="90556" tIns="90556" rIns="90556" bIns="90556" anchor="t" anchorCtr="0">
             <a:noAutofit/>
           </a:bodyPr>
           <a:lstStyle/>
           <a:p>
-            <a:pPr marL="0" indent="0">
-              <a:spcBef>
-                <a:spcPts val="0"/>
-              </a:spcBef>
-              <a:buFontTx/>
-              <a:buNone/>
-            </a:pPr>
-            <a:endParaRPr lang="x-none" baseline="0" dirty="0" smtClean="0"/>
-          </a:p>
-        </p:txBody>
-      </p:sp>
-      <p:sp>
-        <p:nvSpPr>
-          <p:cNvPr id="126" name="Shape 126"/>
+            <a:endParaRPr dirty="0"/>
+          </a:p>
+        </p:txBody>
+      </p:sp>
+      <p:sp>
+        <p:nvSpPr>
+          <p:cNvPr id="98" name="Shape 98"/>
           <p:cNvSpPr>
             <a:spLocks noGrp="1" noRot="1" noChangeAspect="1"/>
           </p:cNvSpPr>
@@ -965,8 +960,8 @@
         </p:nvSpPr>
         <p:spPr>
           <a:xfrm>
-            <a:off x="381000" y="685800"/>
-            <a:ext cx="6096000" cy="3429000"/>
+            <a:off x="1606550" y="685800"/>
+            <a:ext cx="3702050" cy="2082800"/>
           </a:xfrm>
           <a:custGeom>
             <a:avLst/>
@@ -1017,7 +1012,7 @@
   <p:cSld>
     <p:spTree>
       <p:nvGrpSpPr>
-        <p:cNvPr id="1" name="Shape 2184"/>
+        <p:cNvPr id="1" name="Shape 124"/>
         <p:cNvGrpSpPr/>
         <p:nvPr/>
       </p:nvGrpSpPr>
@@ -1031,7 +1026,43 @@
       </p:grpSpPr>
       <p:sp>
         <p:nvSpPr>
-          <p:cNvPr id="2185" name="Shape 2185"/>
+          <p:cNvPr id="125" name="Shape 125"/>
+          <p:cNvSpPr txBox="1">
+            <a:spLocks noGrp="1"/>
+          </p:cNvSpPr>
+          <p:nvPr>
+            <p:ph type="body" idx="1"/>
+          </p:nvPr>
+        </p:nvSpPr>
+        <p:spPr>
+          <a:xfrm>
+            <a:off x="685800" y="4343400"/>
+            <a:ext cx="5486399" cy="4114800"/>
+          </a:xfrm>
+          <a:prstGeom prst="rect">
+            <a:avLst/>
+          </a:prstGeom>
+        </p:spPr>
+        <p:txBody>
+          <a:bodyPr lIns="91425" tIns="91425" rIns="91425" bIns="91425" anchor="t" anchorCtr="0">
+            <a:noAutofit/>
+          </a:bodyPr>
+          <a:lstStyle/>
+          <a:p>
+            <a:pPr marL="0" indent="0">
+              <a:spcBef>
+                <a:spcPts val="0"/>
+              </a:spcBef>
+              <a:buFontTx/>
+              <a:buNone/>
+            </a:pPr>
+            <a:endParaRPr lang="x-none" baseline="0" dirty="0" smtClean="0"/>
+          </a:p>
+        </p:txBody>
+      </p:sp>
+      <p:sp>
+        <p:nvSpPr>
+          <p:cNvPr id="126" name="Shape 126"/>
           <p:cNvSpPr>
             <a:spLocks noGrp="1" noRot="1" noChangeAspect="1"/>
           </p:cNvSpPr>
@@ -1080,94 +1111,6 @@
           </a:ln>
         </p:spPr>
       </p:sp>
-      <p:sp>
-        <p:nvSpPr>
-          <p:cNvPr id="2186" name="Shape 2186"/>
-          <p:cNvSpPr txBox="1">
-            <a:spLocks noGrp="1"/>
-          </p:cNvSpPr>
-          <p:nvPr>
-            <p:ph type="body" idx="1"/>
-          </p:nvPr>
-        </p:nvSpPr>
-        <p:spPr>
-          <a:xfrm>
-            <a:off x="685800" y="4343400"/>
-            <a:ext cx="5486399" cy="4114800"/>
-          </a:xfrm>
-          <a:prstGeom prst="rect">
-            <a:avLst/>
-          </a:prstGeom>
-        </p:spPr>
-        <p:txBody>
-          <a:bodyPr lIns="91425" tIns="91425" rIns="91425" bIns="91425" anchor="t" anchorCtr="0">
-            <a:noAutofit/>
-          </a:bodyPr>
-          <a:lstStyle/>
-          <a:p>
-            <a:pPr marL="0" marR="0" lvl="0" indent="0" algn="l" rtl="0">
-              <a:spcBef>
-                <a:spcPts val="0"/>
-              </a:spcBef>
-              <a:buClr>
-                <a:schemeClr val="dk1"/>
-              </a:buClr>
-              <a:buSzPct val="25000"/>
-              <a:buFont typeface="Arial"/>
-              <a:buNone/>
-            </a:pPr>
-            <a:r>
-              <a:rPr lang="en-US" u="sng" dirty="0" smtClean="0">
-                <a:solidFill>
-                  <a:schemeClr val="hlink"/>
-                </a:solidFill>
-                <a:hlinkClick r:id="rId3"/>
-              </a:rPr>
-              <a:t>https://docs.pivotal.io/pivotalcf/devguide/services/migrate-db.html</a:t>
-            </a:r>
-          </a:p>
-          <a:p>
-            <a:pPr marL="0" marR="0" lvl="0" indent="0" algn="l" rtl="0">
-              <a:spcBef>
-                <a:spcPts val="0"/>
-              </a:spcBef>
-              <a:buClr>
-                <a:schemeClr val="dk1"/>
-              </a:buClr>
-              <a:buSzPct val="25000"/>
-              <a:buFont typeface="Arial"/>
-              <a:buNone/>
-            </a:pPr>
-            <a:endParaRPr lang="en-US" u="sng" dirty="0" smtClean="0">
-              <a:solidFill>
-                <a:schemeClr val="hlink"/>
-              </a:solidFill>
-              <a:hlinkClick r:id="rId3"/>
-            </a:endParaRPr>
-          </a:p>
-          <a:p>
-            <a:pPr lvl="0">
-              <a:spcBef>
-                <a:spcPts val="0"/>
-              </a:spcBef>
-              <a:buNone/>
-            </a:pPr>
-            <a:r>
-              <a:rPr lang="en-US" dirty="0" smtClean="0"/>
-              <a:t>IMAGE</a:t>
-            </a:r>
-            <a:r>
-              <a:rPr lang="en-US" baseline="0" dirty="0" smtClean="0"/>
-              <a:t> FOUND ON GOOGLE – </a:t>
-            </a:r>
-            <a:r>
-              <a:rPr lang="en-US" baseline="0" smtClean="0"/>
-              <a:t>check </a:t>
-            </a:r>
-            <a:endParaRPr dirty="0"/>
-          </a:p>
-        </p:txBody>
-      </p:sp>
     </p:spTree>
   </p:cSld>
   <p:clrMapOvr>
@@ -1505,11 +1448,11 @@
 </file>
 
 <file path=ppt/notesSlides/notesSlide7.xml><?xml version="1.0" encoding="utf-8"?>
-<p:notes xmlns:a="http://schemas.openxmlformats.org/drawingml/2006/main" xmlns:r="http://schemas.openxmlformats.org/officeDocument/2006/relationships" xmlns:p="http://schemas.openxmlformats.org/presentationml/2006/main">
+<p:notes xmlns:a="http://schemas.openxmlformats.org/drawingml/2006/main" xmlns:r="http://schemas.openxmlformats.org/officeDocument/2006/relationships" xmlns:p="http://schemas.openxmlformats.org/presentationml/2006/main" showMasterSp="0" showMasterPhAnim="0">
   <p:cSld>
     <p:spTree>
       <p:nvGrpSpPr>
-        <p:cNvPr id="1" name=""/>
+        <p:cNvPr id="1" name="Shape 2184"/>
         <p:cNvGrpSpPr/>
         <p:nvPr/>
       </p:nvGrpSpPr>
@@ -1523,128 +1466,144 @@
       </p:grpSpPr>
       <p:sp>
         <p:nvSpPr>
-          <p:cNvPr id="2" name="Slide Image Placeholder 1"/>
+          <p:cNvPr id="2185" name="Shape 2185"/>
           <p:cNvSpPr>
             <a:spLocks noGrp="1" noRot="1" noChangeAspect="1"/>
           </p:cNvSpPr>
           <p:nvPr>
-            <p:ph type="sldImg"/>
+            <p:ph type="sldImg" idx="2"/>
           </p:nvPr>
         </p:nvSpPr>
-        <p:spPr/>
-      </p:sp>
-      <p:sp>
-        <p:nvSpPr>
-          <p:cNvPr id="3" name="Notes Placeholder 2"/>
-          <p:cNvSpPr>
+        <p:spPr>
+          <a:xfrm>
+            <a:off x="381000" y="685800"/>
+            <a:ext cx="6096000" cy="3429000"/>
+          </a:xfrm>
+          <a:custGeom>
+            <a:avLst/>
+            <a:gdLst/>
+            <a:ahLst/>
+            <a:cxnLst/>
+            <a:rect l="0" t="0" r="0" b="0"/>
+            <a:pathLst>
+              <a:path w="120000" h="120000" extrusionOk="0">
+                <a:moveTo>
+                  <a:pt x="0" y="0"/>
+                </a:moveTo>
+                <a:lnTo>
+                  <a:pt x="120000" y="0"/>
+                </a:lnTo>
+                <a:lnTo>
+                  <a:pt x="120000" y="120000"/>
+                </a:lnTo>
+                <a:lnTo>
+                  <a:pt x="0" y="120000"/>
+                </a:lnTo>
+                <a:close/>
+              </a:path>
+            </a:pathLst>
+          </a:custGeom>
+          <a:noFill/>
+          <a:ln w="9525" cap="flat" cmpd="sng">
+            <a:solidFill>
+              <a:srgbClr val="000000"/>
+            </a:solidFill>
+            <a:prstDash val="solid"/>
+            <a:round/>
+            <a:headEnd type="none" w="med" len="med"/>
+            <a:tailEnd type="none" w="med" len="med"/>
+          </a:ln>
+        </p:spPr>
+      </p:sp>
+      <p:sp>
+        <p:nvSpPr>
+          <p:cNvPr id="2186" name="Shape 2186"/>
+          <p:cNvSpPr txBox="1">
             <a:spLocks noGrp="1"/>
           </p:cNvSpPr>
           <p:nvPr>
             <p:ph type="body" idx="1"/>
           </p:nvPr>
         </p:nvSpPr>
-        <p:spPr/>
-        <p:txBody>
-          <a:bodyPr/>
+        <p:spPr>
+          <a:xfrm>
+            <a:off x="685800" y="4343400"/>
+            <a:ext cx="5486399" cy="4114800"/>
+          </a:xfrm>
+          <a:prstGeom prst="rect">
+            <a:avLst/>
+          </a:prstGeom>
+        </p:spPr>
+        <p:txBody>
+          <a:bodyPr lIns="91425" tIns="91425" rIns="91425" bIns="91425" anchor="t" anchorCtr="0">
+            <a:noAutofit/>
+          </a:bodyPr>
           <a:lstStyle/>
           <a:p>
+            <a:pPr marL="0" marR="0" lvl="0" indent="0" algn="l" rtl="0">
+              <a:spcBef>
+                <a:spcPts val="0"/>
+              </a:spcBef>
+              <a:buClr>
+                <a:schemeClr val="dk1"/>
+              </a:buClr>
+              <a:buSzPct val="25000"/>
+              <a:buFont typeface="Arial"/>
+              <a:buNone/>
+            </a:pPr>
+            <a:r>
+              <a:rPr lang="en-US" u="sng" dirty="0" smtClean="0">
+                <a:solidFill>
+                  <a:schemeClr val="hlink"/>
+                </a:solidFill>
+                <a:hlinkClick r:id="rId3"/>
+              </a:rPr>
+              <a:t>https://docs.pivotal.io/pivotalcf/devguide/services/migrate-db.html</a:t>
+            </a:r>
+          </a:p>
+          <a:p>
+            <a:pPr marL="0" marR="0" lvl="0" indent="0" algn="l" rtl="0">
+              <a:spcBef>
+                <a:spcPts val="0"/>
+              </a:spcBef>
+              <a:buClr>
+                <a:schemeClr val="dk1"/>
+              </a:buClr>
+              <a:buSzPct val="25000"/>
+              <a:buFont typeface="Arial"/>
+              <a:buNone/>
+            </a:pPr>
+            <a:endParaRPr lang="en-US" u="sng" dirty="0" smtClean="0">
+              <a:solidFill>
+                <a:schemeClr val="hlink"/>
+              </a:solidFill>
+              <a:hlinkClick r:id="rId3"/>
+            </a:endParaRPr>
+          </a:p>
+          <a:p>
+            <a:pPr lvl="0">
+              <a:spcBef>
+                <a:spcPts val="0"/>
+              </a:spcBef>
+              <a:buNone/>
+            </a:pPr>
             <a:r>
               <a:rPr lang="en-US" dirty="0" smtClean="0"/>
-              <a:t>https://</a:t>
-            </a:r>
-            <a:r>
-              <a:rPr lang="en-US" dirty="0" err="1" smtClean="0"/>
-              <a:t>docs.pivotal.io</a:t>
-            </a:r>
-            <a:r>
-              <a:rPr lang="en-US" dirty="0" smtClean="0"/>
-              <a:t>/</a:t>
-            </a:r>
-            <a:r>
-              <a:rPr lang="en-US" dirty="0" err="1" smtClean="0"/>
-              <a:t>pivotalcf</a:t>
-            </a:r>
-            <a:r>
-              <a:rPr lang="en-US" dirty="0" smtClean="0"/>
-              <a:t>/</a:t>
-            </a:r>
-            <a:r>
-              <a:rPr lang="en-US" dirty="0" err="1" smtClean="0"/>
-              <a:t>devguide</a:t>
-            </a:r>
-            <a:r>
-              <a:rPr lang="en-US" dirty="0" smtClean="0"/>
-              <a:t>/deploy-apps/routes-</a:t>
-            </a:r>
-            <a:r>
-              <a:rPr lang="en-US" dirty="0" err="1" smtClean="0"/>
-              <a:t>domains.html</a:t>
-            </a:r>
-            <a:endParaRPr lang="en-US" dirty="0" smtClean="0"/>
-          </a:p>
-          <a:p>
-            <a:endParaRPr lang="en-US" dirty="0" smtClean="0"/>
-          </a:p>
-          <a:p>
-            <a:r>
-              <a:rPr lang="en-US" dirty="0" smtClean="0"/>
-              <a:t>Picture of PCF architecture </a:t>
-            </a:r>
-            <a:r>
-              <a:rPr lang="en-US" dirty="0" err="1" smtClean="0"/>
-              <a:t>HAProxy</a:t>
+              <a:t>IMAGE</a:t>
             </a:r>
             <a:r>
               <a:rPr lang="en-US" baseline="0" dirty="0" smtClean="0"/>
-              <a:t> and Router using domain </a:t>
-            </a:r>
-            <a:r>
-              <a:rPr lang="en-US" baseline="0" dirty="0" err="1" smtClean="0"/>
-              <a:t>namesdns</a:t>
-            </a:r>
-            <a:r>
-              <a:rPr lang="en-US" baseline="0" dirty="0" smtClean="0"/>
-              <a:t> </a:t>
-            </a:r>
-            <a:endParaRPr lang="en-US" dirty="0" smtClean="0"/>
-          </a:p>
-          <a:p>
-            <a:endParaRPr lang="en-US" dirty="0" smtClean="0"/>
-          </a:p>
-          <a:p>
-            <a:endParaRPr lang="en-US" dirty="0"/>
-          </a:p>
-        </p:txBody>
-      </p:sp>
-      <p:sp>
-        <p:nvSpPr>
-          <p:cNvPr id="4" name="Slide Number Placeholder 3"/>
-          <p:cNvSpPr>
-            <a:spLocks noGrp="1"/>
-          </p:cNvSpPr>
-          <p:nvPr>
-            <p:ph type="sldNum" sz="quarter" idx="10"/>
-          </p:nvPr>
-        </p:nvSpPr>
-        <p:spPr/>
-        <p:txBody>
-          <a:bodyPr/>
-          <a:lstStyle/>
-          <a:p>
-            <a:fld id="{19B87A38-3CEC-41F8-9B8A-7D549F200228}" type="slidenum">
-              <a:rPr lang="en-US" smtClean="0"/>
-              <a:t>8</a:t>
-            </a:fld>
-            <a:endParaRPr lang="en-US"/>
+              <a:t> FOUND ON GOOGLE – </a:t>
+            </a:r>
+            <a:r>
+              <a:rPr lang="en-US" baseline="0" smtClean="0"/>
+              <a:t>check </a:t>
+            </a:r>
+            <a:endParaRPr dirty="0"/>
           </a:p>
         </p:txBody>
       </p:sp>
     </p:spTree>
-    <p:extLst>
-      <p:ext uri="{BB962C8B-B14F-4D97-AF65-F5344CB8AC3E}">
-        <p14:creationId xmlns:p14="http://schemas.microsoft.com/office/powerpoint/2010/main" val="1375042971"/>
-      </p:ext>
-    </p:extLst>
   </p:cSld>
   <p:clrMapOvr>
     <a:masterClrMapping/>
@@ -1696,6 +1655,70 @@
           <a:bodyPr/>
           <a:lstStyle/>
           <a:p>
+            <a:r>
+              <a:rPr lang="en-US" dirty="0" smtClean="0"/>
+              <a:t>https://</a:t>
+            </a:r>
+            <a:r>
+              <a:rPr lang="en-US" dirty="0" err="1" smtClean="0"/>
+              <a:t>docs.pivotal.io</a:t>
+            </a:r>
+            <a:r>
+              <a:rPr lang="en-US" dirty="0" smtClean="0"/>
+              <a:t>/</a:t>
+            </a:r>
+            <a:r>
+              <a:rPr lang="en-US" dirty="0" err="1" smtClean="0"/>
+              <a:t>pivotalcf</a:t>
+            </a:r>
+            <a:r>
+              <a:rPr lang="en-US" dirty="0" smtClean="0"/>
+              <a:t>/</a:t>
+            </a:r>
+            <a:r>
+              <a:rPr lang="en-US" dirty="0" err="1" smtClean="0"/>
+              <a:t>devguide</a:t>
+            </a:r>
+            <a:r>
+              <a:rPr lang="en-US" dirty="0" smtClean="0"/>
+              <a:t>/deploy-apps/routes-</a:t>
+            </a:r>
+            <a:r>
+              <a:rPr lang="en-US" dirty="0" err="1" smtClean="0"/>
+              <a:t>domains.html</a:t>
+            </a:r>
+            <a:endParaRPr lang="en-US" dirty="0" smtClean="0"/>
+          </a:p>
+          <a:p>
+            <a:endParaRPr lang="en-US" dirty="0" smtClean="0"/>
+          </a:p>
+          <a:p>
+            <a:r>
+              <a:rPr lang="en-US" dirty="0" smtClean="0"/>
+              <a:t>Picture of PCF architecture </a:t>
+            </a:r>
+            <a:r>
+              <a:rPr lang="en-US" dirty="0" err="1" smtClean="0"/>
+              <a:t>HAProxy</a:t>
+            </a:r>
+            <a:r>
+              <a:rPr lang="en-US" baseline="0" dirty="0" smtClean="0"/>
+              <a:t> and Router using domain </a:t>
+            </a:r>
+            <a:r>
+              <a:rPr lang="en-US" baseline="0" dirty="0" err="1" smtClean="0"/>
+              <a:t>namesdns</a:t>
+            </a:r>
+            <a:r>
+              <a:rPr lang="en-US" baseline="0" dirty="0" smtClean="0"/>
+              <a:t> </a:t>
+            </a:r>
+            <a:endParaRPr lang="en-US" dirty="0" smtClean="0"/>
+          </a:p>
+          <a:p>
+            <a:endParaRPr lang="en-US" dirty="0" smtClean="0"/>
+          </a:p>
+          <a:p>
             <a:endParaRPr lang="en-US" dirty="0"/>
           </a:p>
         </p:txBody>
@@ -1717,7 +1740,91 @@
           <a:p>
             <a:fld id="{19B87A38-3CEC-41F8-9B8A-7D549F200228}" type="slidenum">
               <a:rPr lang="en-US" smtClean="0"/>
-              <a:t>10</a:t>
+              <a:t>9</a:t>
+            </a:fld>
+            <a:endParaRPr lang="en-US"/>
+          </a:p>
+        </p:txBody>
+      </p:sp>
+    </p:spTree>
+    <p:extLst>
+      <p:ext uri="{BB962C8B-B14F-4D97-AF65-F5344CB8AC3E}">
+        <p14:creationId xmlns:p14="http://schemas.microsoft.com/office/powerpoint/2010/main" val="1375042971"/>
+      </p:ext>
+    </p:extLst>
+  </p:cSld>
+  <p:clrMapOvr>
+    <a:masterClrMapping/>
+  </p:clrMapOvr>
+</p:notes>
+</file>
+
+<file path=ppt/notesSlides/notesSlide9.xml><?xml version="1.0" encoding="utf-8"?>
+<p:notes xmlns:a="http://schemas.openxmlformats.org/drawingml/2006/main" xmlns:r="http://schemas.openxmlformats.org/officeDocument/2006/relationships" xmlns:p="http://schemas.openxmlformats.org/presentationml/2006/main">
+  <p:cSld>
+    <p:spTree>
+      <p:nvGrpSpPr>
+        <p:cNvPr id="1" name=""/>
+        <p:cNvGrpSpPr/>
+        <p:nvPr/>
+      </p:nvGrpSpPr>
+      <p:grpSpPr>
+        <a:xfrm>
+          <a:off x="0" y="0"/>
+          <a:ext cx="0" cy="0"/>
+          <a:chOff x="0" y="0"/>
+          <a:chExt cx="0" cy="0"/>
+        </a:xfrm>
+      </p:grpSpPr>
+      <p:sp>
+        <p:nvSpPr>
+          <p:cNvPr id="2" name="Slide Image Placeholder 1"/>
+          <p:cNvSpPr>
+            <a:spLocks noGrp="1" noRot="1" noChangeAspect="1"/>
+          </p:cNvSpPr>
+          <p:nvPr>
+            <p:ph type="sldImg"/>
+          </p:nvPr>
+        </p:nvSpPr>
+        <p:spPr/>
+      </p:sp>
+      <p:sp>
+        <p:nvSpPr>
+          <p:cNvPr id="3" name="Notes Placeholder 2"/>
+          <p:cNvSpPr>
+            <a:spLocks noGrp="1"/>
+          </p:cNvSpPr>
+          <p:nvPr>
+            <p:ph type="body" idx="1"/>
+          </p:nvPr>
+        </p:nvSpPr>
+        <p:spPr/>
+        <p:txBody>
+          <a:bodyPr/>
+          <a:lstStyle/>
+          <a:p>
+            <a:endParaRPr lang="en-US" dirty="0"/>
+          </a:p>
+        </p:txBody>
+      </p:sp>
+      <p:sp>
+        <p:nvSpPr>
+          <p:cNvPr id="4" name="Slide Number Placeholder 3"/>
+          <p:cNvSpPr>
+            <a:spLocks noGrp="1"/>
+          </p:cNvSpPr>
+          <p:nvPr>
+            <p:ph type="sldNum" sz="quarter" idx="10"/>
+          </p:nvPr>
+        </p:nvSpPr>
+        <p:spPr/>
+        <p:txBody>
+          <a:bodyPr/>
+          <a:lstStyle/>
+          <a:p>
+            <a:fld id="{19B87A38-3CEC-41F8-9B8A-7D549F200228}" type="slidenum">
+              <a:rPr lang="en-US" smtClean="0"/>
+              <a:t>11</a:t>
             </a:fld>
             <a:endParaRPr lang="en-US"/>
           </a:p>
@@ -9196,11 +9303,7 @@
             <a:pPr algn="ctr"/>
             <a:r>
               <a:rPr lang="en-US" sz="1400" dirty="0" smtClean="0"/>
-              <a:t>Health </a:t>
-            </a:r>
-            <a:r>
-              <a:rPr lang="en-US" sz="1400" dirty="0" err="1" smtClean="0"/>
-              <a:t>Mgmt</a:t>
+              <a:t>Health Manager</a:t>
             </a:r>
             <a:endParaRPr lang="en-US" sz="1400" dirty="0"/>
           </a:p>
@@ -9365,7 +9468,7 @@
           <a:p>
             <a:r>
               <a:rPr lang="en-US" dirty="0" smtClean="0"/>
-              <a:t>Cells</a:t>
+              <a:t>Runtime VMs</a:t>
             </a:r>
             <a:endParaRPr lang="en-US" dirty="0"/>
           </a:p>
@@ -9449,6 +9552,108 @@
                 <a:schemeClr val="bg1"/>
               </a:solidFill>
             </a:endParaRPr>
+          </a:p>
+        </p:txBody>
+      </p:sp>
+      <p:sp>
+        <p:nvSpPr>
+          <p:cNvPr id="21" name="Cube 20"/>
+          <p:cNvSpPr/>
+          <p:nvPr/>
+        </p:nvSpPr>
+        <p:spPr>
+          <a:xfrm>
+            <a:off x="585811" y="1976135"/>
+            <a:ext cx="1261422" cy="407134"/>
+          </a:xfrm>
+          <a:prstGeom prst="cube">
+            <a:avLst/>
+          </a:prstGeom>
+          <a:solidFill>
+            <a:srgbClr val="008881"/>
+          </a:solidFill>
+          <a:ln w="6350">
+            <a:solidFill>
+              <a:schemeClr val="bg1"/>
+            </a:solidFill>
+          </a:ln>
+          <a:effectLst/>
+        </p:spPr>
+        <p:style>
+          <a:lnRef idx="1">
+            <a:schemeClr val="accent1"/>
+          </a:lnRef>
+          <a:fillRef idx="3">
+            <a:schemeClr val="accent1"/>
+          </a:fillRef>
+          <a:effectRef idx="2">
+            <a:schemeClr val="accent1"/>
+          </a:effectRef>
+          <a:fontRef idx="minor">
+            <a:schemeClr val="lt1"/>
+          </a:fontRef>
+        </p:style>
+        <p:txBody>
+          <a:bodyPr rtlCol="0" anchor="ctr"/>
+          <a:lstStyle/>
+          <a:p>
+            <a:pPr algn="ctr"/>
+            <a:r>
+              <a:rPr lang="en-US" sz="1400" dirty="0" smtClean="0"/>
+              <a:t>BLOB store</a:t>
+            </a:r>
+            <a:endParaRPr lang="en-US" sz="1400" dirty="0"/>
+          </a:p>
+        </p:txBody>
+      </p:sp>
+      <p:sp>
+        <p:nvSpPr>
+          <p:cNvPr id="22" name="Can 21"/>
+          <p:cNvSpPr/>
+          <p:nvPr/>
+        </p:nvSpPr>
+        <p:spPr>
+          <a:xfrm>
+            <a:off x="585811" y="2492677"/>
+            <a:ext cx="1261422" cy="414600"/>
+          </a:xfrm>
+          <a:prstGeom prst="can">
+            <a:avLst/>
+          </a:prstGeom>
+          <a:solidFill>
+            <a:srgbClr val="008881"/>
+          </a:solidFill>
+          <a:ln w="6350">
+            <a:solidFill>
+              <a:schemeClr val="bg1"/>
+            </a:solidFill>
+          </a:ln>
+          <a:effectLst/>
+        </p:spPr>
+        <p:style>
+          <a:lnRef idx="1">
+            <a:schemeClr val="accent1"/>
+          </a:lnRef>
+          <a:fillRef idx="3">
+            <a:schemeClr val="accent1"/>
+          </a:fillRef>
+          <a:effectRef idx="2">
+            <a:schemeClr val="accent1"/>
+          </a:effectRef>
+          <a:fontRef idx="minor">
+            <a:schemeClr val="lt1"/>
+          </a:fontRef>
+        </p:style>
+        <p:txBody>
+          <a:bodyPr rtlCol="0" anchor="ctr"/>
+          <a:lstStyle/>
+          <a:p>
+            <a:pPr algn="ctr"/>
+            <a:r>
+              <a:rPr lang="en-US" sz="1400" dirty="0" smtClean="0"/>
+              <a:t>metadata</a:t>
+            </a:r>
+            <a:endParaRPr lang="en-US" sz="1400" dirty="0"/>
           </a:p>
         </p:txBody>
       </p:sp>
@@ -9601,8 +9806,16 @@
           <a:p>
             <a:pPr algn="ctr"/>
             <a:r>
+              <a:rPr lang="en-US" sz="1200" b="1" dirty="0" err="1"/>
+              <a:t>a</a:t>
+            </a:r>
+            <a:r>
+              <a:rPr lang="en-US" sz="1200" b="1" dirty="0" err="1" smtClean="0"/>
+              <a:t>ttendees</a:t>
+            </a:r>
+            <a:r>
               <a:rPr lang="en-US" sz="1200" dirty="0" err="1" smtClean="0"/>
-              <a:t>articulate.cfapps.io</a:t>
+              <a:t>.cfapps.io</a:t>
             </a:r>
             <a:endParaRPr lang="en-US" sz="1400" dirty="0"/>
           </a:p>
@@ -9770,8 +9983,20 @@
           <a:p>
             <a:pPr algn="ctr"/>
             <a:r>
+              <a:rPr lang="en-US" sz="1200" b="1" dirty="0"/>
+              <a:t>a</a:t>
+            </a:r>
+            <a:r>
+              <a:rPr lang="en-US" sz="1200" b="1" dirty="0" smtClean="0"/>
+              <a:t>ttendees-</a:t>
+            </a:r>
+            <a:r>
+              <a:rPr lang="en-US" sz="1200" b="1" dirty="0" err="1" smtClean="0"/>
+              <a:t>green</a:t>
+            </a:r>
+            <a:r>
               <a:rPr lang="en-US" sz="1200" dirty="0" err="1" smtClean="0"/>
-              <a:t>myapp.cfapps.io</a:t>
+              <a:t>.cfapps.io</a:t>
             </a:r>
             <a:endParaRPr lang="en-US" sz="1200" dirty="0"/>
           </a:p>
@@ -9885,11 +10110,11 @@
             </a:r>
             <a:r>
               <a:rPr lang="en-US" sz="1200" dirty="0" smtClean="0"/>
-              <a:t>ttendee-</a:t>
+              <a:t>ttendees-</a:t>
             </a:r>
             <a:r>
               <a:rPr lang="en-US" sz="1200" dirty="0" err="1" smtClean="0"/>
-              <a:t>service.cfapps.io</a:t>
+              <a:t>blue.cfapps.io</a:t>
             </a:r>
             <a:endParaRPr lang="en-US" sz="1200" dirty="0"/>
           </a:p>
@@ -9931,112 +10156,10 @@
           </a:fontRef>
         </p:style>
       </p:cxnSp>
-      <p:sp>
-        <p:nvSpPr>
-          <p:cNvPr id="25" name="Rounded Rectangle 24"/>
-          <p:cNvSpPr/>
-          <p:nvPr/>
-        </p:nvSpPr>
-        <p:spPr>
-          <a:xfrm>
-            <a:off x="676378" y="1973109"/>
-            <a:ext cx="1074589" cy="407134"/>
-          </a:xfrm>
-          <a:prstGeom prst="roundRect">
-            <a:avLst/>
-          </a:prstGeom>
-          <a:solidFill>
-            <a:srgbClr val="008881"/>
-          </a:solidFill>
-          <a:ln w="6350">
-            <a:solidFill>
-              <a:schemeClr val="bg1"/>
-            </a:solidFill>
-          </a:ln>
-          <a:effectLst/>
-        </p:spPr>
-        <p:style>
-          <a:lnRef idx="1">
-            <a:schemeClr val="accent1"/>
-          </a:lnRef>
-          <a:fillRef idx="3">
-            <a:schemeClr val="accent1"/>
-          </a:fillRef>
-          <a:effectRef idx="2">
-            <a:schemeClr val="accent1"/>
-          </a:effectRef>
-          <a:fontRef idx="minor">
-            <a:schemeClr val="lt1"/>
-          </a:fontRef>
-        </p:style>
-        <p:txBody>
-          <a:bodyPr rtlCol="0" anchor="ctr"/>
-          <a:lstStyle/>
-          <a:p>
-            <a:pPr algn="ctr"/>
-            <a:r>
-              <a:rPr lang="en-US" sz="1400" dirty="0" smtClean="0"/>
-              <a:t>UAA</a:t>
-            </a:r>
-            <a:endParaRPr lang="en-US" sz="1400" dirty="0"/>
-          </a:p>
-        </p:txBody>
-      </p:sp>
-      <p:sp>
-        <p:nvSpPr>
-          <p:cNvPr id="27" name="Rounded Rectangle 26"/>
-          <p:cNvSpPr/>
-          <p:nvPr/>
-        </p:nvSpPr>
-        <p:spPr>
-          <a:xfrm>
-            <a:off x="676378" y="2480770"/>
-            <a:ext cx="1074589" cy="407134"/>
-          </a:xfrm>
-          <a:prstGeom prst="roundRect">
-            <a:avLst/>
-          </a:prstGeom>
-          <a:solidFill>
-            <a:srgbClr val="008881"/>
-          </a:solidFill>
-          <a:ln w="6350">
-            <a:solidFill>
-              <a:schemeClr val="bg1"/>
-            </a:solidFill>
-          </a:ln>
-          <a:effectLst/>
-        </p:spPr>
-        <p:style>
-          <a:lnRef idx="1">
-            <a:schemeClr val="accent1"/>
-          </a:lnRef>
-          <a:fillRef idx="3">
-            <a:schemeClr val="accent1"/>
-          </a:fillRef>
-          <a:effectRef idx="2">
-            <a:schemeClr val="accent1"/>
-          </a:effectRef>
-          <a:fontRef idx="minor">
-            <a:schemeClr val="lt1"/>
-          </a:fontRef>
-        </p:style>
-        <p:txBody>
-          <a:bodyPr rtlCol="0" anchor="ctr"/>
-          <a:lstStyle/>
-          <a:p>
-            <a:pPr algn="ctr"/>
-            <a:r>
-              <a:rPr lang="en-US" sz="1400" dirty="0" smtClean="0"/>
-              <a:t>BLOB Store</a:t>
-            </a:r>
-            <a:endParaRPr lang="en-US" sz="1400" dirty="0"/>
-          </a:p>
-        </p:txBody>
-      </p:sp>
     </p:spTree>
     <p:extLst>
       <p:ext uri="{BB962C8B-B14F-4D97-AF65-F5344CB8AC3E}">
-        <p14:creationId xmlns:p14="http://schemas.microsoft.com/office/powerpoint/2010/main" val="2486797579"/>
+        <p14:creationId xmlns:p14="http://schemas.microsoft.com/office/powerpoint/2010/main" val="3688061064"/>
       </p:ext>
     </p:extLst>
   </p:cSld>
@@ -10072,14 +10195,61 @@
       </p:grpSpPr>
       <p:sp>
         <p:nvSpPr>
+          <p:cNvPr id="39" name="Rectangle 38"/>
+          <p:cNvSpPr/>
+          <p:nvPr/>
+        </p:nvSpPr>
+        <p:spPr>
+          <a:xfrm>
+            <a:off x="506978" y="2990368"/>
+            <a:ext cx="7886571" cy="1324767"/>
+          </a:xfrm>
+          <a:prstGeom prst="rect">
+            <a:avLst/>
+          </a:prstGeom>
+          <a:solidFill>
+            <a:schemeClr val="accent1"/>
+          </a:solidFill>
+          <a:ln w="6350">
+            <a:solidFill>
+              <a:schemeClr val="bg1"/>
+            </a:solidFill>
+            <a:prstDash val="solid"/>
+          </a:ln>
+          <a:effectLst/>
+        </p:spPr>
+        <p:style>
+          <a:lnRef idx="1">
+            <a:schemeClr val="accent1"/>
+          </a:lnRef>
+          <a:fillRef idx="3">
+            <a:schemeClr val="accent1"/>
+          </a:fillRef>
+          <a:effectRef idx="2">
+            <a:schemeClr val="accent1"/>
+          </a:effectRef>
+          <a:fontRef idx="minor">
+            <a:schemeClr val="lt1"/>
+          </a:fontRef>
+        </p:style>
+        <p:txBody>
+          <a:bodyPr rtlCol="0" anchor="t" anchorCtr="0"/>
+          <a:lstStyle/>
+          <a:p>
+            <a:endParaRPr lang="en-US" dirty="0"/>
+          </a:p>
+        </p:txBody>
+      </p:sp>
+      <p:sp>
+        <p:nvSpPr>
           <p:cNvPr id="4" name="Rounded Rectangle 3"/>
           <p:cNvSpPr/>
           <p:nvPr/>
         </p:nvSpPr>
         <p:spPr>
           <a:xfrm>
-            <a:off x="239787" y="1166502"/>
-            <a:ext cx="2557700" cy="999169"/>
+            <a:off x="3685576" y="786013"/>
+            <a:ext cx="2060370" cy="524008"/>
           </a:xfrm>
           <a:prstGeom prst="roundRect">
             <a:avLst/>
@@ -10114,25 +10284,10 @@
           <a:p>
             <a:pPr algn="ctr"/>
             <a:r>
-              <a:rPr lang="en-US" sz="1400" b="1" dirty="0" smtClean="0"/>
-              <a:t>UI</a:t>
-            </a:r>
-          </a:p>
-          <a:p>
-            <a:pPr algn="ctr"/>
-            <a:r>
-              <a:rPr lang="en-US" sz="1200" dirty="0" smtClean="0"/>
-              <a:t>(</a:t>
-            </a:r>
-            <a:r>
-              <a:rPr lang="en-US" sz="1200" dirty="0" err="1" smtClean="0"/>
-              <a:t>thymeleaf</a:t>
-            </a:r>
-            <a:r>
-              <a:rPr lang="en-US" sz="1200" dirty="0" smtClean="0"/>
-              <a:t> / bootstrap / Spring Boot, MVC and Cloud Connectors)</a:t>
-            </a:r>
-            <a:endParaRPr lang="en-US" sz="1200" dirty="0"/>
+              <a:rPr lang="en-US" dirty="0" smtClean="0"/>
+              <a:t>Load Balancer</a:t>
+            </a:r>
+            <a:endParaRPr lang="en-US" dirty="0"/>
           </a:p>
         </p:txBody>
       </p:sp>
@@ -10144,8 +10299,8 @@
         </p:nvSpPr>
         <p:spPr>
           <a:xfrm>
-            <a:off x="2850774" y="1173969"/>
-            <a:ext cx="879208" cy="991701"/>
+            <a:off x="3685576" y="1863702"/>
+            <a:ext cx="2060370" cy="524008"/>
           </a:xfrm>
           <a:prstGeom prst="roundRect">
             <a:avLst/>
@@ -10180,23 +10335,72 @@
           <a:p>
             <a:pPr algn="ctr"/>
             <a:r>
-              <a:rPr lang="en-US" sz="1400" b="1" dirty="0" smtClean="0"/>
-              <a:t>Model</a:t>
-            </a:r>
-            <a:endParaRPr lang="en-US" sz="1400" b="1" dirty="0"/>
-          </a:p>
-        </p:txBody>
-      </p:sp>
-      <p:sp>
-        <p:nvSpPr>
-          <p:cNvPr id="27" name="Rounded Rectangle 26"/>
+              <a:rPr lang="en-US" dirty="0" smtClean="0"/>
+              <a:t>Router</a:t>
+            </a:r>
+            <a:endParaRPr lang="en-US" dirty="0"/>
+          </a:p>
+        </p:txBody>
+      </p:sp>
+      <p:sp>
+        <p:nvSpPr>
+          <p:cNvPr id="9" name="Rectangle 8"/>
           <p:cNvSpPr/>
           <p:nvPr/>
         </p:nvSpPr>
         <p:spPr>
           <a:xfrm>
-            <a:off x="3793572" y="1166502"/>
-            <a:ext cx="1481686" cy="991701"/>
+            <a:off x="399641" y="1536499"/>
+            <a:ext cx="8197073" cy="2975303"/>
+          </a:xfrm>
+          <a:prstGeom prst="rect">
+            <a:avLst/>
+          </a:prstGeom>
+          <a:noFill/>
+          <a:ln w="6350">
+            <a:solidFill>
+              <a:schemeClr val="bg1"/>
+            </a:solidFill>
+            <a:prstDash val="dash"/>
+          </a:ln>
+          <a:effectLst/>
+        </p:spPr>
+        <p:style>
+          <a:lnRef idx="1">
+            <a:schemeClr val="accent1"/>
+          </a:lnRef>
+          <a:fillRef idx="3">
+            <a:schemeClr val="accent1"/>
+          </a:fillRef>
+          <a:effectRef idx="2">
+            <a:schemeClr val="accent1"/>
+          </a:effectRef>
+          <a:fontRef idx="minor">
+            <a:schemeClr val="lt1"/>
+          </a:fontRef>
+        </p:style>
+        <p:txBody>
+          <a:bodyPr rtlCol="0" anchor="t" anchorCtr="0"/>
+          <a:lstStyle/>
+          <a:p>
+            <a:r>
+              <a:rPr lang="en-US" dirty="0" smtClean="0"/>
+              <a:t>Pivotal Elastic Runtime</a:t>
+            </a:r>
+            <a:endParaRPr lang="en-US" dirty="0"/>
+          </a:p>
+        </p:txBody>
+      </p:sp>
+      <p:sp>
+        <p:nvSpPr>
+          <p:cNvPr id="10" name="Rounded Rectangle 9"/>
+          <p:cNvSpPr/>
+          <p:nvPr/>
+        </p:nvSpPr>
+        <p:spPr>
+          <a:xfrm>
+            <a:off x="1900519" y="2492677"/>
+            <a:ext cx="1074588" cy="414600"/>
           </a:xfrm>
           <a:prstGeom prst="roundRect">
             <a:avLst/>
@@ -10231,30 +10435,27 @@
           <a:p>
             <a:pPr algn="ctr"/>
             <a:r>
-              <a:rPr lang="en-US" sz="1400" b="1" dirty="0" smtClean="0"/>
-              <a:t>Service</a:t>
-            </a:r>
-          </a:p>
-          <a:p>
-            <a:pPr algn="ctr"/>
-            <a:r>
-              <a:rPr lang="en-US" sz="1200" dirty="0" smtClean="0"/>
-              <a:t>(feign / Ribbon)</a:t>
-            </a:r>
-            <a:endParaRPr lang="en-US" sz="1200" dirty="0"/>
-          </a:p>
-        </p:txBody>
-      </p:sp>
-      <p:sp>
-        <p:nvSpPr>
-          <p:cNvPr id="29" name="Rounded Rectangle 28"/>
+              <a:rPr lang="en-US" sz="1400" dirty="0" smtClean="0"/>
+              <a:t>Health </a:t>
+            </a:r>
+            <a:r>
+              <a:rPr lang="en-US" sz="1400" dirty="0" err="1" smtClean="0"/>
+              <a:t>Mgmt</a:t>
+            </a:r>
+            <a:endParaRPr lang="en-US" sz="1400" dirty="0"/>
+          </a:p>
+        </p:txBody>
+      </p:sp>
+      <p:sp>
+        <p:nvSpPr>
+          <p:cNvPr id="11" name="Rounded Rectangle 10"/>
           <p:cNvSpPr/>
           <p:nvPr/>
         </p:nvSpPr>
         <p:spPr>
           <a:xfrm>
-            <a:off x="6678442" y="1175579"/>
-            <a:ext cx="2140297" cy="991701"/>
+            <a:off x="1900518" y="1976135"/>
+            <a:ext cx="1074589" cy="407134"/>
           </a:xfrm>
           <a:prstGeom prst="roundRect">
             <a:avLst/>
@@ -10289,40 +10490,34 @@
           <a:p>
             <a:pPr algn="ctr"/>
             <a:r>
-              <a:rPr lang="en-US" sz="1400" b="1" dirty="0" smtClean="0"/>
-              <a:t>attendees</a:t>
-            </a:r>
-          </a:p>
-          <a:p>
-            <a:pPr algn="ctr"/>
-            <a:r>
-              <a:rPr lang="en-US" sz="1200" dirty="0" smtClean="0"/>
-              <a:t>(spring boot, Data, Cloud Connectors)</a:t>
-            </a:r>
-            <a:endParaRPr lang="en-US" sz="1200" dirty="0"/>
-          </a:p>
-        </p:txBody>
-      </p:sp>
-      <p:sp>
-        <p:nvSpPr>
-          <p:cNvPr id="31" name="Rectangle 30"/>
+              <a:rPr lang="en-US" sz="1400" dirty="0" smtClean="0"/>
+              <a:t>Cloud Controller</a:t>
+            </a:r>
+            <a:endParaRPr lang="en-US" sz="1400" dirty="0"/>
+          </a:p>
+        </p:txBody>
+      </p:sp>
+      <p:sp>
+        <p:nvSpPr>
+          <p:cNvPr id="15" name="Rounded Rectangle 14"/>
           <p:cNvSpPr/>
           <p:nvPr/>
         </p:nvSpPr>
         <p:spPr>
           <a:xfrm>
-            <a:off x="190942" y="825982"/>
-            <a:ext cx="5213090" cy="1511270"/>
-          </a:xfrm>
-          <a:prstGeom prst="rect">
+            <a:off x="3878104" y="3803934"/>
+            <a:ext cx="2134267" cy="524008"/>
+          </a:xfrm>
+          <a:prstGeom prst="roundRect">
             <a:avLst/>
           </a:prstGeom>
-          <a:noFill/>
+          <a:solidFill>
+            <a:srgbClr val="008881"/>
+          </a:solidFill>
           <a:ln w="6350">
             <a:solidFill>
               <a:schemeClr val="bg1"/>
             </a:solidFill>
-            <a:prstDash val="dash"/>
           </a:ln>
           <a:effectLst/>
         </p:spPr>
@@ -10341,37 +10536,52 @@
           </a:fontRef>
         </p:style>
         <p:txBody>
-          <a:bodyPr rtlCol="0" anchor="t" anchorCtr="0"/>
+          <a:bodyPr rtlCol="0" anchor="ctr"/>
           <a:lstStyle/>
           <a:p>
-            <a:r>
-              <a:rPr lang="en-US" dirty="0" smtClean="0"/>
-              <a:t>client</a:t>
-            </a:r>
-            <a:endParaRPr lang="en-US" dirty="0"/>
-          </a:p>
-        </p:txBody>
-      </p:sp>
-      <p:sp>
-        <p:nvSpPr>
-          <p:cNvPr id="32" name="Rectangle 31"/>
+            <a:pPr algn="ctr"/>
+            <a:r>
+              <a:rPr lang="en-US" sz="1200" b="1" dirty="0"/>
+              <a:t>a</a:t>
+            </a:r>
+            <a:r>
+              <a:rPr lang="en-US" sz="1200" b="1" dirty="0" smtClean="0"/>
+              <a:t>ttendees-</a:t>
+            </a:r>
+            <a:r>
+              <a:rPr lang="en-US" sz="1200" b="1" dirty="0" err="1" smtClean="0"/>
+              <a:t>blue</a:t>
+            </a:r>
+            <a:r>
+              <a:rPr lang="en-US" sz="1200" dirty="0" err="1" smtClean="0"/>
+              <a:t>.cfapps.io</a:t>
+            </a:r>
+            <a:endParaRPr lang="en-US" sz="1200" dirty="0"/>
+          </a:p>
+        </p:txBody>
+      </p:sp>
+      <p:sp>
+        <p:nvSpPr>
+          <p:cNvPr id="16" name="Rectangle 15"/>
           <p:cNvSpPr/>
           <p:nvPr/>
         </p:nvSpPr>
         <p:spPr>
           <a:xfrm>
-            <a:off x="6598512" y="825982"/>
-            <a:ext cx="2335679" cy="1511270"/>
+            <a:off x="585810" y="3081881"/>
+            <a:ext cx="7886571" cy="1324767"/>
           </a:xfrm>
           <a:prstGeom prst="rect">
             <a:avLst/>
           </a:prstGeom>
-          <a:noFill/>
+          <a:solidFill>
+            <a:schemeClr val="accent1"/>
+          </a:solidFill>
           <a:ln w="6350">
             <a:solidFill>
               <a:schemeClr val="bg1"/>
             </a:solidFill>
-            <a:prstDash val="dash"/>
+            <a:prstDash val="solid"/>
           </a:ln>
           <a:effectLst/>
         </p:spPr>
@@ -10394,8 +10604,8 @@
           <a:lstStyle/>
           <a:p>
             <a:r>
-              <a:rPr lang="en-US" dirty="0" err="1" smtClean="0"/>
-              <a:t>microservice</a:t>
+              <a:rPr lang="en-US" dirty="0" smtClean="0"/>
+              <a:t>Cells</a:t>
             </a:r>
             <a:endParaRPr lang="en-US" dirty="0"/>
           </a:p>
@@ -10403,21 +10613,23 @@
       </p:sp>
       <p:cxnSp>
         <p:nvCxnSpPr>
-          <p:cNvPr id="19" name="Straight Connector 18"/>
+          <p:cNvPr id="18" name="Straight Arrow Connector 17"/>
           <p:cNvCxnSpPr>
-            <a:stCxn id="27" idx="3"/>
-            <a:endCxn id="29" idx="1"/>
+            <a:endCxn id="4" idx="0"/>
           </p:cNvCxnSpPr>
           <p:nvPr/>
         </p:nvCxnSpPr>
         <p:spPr>
           <a:xfrm>
-            <a:off x="5275258" y="1662353"/>
-            <a:ext cx="1403184" cy="9077"/>
-          </a:xfrm>
-          <a:prstGeom prst="line">
+            <a:off x="4715761" y="204275"/>
+            <a:ext cx="0" cy="581738"/>
+          </a:xfrm>
+          <a:prstGeom prst="straightConnector1">
             <a:avLst/>
           </a:prstGeom>
+          <a:ln>
+            <a:tailEnd type="arrow"/>
+          </a:ln>
         </p:spPr>
         <p:style>
           <a:lnRef idx="2">
@@ -10436,14 +10648,14 @@
       </p:cxnSp>
       <p:sp>
         <p:nvSpPr>
-          <p:cNvPr id="37" name="TextBox 36"/>
+          <p:cNvPr id="20" name="TextBox 19"/>
           <p:cNvSpPr txBox="1"/>
           <p:nvPr/>
         </p:nvSpPr>
         <p:spPr>
           <a:xfrm>
-            <a:off x="5506050" y="1431520"/>
-            <a:ext cx="977100" cy="461665"/>
+            <a:off x="4890084" y="301971"/>
+            <a:ext cx="1358891" cy="369332"/>
           </a:xfrm>
           <a:prstGeom prst="rect">
             <a:avLst/>
@@ -10456,43 +10668,23 @@
           </a:bodyPr>
           <a:lstStyle/>
           <a:p>
-            <a:pPr algn="ctr"/>
-            <a:r>
-              <a:rPr lang="en-US" sz="1200" dirty="0" smtClean="0">
+            <a:r>
+              <a:rPr lang="en-US" dirty="0" smtClean="0">
                 <a:solidFill>
                   <a:schemeClr val="bg1"/>
                 </a:solidFill>
               </a:rPr>
-              <a:t>REST</a:t>
-            </a:r>
-          </a:p>
-          <a:p>
-            <a:pPr algn="ctr"/>
-            <a:r>
-              <a:rPr lang="en-US" sz="1200" dirty="0" smtClean="0">
+              <a:t>*.</a:t>
+            </a:r>
+            <a:r>
+              <a:rPr lang="en-US" dirty="0" err="1" smtClean="0">
                 <a:solidFill>
                   <a:schemeClr val="bg1"/>
                 </a:solidFill>
               </a:rPr>
-              <a:t>(http/</a:t>
-            </a:r>
-            <a:r>
-              <a:rPr lang="en-US" sz="1200" dirty="0" err="1" smtClean="0">
-                <a:solidFill>
-                  <a:schemeClr val="bg1"/>
-                </a:solidFill>
-              </a:rPr>
-              <a:t>json</a:t>
-            </a:r>
-            <a:r>
-              <a:rPr lang="en-US" sz="1200" dirty="0" smtClean="0">
-                <a:solidFill>
-                  <a:schemeClr val="bg1"/>
-                </a:solidFill>
-              </a:rPr>
-              <a:t>)</a:t>
-            </a:r>
-            <a:endParaRPr lang="en-US" sz="1200" dirty="0">
+              <a:t>cfapps.io</a:t>
+            </a:r>
+            <a:endParaRPr lang="en-US" dirty="0">
               <a:solidFill>
                 <a:schemeClr val="bg1"/>
               </a:solidFill>
@@ -10500,10 +10692,591 @@
           </a:p>
         </p:txBody>
       </p:sp>
+      <p:cxnSp>
+        <p:nvCxnSpPr>
+          <p:cNvPr id="24" name="Straight Connector 23"/>
+          <p:cNvCxnSpPr>
+            <a:stCxn id="4" idx="2"/>
+            <a:endCxn id="5" idx="0"/>
+          </p:cNvCxnSpPr>
+          <p:nvPr/>
+        </p:nvCxnSpPr>
+        <p:spPr>
+          <a:xfrm>
+            <a:off x="4715761" y="1310021"/>
+            <a:ext cx="0" cy="553681"/>
+          </a:xfrm>
+          <a:prstGeom prst="line">
+            <a:avLst/>
+          </a:prstGeom>
+        </p:spPr>
+        <p:style>
+          <a:lnRef idx="2">
+            <a:schemeClr val="accent1"/>
+          </a:lnRef>
+          <a:fillRef idx="0">
+            <a:schemeClr val="accent1"/>
+          </a:fillRef>
+          <a:effectRef idx="1">
+            <a:schemeClr val="accent1"/>
+          </a:effectRef>
+          <a:fontRef idx="minor">
+            <a:schemeClr val="tx1"/>
+          </a:fontRef>
+        </p:style>
+      </p:cxnSp>
+      <p:cxnSp>
+        <p:nvCxnSpPr>
+          <p:cNvPr id="28" name="Straight Arrow Connector 27"/>
+          <p:cNvCxnSpPr>
+            <a:stCxn id="5" idx="2"/>
+            <a:endCxn id="7" idx="0"/>
+          </p:cNvCxnSpPr>
+          <p:nvPr/>
+        </p:nvCxnSpPr>
+        <p:spPr>
+          <a:xfrm>
+            <a:off x="4715761" y="2387710"/>
+            <a:ext cx="0" cy="1221028"/>
+          </a:xfrm>
+          <a:prstGeom prst="straightConnector1">
+            <a:avLst/>
+          </a:prstGeom>
+          <a:ln>
+            <a:tailEnd type="arrow"/>
+          </a:ln>
+        </p:spPr>
+        <p:style>
+          <a:lnRef idx="2">
+            <a:schemeClr val="accent1"/>
+          </a:lnRef>
+          <a:fillRef idx="0">
+            <a:schemeClr val="accent1"/>
+          </a:fillRef>
+          <a:effectRef idx="1">
+            <a:schemeClr val="accent1"/>
+          </a:effectRef>
+          <a:fontRef idx="minor">
+            <a:schemeClr val="tx1"/>
+          </a:fontRef>
+        </p:style>
+      </p:cxnSp>
+      <p:cxnSp>
+        <p:nvCxnSpPr>
+          <p:cNvPr id="30" name="Straight Arrow Connector 29"/>
+          <p:cNvCxnSpPr>
+            <a:stCxn id="5" idx="2"/>
+            <a:endCxn id="8" idx="0"/>
+          </p:cNvCxnSpPr>
+          <p:nvPr/>
+        </p:nvCxnSpPr>
+        <p:spPr>
+          <a:xfrm>
+            <a:off x="4715761" y="2387710"/>
+            <a:ext cx="2521297" cy="1221028"/>
+          </a:xfrm>
+          <a:prstGeom prst="straightConnector1">
+            <a:avLst/>
+          </a:prstGeom>
+          <a:ln>
+            <a:tailEnd type="arrow"/>
+          </a:ln>
+        </p:spPr>
+        <p:style>
+          <a:lnRef idx="2">
+            <a:schemeClr val="accent1"/>
+          </a:lnRef>
+          <a:fillRef idx="0">
+            <a:schemeClr val="accent1"/>
+          </a:fillRef>
+          <a:effectRef idx="1">
+            <a:schemeClr val="accent1"/>
+          </a:effectRef>
+          <a:fontRef idx="minor">
+            <a:schemeClr val="tx1"/>
+          </a:fontRef>
+        </p:style>
+      </p:cxnSp>
+      <p:sp>
+        <p:nvSpPr>
+          <p:cNvPr id="6" name="Rounded Rectangle 5"/>
+          <p:cNvSpPr/>
+          <p:nvPr/>
+        </p:nvSpPr>
+        <p:spPr>
+          <a:xfrm>
+            <a:off x="1403182" y="3608738"/>
+            <a:ext cx="2123962" cy="524008"/>
+          </a:xfrm>
+          <a:prstGeom prst="roundRect">
+            <a:avLst/>
+          </a:prstGeom>
+          <a:solidFill>
+            <a:schemeClr val="accent2"/>
+          </a:solidFill>
+          <a:ln w="6350">
+            <a:solidFill>
+              <a:schemeClr val="bg1"/>
+            </a:solidFill>
+          </a:ln>
+          <a:effectLst/>
+        </p:spPr>
+        <p:style>
+          <a:lnRef idx="1">
+            <a:schemeClr val="accent1"/>
+          </a:lnRef>
+          <a:fillRef idx="3">
+            <a:schemeClr val="accent1"/>
+          </a:fillRef>
+          <a:effectRef idx="2">
+            <a:schemeClr val="accent1"/>
+          </a:effectRef>
+          <a:fontRef idx="minor">
+            <a:schemeClr val="lt1"/>
+          </a:fontRef>
+        </p:style>
+        <p:txBody>
+          <a:bodyPr rtlCol="0" anchor="ctr"/>
+          <a:lstStyle/>
+          <a:p>
+            <a:pPr algn="ctr"/>
+            <a:r>
+              <a:rPr lang="en-US" sz="1200" dirty="0" err="1" smtClean="0"/>
+              <a:t>articulate.cfapps.io</a:t>
+            </a:r>
+            <a:endParaRPr lang="en-US" sz="1400" dirty="0"/>
+          </a:p>
+        </p:txBody>
+      </p:sp>
+      <p:sp>
+        <p:nvSpPr>
+          <p:cNvPr id="7" name="Rounded Rectangle 6"/>
+          <p:cNvSpPr/>
+          <p:nvPr/>
+        </p:nvSpPr>
+        <p:spPr>
+          <a:xfrm>
+            <a:off x="3648627" y="3608738"/>
+            <a:ext cx="2134267" cy="524008"/>
+          </a:xfrm>
+          <a:prstGeom prst="roundRect">
+            <a:avLst/>
+          </a:prstGeom>
+          <a:solidFill>
+            <a:schemeClr val="accent2"/>
+          </a:solidFill>
+          <a:ln w="6350">
+            <a:solidFill>
+              <a:schemeClr val="bg1"/>
+            </a:solidFill>
+          </a:ln>
+          <a:effectLst/>
+        </p:spPr>
+        <p:style>
+          <a:lnRef idx="1">
+            <a:schemeClr val="accent1"/>
+          </a:lnRef>
+          <a:fillRef idx="3">
+            <a:schemeClr val="accent1"/>
+          </a:fillRef>
+          <a:effectRef idx="2">
+            <a:schemeClr val="accent1"/>
+          </a:effectRef>
+          <a:fontRef idx="minor">
+            <a:schemeClr val="lt1"/>
+          </a:fontRef>
+        </p:style>
+        <p:txBody>
+          <a:bodyPr rtlCol="0" anchor="ctr"/>
+          <a:lstStyle/>
+          <a:p>
+            <a:pPr algn="ctr"/>
+            <a:r>
+              <a:rPr lang="en-US" sz="1200" dirty="0"/>
+              <a:t>a</a:t>
+            </a:r>
+            <a:r>
+              <a:rPr lang="en-US" sz="1200" dirty="0" smtClean="0"/>
+              <a:t>ttendees-</a:t>
+            </a:r>
+            <a:r>
+              <a:rPr lang="en-US" sz="1200" dirty="0" err="1" smtClean="0"/>
+              <a:t>blue.cfapps.io</a:t>
+            </a:r>
+            <a:endParaRPr lang="en-US" sz="1200" dirty="0"/>
+          </a:p>
+        </p:txBody>
+      </p:sp>
+      <p:sp>
+        <p:nvSpPr>
+          <p:cNvPr id="8" name="Rounded Rectangle 7"/>
+          <p:cNvSpPr/>
+          <p:nvPr/>
+        </p:nvSpPr>
+        <p:spPr>
+          <a:xfrm>
+            <a:off x="6164771" y="3608738"/>
+            <a:ext cx="2144574" cy="524008"/>
+          </a:xfrm>
+          <a:prstGeom prst="roundRect">
+            <a:avLst/>
+          </a:prstGeom>
+          <a:solidFill>
+            <a:schemeClr val="accent2"/>
+          </a:solidFill>
+          <a:ln w="6350">
+            <a:solidFill>
+              <a:schemeClr val="bg1"/>
+            </a:solidFill>
+          </a:ln>
+          <a:effectLst/>
+        </p:spPr>
+        <p:style>
+          <a:lnRef idx="1">
+            <a:schemeClr val="accent1"/>
+          </a:lnRef>
+          <a:fillRef idx="3">
+            <a:schemeClr val="accent1"/>
+          </a:fillRef>
+          <a:effectRef idx="2">
+            <a:schemeClr val="accent1"/>
+          </a:effectRef>
+          <a:fontRef idx="minor">
+            <a:schemeClr val="lt1"/>
+          </a:fontRef>
+        </p:style>
+        <p:txBody>
+          <a:bodyPr rtlCol="0" anchor="ctr"/>
+          <a:lstStyle/>
+          <a:p>
+            <a:pPr algn="ctr"/>
+            <a:r>
+              <a:rPr lang="en-US" sz="1200" dirty="0"/>
+              <a:t>a</a:t>
+            </a:r>
+            <a:r>
+              <a:rPr lang="en-US" sz="1200" dirty="0" smtClean="0"/>
+              <a:t>ttendees-</a:t>
+            </a:r>
+            <a:r>
+              <a:rPr lang="en-US" sz="1200" dirty="0" err="1" smtClean="0"/>
+              <a:t>green.cfapps.io</a:t>
+            </a:r>
+            <a:endParaRPr lang="en-US" sz="1200" dirty="0"/>
+          </a:p>
+        </p:txBody>
+      </p:sp>
+      <p:sp>
+        <p:nvSpPr>
+          <p:cNvPr id="12" name="Rounded Rectangle 11"/>
+          <p:cNvSpPr/>
+          <p:nvPr/>
+        </p:nvSpPr>
+        <p:spPr>
+          <a:xfrm>
+            <a:off x="6248975" y="3652752"/>
+            <a:ext cx="2144574" cy="524008"/>
+          </a:xfrm>
+          <a:prstGeom prst="roundRect">
+            <a:avLst/>
+          </a:prstGeom>
+          <a:solidFill>
+            <a:schemeClr val="accent2"/>
+          </a:solidFill>
+          <a:ln w="6350">
+            <a:solidFill>
+              <a:schemeClr val="bg1"/>
+            </a:solidFill>
+          </a:ln>
+          <a:effectLst/>
+        </p:spPr>
+        <p:style>
+          <a:lnRef idx="1">
+            <a:schemeClr val="accent1"/>
+          </a:lnRef>
+          <a:fillRef idx="3">
+            <a:schemeClr val="accent1"/>
+          </a:fillRef>
+          <a:effectRef idx="2">
+            <a:schemeClr val="accent1"/>
+          </a:effectRef>
+          <a:fontRef idx="minor">
+            <a:schemeClr val="lt1"/>
+          </a:fontRef>
+        </p:style>
+        <p:txBody>
+          <a:bodyPr rtlCol="0" anchor="ctr"/>
+          <a:lstStyle/>
+          <a:p>
+            <a:pPr algn="ctr"/>
+            <a:r>
+              <a:rPr lang="en-US" sz="1200" dirty="0" err="1" smtClean="0"/>
+              <a:t>myapp.cfapps.io</a:t>
+            </a:r>
+            <a:endParaRPr lang="en-US" sz="1200" dirty="0"/>
+          </a:p>
+        </p:txBody>
+      </p:sp>
+      <p:sp>
+        <p:nvSpPr>
+          <p:cNvPr id="13" name="Rounded Rectangle 12"/>
+          <p:cNvSpPr/>
+          <p:nvPr/>
+        </p:nvSpPr>
+        <p:spPr>
+          <a:xfrm>
+            <a:off x="3725704" y="3651534"/>
+            <a:ext cx="2134267" cy="524008"/>
+          </a:xfrm>
+          <a:prstGeom prst="roundRect">
+            <a:avLst/>
+          </a:prstGeom>
+          <a:solidFill>
+            <a:schemeClr val="accent2"/>
+          </a:solidFill>
+          <a:ln w="6350">
+            <a:solidFill>
+              <a:schemeClr val="bg1"/>
+            </a:solidFill>
+          </a:ln>
+          <a:effectLst/>
+        </p:spPr>
+        <p:style>
+          <a:lnRef idx="1">
+            <a:schemeClr val="accent1"/>
+          </a:lnRef>
+          <a:fillRef idx="3">
+            <a:schemeClr val="accent1"/>
+          </a:fillRef>
+          <a:effectRef idx="2">
+            <a:schemeClr val="accent1"/>
+          </a:effectRef>
+          <a:fontRef idx="minor">
+            <a:schemeClr val="lt1"/>
+          </a:fontRef>
+        </p:style>
+        <p:txBody>
+          <a:bodyPr rtlCol="0" anchor="ctr"/>
+          <a:lstStyle/>
+          <a:p>
+            <a:pPr algn="ctr"/>
+            <a:r>
+              <a:rPr lang="en-US" sz="1200" dirty="0"/>
+              <a:t>a</a:t>
+            </a:r>
+            <a:r>
+              <a:rPr lang="en-US" sz="1200" dirty="0" smtClean="0"/>
+              <a:t>ttendees-</a:t>
+            </a:r>
+            <a:r>
+              <a:rPr lang="en-US" sz="1200" dirty="0" err="1" smtClean="0"/>
+              <a:t>blue.cfapps.io</a:t>
+            </a:r>
+            <a:endParaRPr lang="en-US" sz="1200" dirty="0"/>
+          </a:p>
+        </p:txBody>
+      </p:sp>
+      <p:sp>
+        <p:nvSpPr>
+          <p:cNvPr id="14" name="Rounded Rectangle 13"/>
+          <p:cNvSpPr/>
+          <p:nvPr/>
+        </p:nvSpPr>
+        <p:spPr>
+          <a:xfrm>
+            <a:off x="3809908" y="3738738"/>
+            <a:ext cx="2134267" cy="524008"/>
+          </a:xfrm>
+          <a:prstGeom prst="roundRect">
+            <a:avLst/>
+          </a:prstGeom>
+          <a:solidFill>
+            <a:schemeClr val="accent2"/>
+          </a:solidFill>
+          <a:ln w="6350">
+            <a:solidFill>
+              <a:schemeClr val="bg1"/>
+            </a:solidFill>
+          </a:ln>
+          <a:effectLst/>
+        </p:spPr>
+        <p:style>
+          <a:lnRef idx="1">
+            <a:schemeClr val="accent1"/>
+          </a:lnRef>
+          <a:fillRef idx="3">
+            <a:schemeClr val="accent1"/>
+          </a:fillRef>
+          <a:effectRef idx="2">
+            <a:schemeClr val="accent1"/>
+          </a:effectRef>
+          <a:fontRef idx="minor">
+            <a:schemeClr val="lt1"/>
+          </a:fontRef>
+        </p:style>
+        <p:txBody>
+          <a:bodyPr rtlCol="0" anchor="ctr"/>
+          <a:lstStyle/>
+          <a:p>
+            <a:pPr algn="ctr"/>
+            <a:r>
+              <a:rPr lang="en-US" sz="1200" dirty="0"/>
+              <a:t>a</a:t>
+            </a:r>
+            <a:r>
+              <a:rPr lang="en-US" sz="1200" dirty="0" smtClean="0"/>
+              <a:t>ttendee-</a:t>
+            </a:r>
+            <a:r>
+              <a:rPr lang="en-US" sz="1200" dirty="0" err="1" smtClean="0"/>
+              <a:t>service.cfapps.io</a:t>
+            </a:r>
+            <a:endParaRPr lang="en-US" sz="1200" dirty="0"/>
+          </a:p>
+        </p:txBody>
+      </p:sp>
+      <p:cxnSp>
+        <p:nvCxnSpPr>
+          <p:cNvPr id="26" name="Straight Arrow Connector 25"/>
+          <p:cNvCxnSpPr>
+            <a:stCxn id="5" idx="2"/>
+            <a:endCxn id="6" idx="0"/>
+          </p:cNvCxnSpPr>
+          <p:nvPr/>
+        </p:nvCxnSpPr>
+        <p:spPr>
+          <a:xfrm flipH="1">
+            <a:off x="2465163" y="2387710"/>
+            <a:ext cx="2250598" cy="1221028"/>
+          </a:xfrm>
+          <a:prstGeom prst="straightConnector1">
+            <a:avLst/>
+          </a:prstGeom>
+          <a:ln>
+            <a:tailEnd type="arrow"/>
+          </a:ln>
+        </p:spPr>
+        <p:style>
+          <a:lnRef idx="2">
+            <a:schemeClr val="accent1"/>
+          </a:lnRef>
+          <a:fillRef idx="0">
+            <a:schemeClr val="accent1"/>
+          </a:fillRef>
+          <a:effectRef idx="1">
+            <a:schemeClr val="accent1"/>
+          </a:effectRef>
+          <a:fontRef idx="minor">
+            <a:schemeClr val="tx1"/>
+          </a:fontRef>
+        </p:style>
+      </p:cxnSp>
+      <p:sp>
+        <p:nvSpPr>
+          <p:cNvPr id="25" name="Rounded Rectangle 24"/>
+          <p:cNvSpPr/>
+          <p:nvPr/>
+        </p:nvSpPr>
+        <p:spPr>
+          <a:xfrm>
+            <a:off x="676378" y="1973109"/>
+            <a:ext cx="1074589" cy="407134"/>
+          </a:xfrm>
+          <a:prstGeom prst="roundRect">
+            <a:avLst/>
+          </a:prstGeom>
+          <a:solidFill>
+            <a:srgbClr val="008881"/>
+          </a:solidFill>
+          <a:ln w="6350">
+            <a:solidFill>
+              <a:schemeClr val="bg1"/>
+            </a:solidFill>
+          </a:ln>
+          <a:effectLst/>
+        </p:spPr>
+        <p:style>
+          <a:lnRef idx="1">
+            <a:schemeClr val="accent1"/>
+          </a:lnRef>
+          <a:fillRef idx="3">
+            <a:schemeClr val="accent1"/>
+          </a:fillRef>
+          <a:effectRef idx="2">
+            <a:schemeClr val="accent1"/>
+          </a:effectRef>
+          <a:fontRef idx="minor">
+            <a:schemeClr val="lt1"/>
+          </a:fontRef>
+        </p:style>
+        <p:txBody>
+          <a:bodyPr rtlCol="0" anchor="ctr"/>
+          <a:lstStyle/>
+          <a:p>
+            <a:pPr algn="ctr"/>
+            <a:r>
+              <a:rPr lang="en-US" sz="1400" dirty="0" smtClean="0"/>
+              <a:t>UAA</a:t>
+            </a:r>
+            <a:endParaRPr lang="en-US" sz="1400" dirty="0"/>
+          </a:p>
+        </p:txBody>
+      </p:sp>
+      <p:sp>
+        <p:nvSpPr>
+          <p:cNvPr id="27" name="Rounded Rectangle 26"/>
+          <p:cNvSpPr/>
+          <p:nvPr/>
+        </p:nvSpPr>
+        <p:spPr>
+          <a:xfrm>
+            <a:off x="676378" y="2480770"/>
+            <a:ext cx="1074589" cy="407134"/>
+          </a:xfrm>
+          <a:prstGeom prst="roundRect">
+            <a:avLst/>
+          </a:prstGeom>
+          <a:solidFill>
+            <a:srgbClr val="008881"/>
+          </a:solidFill>
+          <a:ln w="6350">
+            <a:solidFill>
+              <a:schemeClr val="bg1"/>
+            </a:solidFill>
+          </a:ln>
+          <a:effectLst/>
+        </p:spPr>
+        <p:style>
+          <a:lnRef idx="1">
+            <a:schemeClr val="accent1"/>
+          </a:lnRef>
+          <a:fillRef idx="3">
+            <a:schemeClr val="accent1"/>
+          </a:fillRef>
+          <a:effectRef idx="2">
+            <a:schemeClr val="accent1"/>
+          </a:effectRef>
+          <a:fontRef idx="minor">
+            <a:schemeClr val="lt1"/>
+          </a:fontRef>
+        </p:style>
+        <p:txBody>
+          <a:bodyPr rtlCol="0" anchor="ctr"/>
+          <a:lstStyle/>
+          <a:p>
+            <a:pPr algn="ctr"/>
+            <a:r>
+              <a:rPr lang="en-US" sz="1400" dirty="0" smtClean="0"/>
+              <a:t>BLOB Store</a:t>
+            </a:r>
+            <a:endParaRPr lang="en-US" sz="1400" dirty="0"/>
+          </a:p>
+        </p:txBody>
+      </p:sp>
     </p:spTree>
     <p:extLst>
       <p:ext uri="{BB962C8B-B14F-4D97-AF65-F5344CB8AC3E}">
-        <p14:creationId xmlns:p14="http://schemas.microsoft.com/office/powerpoint/2010/main" val="3831314922"/>
+        <p14:creationId xmlns:p14="http://schemas.microsoft.com/office/powerpoint/2010/main" val="2486797579"/>
       </p:ext>
     </p:extLst>
   </p:cSld>
@@ -10545,8 +11318,74 @@
         </p:nvSpPr>
         <p:spPr>
           <a:xfrm>
-            <a:off x="559384" y="1221202"/>
-            <a:ext cx="2904057" cy="999169"/>
+            <a:off x="239787" y="1166502"/>
+            <a:ext cx="2557700" cy="999169"/>
+          </a:xfrm>
+          <a:prstGeom prst="roundRect">
+            <a:avLst/>
+          </a:prstGeom>
+          <a:solidFill>
+            <a:srgbClr val="FF6600"/>
+          </a:solidFill>
+          <a:ln w="6350">
+            <a:solidFill>
+              <a:schemeClr val="bg1"/>
+            </a:solidFill>
+          </a:ln>
+          <a:effectLst/>
+        </p:spPr>
+        <p:style>
+          <a:lnRef idx="1">
+            <a:schemeClr val="accent1"/>
+          </a:lnRef>
+          <a:fillRef idx="3">
+            <a:schemeClr val="accent1"/>
+          </a:fillRef>
+          <a:effectRef idx="2">
+            <a:schemeClr val="accent1"/>
+          </a:effectRef>
+          <a:fontRef idx="minor">
+            <a:schemeClr val="lt1"/>
+          </a:fontRef>
+        </p:style>
+        <p:txBody>
+          <a:bodyPr rtlCol="0" anchor="ctr"/>
+          <a:lstStyle/>
+          <a:p>
+            <a:pPr algn="ctr"/>
+            <a:r>
+              <a:rPr lang="en-US" sz="1400" b="1" dirty="0" smtClean="0"/>
+              <a:t>UI</a:t>
+            </a:r>
+          </a:p>
+          <a:p>
+            <a:pPr algn="ctr"/>
+            <a:r>
+              <a:rPr lang="en-US" sz="1200" dirty="0" smtClean="0"/>
+              <a:t>(</a:t>
+            </a:r>
+            <a:r>
+              <a:rPr lang="en-US" sz="1200" dirty="0" err="1" smtClean="0"/>
+              <a:t>thymeleaf</a:t>
+            </a:r>
+            <a:r>
+              <a:rPr lang="en-US" sz="1200" dirty="0" smtClean="0"/>
+              <a:t> / bootstrap / Spring Boot, MVC and Cloud Connectors)</a:t>
+            </a:r>
+            <a:endParaRPr lang="en-US" sz="1200" dirty="0"/>
+          </a:p>
+        </p:txBody>
+      </p:sp>
+      <p:sp>
+        <p:nvSpPr>
+          <p:cNvPr id="5" name="Rounded Rectangle 4"/>
+          <p:cNvSpPr/>
+          <p:nvPr/>
+        </p:nvSpPr>
+        <p:spPr>
+          <a:xfrm>
+            <a:off x="2850774" y="1173969"/>
+            <a:ext cx="879208" cy="991701"/>
           </a:xfrm>
           <a:prstGeom prst="roundRect">
             <a:avLst/>
@@ -10581,63 +11420,23 @@
           <a:p>
             <a:pPr algn="ctr"/>
             <a:r>
-              <a:rPr lang="en-US" sz="1600" b="1" dirty="0" smtClean="0"/>
-              <a:t>articulate</a:t>
-            </a:r>
-            <a:endParaRPr lang="en-US" sz="1600" b="1" dirty="0" smtClean="0"/>
-          </a:p>
-          <a:p>
-            <a:pPr algn="ctr"/>
-            <a:r>
-              <a:rPr lang="en-US" sz="1200" dirty="0" smtClean="0"/>
-              <a:t>(Spring </a:t>
-            </a:r>
-            <a:r>
-              <a:rPr lang="en-US" sz="1200" dirty="0" smtClean="0"/>
-              <a:t>Boot, </a:t>
-            </a:r>
-            <a:r>
-              <a:rPr lang="en-US" sz="1200" dirty="0" smtClean="0"/>
-              <a:t>Spring MVC, Spring Cloud </a:t>
-            </a:r>
-            <a:r>
-              <a:rPr lang="en-US" sz="1200" dirty="0" smtClean="0"/>
-              <a:t>Connectors, </a:t>
-            </a:r>
-            <a:r>
-              <a:rPr lang="en-US" sz="1200" dirty="0" err="1" smtClean="0"/>
-              <a:t>Thymeleaf</a:t>
-            </a:r>
-            <a:r>
-              <a:rPr lang="en-US" sz="1200" dirty="0"/>
-              <a:t>,</a:t>
-            </a:r>
-            <a:r>
-              <a:rPr lang="en-US" sz="1200" dirty="0" smtClean="0"/>
-              <a:t> </a:t>
-            </a:r>
-            <a:r>
-              <a:rPr lang="en-US" sz="1200" dirty="0"/>
-              <a:t>B</a:t>
-            </a:r>
-            <a:r>
-              <a:rPr lang="en-US" sz="1200" dirty="0" smtClean="0"/>
-              <a:t>ootstrap)</a:t>
-            </a:r>
-            <a:endParaRPr lang="en-US" sz="1200" dirty="0"/>
-          </a:p>
-        </p:txBody>
-      </p:sp>
-      <p:sp>
-        <p:nvSpPr>
-          <p:cNvPr id="29" name="Rounded Rectangle 28"/>
+              <a:rPr lang="en-US" sz="1400" b="1" dirty="0" smtClean="0"/>
+              <a:t>Model</a:t>
+            </a:r>
+            <a:endParaRPr lang="en-US" sz="1400" b="1" dirty="0"/>
+          </a:p>
+        </p:txBody>
+      </p:sp>
+      <p:sp>
+        <p:nvSpPr>
+          <p:cNvPr id="27" name="Rounded Rectangle 26"/>
           <p:cNvSpPr/>
           <p:nvPr/>
         </p:nvSpPr>
         <p:spPr>
           <a:xfrm>
-            <a:off x="4866625" y="1221202"/>
-            <a:ext cx="2140297" cy="991701"/>
+            <a:off x="3793572" y="1166502"/>
+            <a:ext cx="1481686" cy="991701"/>
           </a:xfrm>
           <a:prstGeom prst="roundRect">
             <a:avLst/>
@@ -10672,6 +11471,434 @@
           <a:p>
             <a:pPr algn="ctr"/>
             <a:r>
+              <a:rPr lang="en-US" sz="1400" b="1" dirty="0" smtClean="0"/>
+              <a:t>Service</a:t>
+            </a:r>
+          </a:p>
+          <a:p>
+            <a:pPr algn="ctr"/>
+            <a:r>
+              <a:rPr lang="en-US" sz="1200" dirty="0" smtClean="0"/>
+              <a:t>(feign / Ribbon)</a:t>
+            </a:r>
+            <a:endParaRPr lang="en-US" sz="1200" dirty="0"/>
+          </a:p>
+        </p:txBody>
+      </p:sp>
+      <p:sp>
+        <p:nvSpPr>
+          <p:cNvPr id="29" name="Rounded Rectangle 28"/>
+          <p:cNvSpPr/>
+          <p:nvPr/>
+        </p:nvSpPr>
+        <p:spPr>
+          <a:xfrm>
+            <a:off x="6678442" y="1175579"/>
+            <a:ext cx="2140297" cy="991701"/>
+          </a:xfrm>
+          <a:prstGeom prst="roundRect">
+            <a:avLst/>
+          </a:prstGeom>
+          <a:solidFill>
+            <a:srgbClr val="008881"/>
+          </a:solidFill>
+          <a:ln w="6350">
+            <a:solidFill>
+              <a:schemeClr val="bg1"/>
+            </a:solidFill>
+          </a:ln>
+          <a:effectLst/>
+        </p:spPr>
+        <p:style>
+          <a:lnRef idx="1">
+            <a:schemeClr val="accent1"/>
+          </a:lnRef>
+          <a:fillRef idx="3">
+            <a:schemeClr val="accent1"/>
+          </a:fillRef>
+          <a:effectRef idx="2">
+            <a:schemeClr val="accent1"/>
+          </a:effectRef>
+          <a:fontRef idx="minor">
+            <a:schemeClr val="lt1"/>
+          </a:fontRef>
+        </p:style>
+        <p:txBody>
+          <a:bodyPr rtlCol="0" anchor="ctr"/>
+          <a:lstStyle/>
+          <a:p>
+            <a:pPr algn="ctr"/>
+            <a:r>
+              <a:rPr lang="en-US" sz="1400" b="1" dirty="0" smtClean="0"/>
+              <a:t>attendees</a:t>
+            </a:r>
+          </a:p>
+          <a:p>
+            <a:pPr algn="ctr"/>
+            <a:r>
+              <a:rPr lang="en-US" sz="1200" dirty="0" smtClean="0"/>
+              <a:t>(spring boot, Data, Cloud Connectors)</a:t>
+            </a:r>
+            <a:endParaRPr lang="en-US" sz="1200" dirty="0"/>
+          </a:p>
+        </p:txBody>
+      </p:sp>
+      <p:sp>
+        <p:nvSpPr>
+          <p:cNvPr id="31" name="Rectangle 30"/>
+          <p:cNvSpPr/>
+          <p:nvPr/>
+        </p:nvSpPr>
+        <p:spPr>
+          <a:xfrm>
+            <a:off x="190942" y="825982"/>
+            <a:ext cx="5213090" cy="1511270"/>
+          </a:xfrm>
+          <a:prstGeom prst="rect">
+            <a:avLst/>
+          </a:prstGeom>
+          <a:noFill/>
+          <a:ln w="6350">
+            <a:solidFill>
+              <a:schemeClr val="bg1"/>
+            </a:solidFill>
+            <a:prstDash val="dash"/>
+          </a:ln>
+          <a:effectLst/>
+        </p:spPr>
+        <p:style>
+          <a:lnRef idx="1">
+            <a:schemeClr val="accent1"/>
+          </a:lnRef>
+          <a:fillRef idx="3">
+            <a:schemeClr val="accent1"/>
+          </a:fillRef>
+          <a:effectRef idx="2">
+            <a:schemeClr val="accent1"/>
+          </a:effectRef>
+          <a:fontRef idx="minor">
+            <a:schemeClr val="lt1"/>
+          </a:fontRef>
+        </p:style>
+        <p:txBody>
+          <a:bodyPr rtlCol="0" anchor="t" anchorCtr="0"/>
+          <a:lstStyle/>
+          <a:p>
+            <a:r>
+              <a:rPr lang="en-US" dirty="0" smtClean="0"/>
+              <a:t>client</a:t>
+            </a:r>
+            <a:endParaRPr lang="en-US" dirty="0"/>
+          </a:p>
+        </p:txBody>
+      </p:sp>
+      <p:sp>
+        <p:nvSpPr>
+          <p:cNvPr id="32" name="Rectangle 31"/>
+          <p:cNvSpPr/>
+          <p:nvPr/>
+        </p:nvSpPr>
+        <p:spPr>
+          <a:xfrm>
+            <a:off x="6598512" y="825982"/>
+            <a:ext cx="2335679" cy="1511270"/>
+          </a:xfrm>
+          <a:prstGeom prst="rect">
+            <a:avLst/>
+          </a:prstGeom>
+          <a:noFill/>
+          <a:ln w="6350">
+            <a:solidFill>
+              <a:schemeClr val="bg1"/>
+            </a:solidFill>
+            <a:prstDash val="dash"/>
+          </a:ln>
+          <a:effectLst/>
+        </p:spPr>
+        <p:style>
+          <a:lnRef idx="1">
+            <a:schemeClr val="accent1"/>
+          </a:lnRef>
+          <a:fillRef idx="3">
+            <a:schemeClr val="accent1"/>
+          </a:fillRef>
+          <a:effectRef idx="2">
+            <a:schemeClr val="accent1"/>
+          </a:effectRef>
+          <a:fontRef idx="minor">
+            <a:schemeClr val="lt1"/>
+          </a:fontRef>
+        </p:style>
+        <p:txBody>
+          <a:bodyPr rtlCol="0" anchor="t" anchorCtr="0"/>
+          <a:lstStyle/>
+          <a:p>
+            <a:r>
+              <a:rPr lang="en-US" dirty="0" err="1" smtClean="0"/>
+              <a:t>microservice</a:t>
+            </a:r>
+            <a:endParaRPr lang="en-US" dirty="0"/>
+          </a:p>
+        </p:txBody>
+      </p:sp>
+      <p:cxnSp>
+        <p:nvCxnSpPr>
+          <p:cNvPr id="19" name="Straight Connector 18"/>
+          <p:cNvCxnSpPr>
+            <a:stCxn id="27" idx="3"/>
+            <a:endCxn id="29" idx="1"/>
+          </p:cNvCxnSpPr>
+          <p:nvPr/>
+        </p:nvCxnSpPr>
+        <p:spPr>
+          <a:xfrm>
+            <a:off x="5275258" y="1662353"/>
+            <a:ext cx="1403184" cy="9077"/>
+          </a:xfrm>
+          <a:prstGeom prst="line">
+            <a:avLst/>
+          </a:prstGeom>
+        </p:spPr>
+        <p:style>
+          <a:lnRef idx="2">
+            <a:schemeClr val="accent1"/>
+          </a:lnRef>
+          <a:fillRef idx="0">
+            <a:schemeClr val="accent1"/>
+          </a:fillRef>
+          <a:effectRef idx="1">
+            <a:schemeClr val="accent1"/>
+          </a:effectRef>
+          <a:fontRef idx="minor">
+            <a:schemeClr val="tx1"/>
+          </a:fontRef>
+        </p:style>
+      </p:cxnSp>
+      <p:sp>
+        <p:nvSpPr>
+          <p:cNvPr id="37" name="TextBox 36"/>
+          <p:cNvSpPr txBox="1"/>
+          <p:nvPr/>
+        </p:nvSpPr>
+        <p:spPr>
+          <a:xfrm>
+            <a:off x="5506050" y="1431520"/>
+            <a:ext cx="977100" cy="461665"/>
+          </a:xfrm>
+          <a:prstGeom prst="rect">
+            <a:avLst/>
+          </a:prstGeom>
+          <a:noFill/>
+        </p:spPr>
+        <p:txBody>
+          <a:bodyPr wrap="none" rtlCol="0">
+            <a:spAutoFit/>
+          </a:bodyPr>
+          <a:lstStyle/>
+          <a:p>
+            <a:pPr algn="ctr"/>
+            <a:r>
+              <a:rPr lang="en-US" sz="1200" dirty="0" smtClean="0">
+                <a:solidFill>
+                  <a:schemeClr val="bg1"/>
+                </a:solidFill>
+              </a:rPr>
+              <a:t>REST</a:t>
+            </a:r>
+          </a:p>
+          <a:p>
+            <a:pPr algn="ctr"/>
+            <a:r>
+              <a:rPr lang="en-US" sz="1200" dirty="0" smtClean="0">
+                <a:solidFill>
+                  <a:schemeClr val="bg1"/>
+                </a:solidFill>
+              </a:rPr>
+              <a:t>(http/</a:t>
+            </a:r>
+            <a:r>
+              <a:rPr lang="en-US" sz="1200" dirty="0" err="1" smtClean="0">
+                <a:solidFill>
+                  <a:schemeClr val="bg1"/>
+                </a:solidFill>
+              </a:rPr>
+              <a:t>json</a:t>
+            </a:r>
+            <a:r>
+              <a:rPr lang="en-US" sz="1200" dirty="0" smtClean="0">
+                <a:solidFill>
+                  <a:schemeClr val="bg1"/>
+                </a:solidFill>
+              </a:rPr>
+              <a:t>)</a:t>
+            </a:r>
+            <a:endParaRPr lang="en-US" sz="1200" dirty="0">
+              <a:solidFill>
+                <a:schemeClr val="bg1"/>
+              </a:solidFill>
+            </a:endParaRPr>
+          </a:p>
+        </p:txBody>
+      </p:sp>
+    </p:spTree>
+    <p:extLst>
+      <p:ext uri="{BB962C8B-B14F-4D97-AF65-F5344CB8AC3E}">
+        <p14:creationId xmlns:p14="http://schemas.microsoft.com/office/powerpoint/2010/main" val="3831314922"/>
+      </p:ext>
+    </p:extLst>
+  </p:cSld>
+  <p:clrMapOvr>
+    <a:masterClrMapping/>
+  </p:clrMapOvr>
+  <p:timing>
+    <p:tnLst>
+      <p:par>
+        <p:cTn xmlns:p14="http://schemas.microsoft.com/office/powerpoint/2010/main" id="1" dur="indefinite" restart="never" nodeType="tmRoot"/>
+      </p:par>
+    </p:tnLst>
+  </p:timing>
+</p:sld>
+</file>
+
+<file path=ppt/slides/slide13.xml><?xml version="1.0" encoding="utf-8"?>
+<p:sld xmlns:a="http://schemas.openxmlformats.org/drawingml/2006/main" xmlns:r="http://schemas.openxmlformats.org/officeDocument/2006/relationships" xmlns:p="http://schemas.openxmlformats.org/presentationml/2006/main">
+  <p:cSld>
+    <p:spTree>
+      <p:nvGrpSpPr>
+        <p:cNvPr id="1" name=""/>
+        <p:cNvGrpSpPr/>
+        <p:nvPr/>
+      </p:nvGrpSpPr>
+      <p:grpSpPr>
+        <a:xfrm>
+          <a:off x="0" y="0"/>
+          <a:ext cx="0" cy="0"/>
+          <a:chOff x="0" y="0"/>
+          <a:chExt cx="0" cy="0"/>
+        </a:xfrm>
+      </p:grpSpPr>
+      <p:sp>
+        <p:nvSpPr>
+          <p:cNvPr id="4" name="Rounded Rectangle 3"/>
+          <p:cNvSpPr/>
+          <p:nvPr/>
+        </p:nvSpPr>
+        <p:spPr>
+          <a:xfrm>
+            <a:off x="559384" y="1221202"/>
+            <a:ext cx="2904057" cy="999169"/>
+          </a:xfrm>
+          <a:prstGeom prst="roundRect">
+            <a:avLst/>
+          </a:prstGeom>
+          <a:solidFill>
+            <a:srgbClr val="008881"/>
+          </a:solidFill>
+          <a:ln w="6350">
+            <a:solidFill>
+              <a:schemeClr val="bg1"/>
+            </a:solidFill>
+          </a:ln>
+          <a:effectLst/>
+        </p:spPr>
+        <p:style>
+          <a:lnRef idx="1">
+            <a:schemeClr val="accent1"/>
+          </a:lnRef>
+          <a:fillRef idx="3">
+            <a:schemeClr val="accent1"/>
+          </a:fillRef>
+          <a:effectRef idx="2">
+            <a:schemeClr val="accent1"/>
+          </a:effectRef>
+          <a:fontRef idx="minor">
+            <a:schemeClr val="lt1"/>
+          </a:fontRef>
+        </p:style>
+        <p:txBody>
+          <a:bodyPr rtlCol="0" anchor="ctr"/>
+          <a:lstStyle/>
+          <a:p>
+            <a:pPr algn="ctr"/>
+            <a:r>
+              <a:rPr lang="en-US" sz="1600" b="1" dirty="0" smtClean="0"/>
+              <a:t>articulate</a:t>
+            </a:r>
+          </a:p>
+          <a:p>
+            <a:pPr algn="ctr"/>
+            <a:r>
+              <a:rPr lang="en-US" sz="1200" dirty="0" smtClean="0"/>
+              <a:t>(Spring Boot, Spring MVC, Spring Cloud Connectors, </a:t>
+            </a:r>
+            <a:r>
+              <a:rPr lang="en-US" sz="1200" dirty="0" err="1" smtClean="0"/>
+              <a:t>Thymeleaf</a:t>
+            </a:r>
+            <a:r>
+              <a:rPr lang="en-US" sz="1200" dirty="0"/>
+              <a:t>,</a:t>
+            </a:r>
+            <a:r>
+              <a:rPr lang="en-US" sz="1200" dirty="0" smtClean="0"/>
+              <a:t> </a:t>
+            </a:r>
+            <a:r>
+              <a:rPr lang="en-US" sz="1200" dirty="0"/>
+              <a:t>B</a:t>
+            </a:r>
+            <a:r>
+              <a:rPr lang="en-US" sz="1200" dirty="0" smtClean="0"/>
+              <a:t>ootstrap)</a:t>
+            </a:r>
+            <a:endParaRPr lang="en-US" sz="1200" dirty="0"/>
+          </a:p>
+        </p:txBody>
+      </p:sp>
+      <p:sp>
+        <p:nvSpPr>
+          <p:cNvPr id="29" name="Rounded Rectangle 28"/>
+          <p:cNvSpPr/>
+          <p:nvPr/>
+        </p:nvSpPr>
+        <p:spPr>
+          <a:xfrm>
+            <a:off x="4866625" y="1221202"/>
+            <a:ext cx="2140297" cy="991701"/>
+          </a:xfrm>
+          <a:prstGeom prst="roundRect">
+            <a:avLst/>
+          </a:prstGeom>
+          <a:solidFill>
+            <a:srgbClr val="008881"/>
+          </a:solidFill>
+          <a:ln w="6350">
+            <a:solidFill>
+              <a:schemeClr val="bg1"/>
+            </a:solidFill>
+          </a:ln>
+          <a:effectLst/>
+        </p:spPr>
+        <p:style>
+          <a:lnRef idx="1">
+            <a:schemeClr val="accent1"/>
+          </a:lnRef>
+          <a:fillRef idx="3">
+            <a:schemeClr val="accent1"/>
+          </a:fillRef>
+          <a:effectRef idx="2">
+            <a:schemeClr val="accent1"/>
+          </a:effectRef>
+          <a:fontRef idx="minor">
+            <a:schemeClr val="lt1"/>
+          </a:fontRef>
+        </p:style>
+        <p:txBody>
+          <a:bodyPr rtlCol="0" anchor="ctr"/>
+          <a:lstStyle/>
+          <a:p>
+            <a:pPr algn="ctr"/>
+            <a:r>
               <a:rPr lang="en-US" sz="1600" b="1" dirty="0"/>
               <a:t>attendee-</a:t>
             </a:r>
@@ -10684,11 +11911,7 @@
             <a:pPr algn="ctr"/>
             <a:r>
               <a:rPr lang="en-US" sz="1200" dirty="0" smtClean="0"/>
-              <a:t>S</a:t>
-            </a:r>
-            <a:r>
-              <a:rPr lang="en-US" sz="1200" dirty="0" smtClean="0"/>
-              <a:t>pring </a:t>
+              <a:t>Spring </a:t>
             </a:r>
             <a:r>
               <a:rPr lang="en-US" sz="1200" dirty="0"/>
@@ -10696,15 +11919,7 @@
             </a:r>
             <a:r>
               <a:rPr lang="en-US" sz="1200" dirty="0" smtClean="0"/>
-              <a:t>oot</a:t>
-            </a:r>
-            <a:r>
-              <a:rPr lang="en-US" sz="1200" dirty="0" smtClean="0"/>
-              <a:t>, </a:t>
-            </a:r>
-            <a:r>
-              <a:rPr lang="en-US" sz="1200" dirty="0" smtClean="0"/>
-              <a:t>Spring Data JPA, Spring Cloud Connectors</a:t>
+              <a:t>oot, Spring Data JPA, Spring Cloud Connectors</a:t>
             </a:r>
             <a:endParaRPr lang="en-US" sz="1200" dirty="0"/>
           </a:p>
@@ -13456,7 +14671,7 @@
               <a:t>PCF </a:t>
             </a:r>
             <a:r>
-              <a:rPr lang="en-US" sz="1800" b="0" i="0" u="none" strike="noStrike" cap="none" baseline="0" dirty="0" err="1">
+              <a:rPr lang="en-US" sz="1800" b="0" i="0" u="none" strike="noStrike" cap="none" baseline="0" dirty="0" smtClean="0">
                 <a:solidFill>
                   <a:schemeClr val="lt2"/>
                 </a:solidFill>
@@ -13465,7 +14680,7 @@
                 <a:cs typeface="Arial"/>
                 <a:sym typeface="Arial"/>
               </a:rPr>
-              <a:t>buildpacks</a:t>
+              <a:t>provides support and maintenance for </a:t>
             </a:r>
             <a:r>
               <a:rPr lang="en-US" sz="1800" b="0" i="0" u="none" strike="noStrike" cap="none" baseline="0" dirty="0">
@@ -13477,7 +14692,7 @@
                 <a:cs typeface="Arial"/>
                 <a:sym typeface="Arial"/>
               </a:rPr>
-              <a:t> provide full support and maintenance for 3 of the 4 layers of the container stack</a:t>
+              <a:t>3 of the 4 layers of the container stack</a:t>
             </a:r>
           </a:p>
           <a:p>
@@ -13565,7 +14780,31 @@
                 <a:cs typeface="Arial"/>
                 <a:sym typeface="Arial"/>
               </a:rPr>
-              <a:t>PCF creates the container image for you</a:t>
+              <a:t>PCF creates the container </a:t>
+            </a:r>
+            <a:r>
+              <a:rPr lang="en-US" sz="1800" b="0" i="0" u="none" strike="noStrike" cap="none" baseline="0" dirty="0" smtClean="0">
+                <a:solidFill>
+                  <a:schemeClr val="lt2"/>
+                </a:solidFill>
+                <a:latin typeface="Arial"/>
+                <a:ea typeface="Arial"/>
+                <a:cs typeface="Arial"/>
+                <a:sym typeface="Arial"/>
+              </a:rPr>
+              <a:t>for </a:t>
+            </a:r>
+            <a:r>
+              <a:rPr lang="en-US" sz="1800" b="0" i="0" u="none" strike="noStrike" cap="none" baseline="0" dirty="0">
+                <a:solidFill>
+                  <a:schemeClr val="lt2"/>
+                </a:solidFill>
+                <a:latin typeface="Arial"/>
+                <a:ea typeface="Arial"/>
+                <a:cs typeface="Arial"/>
+                <a:sym typeface="Arial"/>
+              </a:rPr>
+              <a:t>you</a:t>
             </a:r>
           </a:p>
         </p:txBody>
@@ -13612,7 +14851,7 @@
                 <a:cs typeface="Arial"/>
                 <a:sym typeface="Arial"/>
               </a:rPr>
-              <a:t>Container image</a:t>
+              <a:t>Container</a:t>
             </a:r>
             <a:endParaRPr lang="en-US" sz="1800" b="0" i="0" u="none" strike="noStrike" cap="none" baseline="0" dirty="0">
               <a:solidFill>
@@ -13650,6 +14889,946 @@
 </file>
 
 <file path=ppt/slides/slide4.xml><?xml version="1.0" encoding="utf-8"?>
+<p:sld xmlns:a="http://schemas.openxmlformats.org/drawingml/2006/main" xmlns:r="http://schemas.openxmlformats.org/officeDocument/2006/relationships" xmlns:p="http://schemas.openxmlformats.org/presentationml/2006/main">
+  <p:cSld>
+    <p:spTree>
+      <p:nvGrpSpPr>
+        <p:cNvPr id="1" name="Shape 78"/>
+        <p:cNvGrpSpPr/>
+        <p:nvPr/>
+      </p:nvGrpSpPr>
+      <p:grpSpPr>
+        <a:xfrm>
+          <a:off x="0" y="0"/>
+          <a:ext cx="0" cy="0"/>
+          <a:chOff x="0" y="0"/>
+          <a:chExt cx="0" cy="0"/>
+        </a:xfrm>
+      </p:grpSpPr>
+      <p:grpSp>
+        <p:nvGrpSpPr>
+          <p:cNvPr id="80" name="Shape 80"/>
+          <p:cNvGrpSpPr/>
+          <p:nvPr/>
+        </p:nvGrpSpPr>
+        <p:grpSpPr>
+          <a:xfrm>
+            <a:off x="2187468" y="1171575"/>
+            <a:ext cx="4026065" cy="3818441"/>
+            <a:chOff x="214735" y="1131358"/>
+            <a:chExt cx="4026065" cy="3818441"/>
+          </a:xfrm>
+        </p:grpSpPr>
+        <p:sp>
+          <p:nvSpPr>
+            <p:cNvPr id="81" name="Shape 81"/>
+            <p:cNvSpPr txBox="1"/>
+            <p:nvPr/>
+          </p:nvSpPr>
+          <p:spPr>
+            <a:xfrm>
+              <a:off x="214735" y="4580467"/>
+              <a:ext cx="4026065" cy="369332"/>
+            </a:xfrm>
+            <a:prstGeom prst="rect">
+              <a:avLst/>
+            </a:prstGeom>
+            <a:noFill/>
+            <a:ln>
+              <a:noFill/>
+            </a:ln>
+          </p:spPr>
+          <p:txBody>
+            <a:bodyPr lIns="91425" tIns="45700" rIns="91425" bIns="45700" anchor="t" anchorCtr="0">
+              <a:noAutofit/>
+            </a:bodyPr>
+            <a:lstStyle/>
+            <a:p>
+              <a:pPr marL="0" marR="0" lvl="0" indent="0" algn="ctr" rtl="0">
+                <a:spcBef>
+                  <a:spcPts val="0"/>
+                </a:spcBef>
+                <a:buSzPct val="25000"/>
+                <a:buNone/>
+              </a:pPr>
+              <a:r>
+                <a:rPr lang="en-US" sz="1800" b="0" i="0" u="none" strike="noStrike" cap="none" baseline="0" dirty="0">
+                  <a:solidFill>
+                    <a:schemeClr val="lt1"/>
+                  </a:solidFill>
+                  <a:latin typeface="Arial"/>
+                  <a:ea typeface="Arial"/>
+                  <a:cs typeface="Arial"/>
+                  <a:sym typeface="Arial"/>
+                </a:rPr>
+                <a:t>* </a:t>
+              </a:r>
+              <a:r>
+                <a:rPr lang="en-US" sz="1800" b="0" i="0" u="none" strike="noStrike" cap="none" baseline="0" dirty="0" err="1">
+                  <a:solidFill>
+                    <a:schemeClr val="lt1"/>
+                  </a:solidFill>
+                  <a:latin typeface="Arial"/>
+                  <a:ea typeface="Arial"/>
+                  <a:cs typeface="Arial"/>
+                  <a:sym typeface="Arial"/>
+                </a:rPr>
+                <a:t>Devs</a:t>
+              </a:r>
+              <a:r>
+                <a:rPr lang="en-US" sz="1800" b="0" i="0" u="none" strike="noStrike" cap="none" baseline="0" dirty="0">
+                  <a:solidFill>
+                    <a:schemeClr val="lt1"/>
+                  </a:solidFill>
+                  <a:latin typeface="Arial"/>
+                  <a:ea typeface="Arial"/>
+                  <a:cs typeface="Arial"/>
+                  <a:sym typeface="Arial"/>
+                </a:rPr>
+                <a:t> may bring a custom </a:t>
+              </a:r>
+              <a:r>
+                <a:rPr lang="en-US" sz="1800" b="0" i="0" u="none" strike="noStrike" cap="none" baseline="0" dirty="0" err="1">
+                  <a:solidFill>
+                    <a:schemeClr val="lt1"/>
+                  </a:solidFill>
+                  <a:latin typeface="Arial"/>
+                  <a:ea typeface="Arial"/>
+                  <a:cs typeface="Arial"/>
+                  <a:sym typeface="Arial"/>
+                </a:rPr>
+                <a:t>buildpack</a:t>
+              </a:r>
+              <a:endParaRPr lang="en-US" sz="1800" b="0" i="0" u="none" strike="noStrike" cap="none" baseline="0" dirty="0">
+                <a:solidFill>
+                  <a:schemeClr val="lt1"/>
+                </a:solidFill>
+                <a:latin typeface="Arial"/>
+                <a:ea typeface="Arial"/>
+                <a:cs typeface="Arial"/>
+                <a:sym typeface="Arial"/>
+              </a:endParaRPr>
+            </a:p>
+          </p:txBody>
+        </p:sp>
+        <p:sp>
+          <p:nvSpPr>
+            <p:cNvPr id="82" name="Shape 82"/>
+            <p:cNvSpPr/>
+            <p:nvPr/>
+          </p:nvSpPr>
+          <p:spPr>
+            <a:xfrm>
+              <a:off x="277511" y="1131358"/>
+              <a:ext cx="3254374" cy="2540000"/>
+            </a:xfrm>
+            <a:prstGeom prst="roundRect">
+              <a:avLst>
+                <a:gd name="adj" fmla="val 16667"/>
+              </a:avLst>
+            </a:prstGeom>
+            <a:noFill/>
+            <a:ln w="12700" cap="flat" cmpd="sng">
+              <a:solidFill>
+                <a:schemeClr val="lt2"/>
+              </a:solidFill>
+              <a:prstDash val="dash"/>
+              <a:round/>
+              <a:headEnd type="none" w="med" len="med"/>
+              <a:tailEnd type="none" w="med" len="med"/>
+            </a:ln>
+          </p:spPr>
+          <p:txBody>
+            <a:bodyPr lIns="91425" tIns="45700" rIns="91425" bIns="45700" anchor="ctr" anchorCtr="0">
+              <a:noAutofit/>
+            </a:bodyPr>
+            <a:lstStyle/>
+            <a:p>
+              <a:pPr marL="0" marR="0" lvl="0" indent="0" algn="ctr" rtl="0">
+                <a:spcBef>
+                  <a:spcPts val="0"/>
+                </a:spcBef>
+                <a:buNone/>
+              </a:pPr>
+              <a:endParaRPr sz="1800" b="0" i="0" u="none" strike="noStrike" cap="none" baseline="0">
+                <a:solidFill>
+                  <a:schemeClr val="lt1"/>
+                </a:solidFill>
+                <a:latin typeface="Arial"/>
+                <a:ea typeface="Arial"/>
+                <a:cs typeface="Arial"/>
+                <a:sym typeface="Arial"/>
+              </a:endParaRPr>
+            </a:p>
+          </p:txBody>
+        </p:sp>
+        <p:sp>
+          <p:nvSpPr>
+            <p:cNvPr id="83" name="Shape 83"/>
+            <p:cNvSpPr/>
+            <p:nvPr/>
+          </p:nvSpPr>
+          <p:spPr>
+            <a:xfrm>
+              <a:off x="572785" y="2036233"/>
+              <a:ext cx="2635249" cy="698500"/>
+            </a:xfrm>
+            <a:prstGeom prst="roundRect">
+              <a:avLst>
+                <a:gd name="adj" fmla="val 16667"/>
+              </a:avLst>
+            </a:prstGeom>
+            <a:solidFill>
+              <a:schemeClr val="accent2"/>
+            </a:solidFill>
+            <a:ln w="50800" cap="flat" cmpd="sng">
+              <a:solidFill>
+                <a:schemeClr val="accent3"/>
+              </a:solidFill>
+              <a:prstDash val="solid"/>
+              <a:round/>
+              <a:headEnd type="none" w="med" len="med"/>
+              <a:tailEnd type="none" w="med" len="med"/>
+            </a:ln>
+          </p:spPr>
+          <p:txBody>
+            <a:bodyPr lIns="91425" tIns="45700" rIns="91425" bIns="45700" anchor="ctr" anchorCtr="0">
+              <a:noAutofit/>
+            </a:bodyPr>
+            <a:lstStyle/>
+            <a:p>
+              <a:pPr marL="0" marR="0" lvl="0" indent="0" algn="ctr" rtl="0">
+                <a:spcBef>
+                  <a:spcPts val="0"/>
+                </a:spcBef>
+                <a:buSzPct val="25000"/>
+                <a:buNone/>
+              </a:pPr>
+              <a:r>
+                <a:rPr lang="en-US" sz="1800" b="0" i="0" u="none" strike="noStrike" cap="none" baseline="0">
+                  <a:solidFill>
+                    <a:schemeClr val="lt1"/>
+                  </a:solidFill>
+                  <a:latin typeface="Arial"/>
+                  <a:ea typeface="Arial"/>
+                  <a:cs typeface="Arial"/>
+                  <a:sym typeface="Arial"/>
+                </a:rPr>
+                <a:t>runtime layer*</a:t>
+              </a:r>
+            </a:p>
+          </p:txBody>
+        </p:sp>
+        <p:sp>
+          <p:nvSpPr>
+            <p:cNvPr id="84" name="Shape 84"/>
+            <p:cNvSpPr/>
+            <p:nvPr/>
+          </p:nvSpPr>
+          <p:spPr>
+            <a:xfrm>
+              <a:off x="572785" y="2887133"/>
+              <a:ext cx="2635249" cy="698500"/>
+            </a:xfrm>
+            <a:prstGeom prst="roundRect">
+              <a:avLst>
+                <a:gd name="adj" fmla="val 16667"/>
+              </a:avLst>
+            </a:prstGeom>
+            <a:solidFill>
+              <a:schemeClr val="accent2"/>
+            </a:solidFill>
+            <a:ln w="12700" cap="flat" cmpd="sng">
+              <a:solidFill>
+                <a:schemeClr val="lt2"/>
+              </a:solidFill>
+              <a:prstDash val="solid"/>
+              <a:round/>
+              <a:headEnd type="none" w="med" len="med"/>
+              <a:tailEnd type="none" w="med" len="med"/>
+            </a:ln>
+          </p:spPr>
+          <p:txBody>
+            <a:bodyPr lIns="91425" tIns="45700" rIns="91425" bIns="45700" anchor="ctr" anchorCtr="0">
+              <a:noAutofit/>
+            </a:bodyPr>
+            <a:lstStyle/>
+            <a:p>
+              <a:pPr marL="0" marR="0" lvl="0" indent="0" algn="ctr" rtl="0">
+                <a:spcBef>
+                  <a:spcPts val="0"/>
+                </a:spcBef>
+                <a:buSzPct val="25000"/>
+                <a:buNone/>
+              </a:pPr>
+              <a:r>
+                <a:rPr lang="en-US" sz="1800" b="0" i="0" u="none" strike="noStrike" cap="none" baseline="0">
+                  <a:solidFill>
+                    <a:schemeClr val="lt1"/>
+                  </a:solidFill>
+                  <a:latin typeface="Arial"/>
+                  <a:ea typeface="Arial"/>
+                  <a:cs typeface="Arial"/>
+                  <a:sym typeface="Arial"/>
+                </a:rPr>
+                <a:t>OS image</a:t>
+              </a:r>
+            </a:p>
+          </p:txBody>
+        </p:sp>
+        <p:sp>
+          <p:nvSpPr>
+            <p:cNvPr id="85" name="Shape 85"/>
+            <p:cNvSpPr/>
+            <p:nvPr/>
+          </p:nvSpPr>
+          <p:spPr>
+            <a:xfrm>
+              <a:off x="572785" y="1204383"/>
+              <a:ext cx="2635249" cy="698500"/>
+            </a:xfrm>
+            <a:prstGeom prst="roundRect">
+              <a:avLst>
+                <a:gd name="adj" fmla="val 16667"/>
+              </a:avLst>
+            </a:prstGeom>
+            <a:solidFill>
+              <a:schemeClr val="accent3"/>
+            </a:solidFill>
+            <a:ln w="12700" cap="flat" cmpd="sng">
+              <a:solidFill>
+                <a:schemeClr val="lt2"/>
+              </a:solidFill>
+              <a:prstDash val="solid"/>
+              <a:round/>
+              <a:headEnd type="none" w="med" len="med"/>
+              <a:tailEnd type="none" w="med" len="med"/>
+            </a:ln>
+          </p:spPr>
+          <p:txBody>
+            <a:bodyPr lIns="91425" tIns="45700" rIns="91425" bIns="45700" anchor="ctr" anchorCtr="0">
+              <a:noAutofit/>
+            </a:bodyPr>
+            <a:lstStyle/>
+            <a:p>
+              <a:pPr marL="0" marR="0" lvl="0" indent="0" algn="ctr" rtl="0">
+                <a:spcBef>
+                  <a:spcPts val="0"/>
+                </a:spcBef>
+                <a:buSzPct val="25000"/>
+                <a:buNone/>
+              </a:pPr>
+              <a:r>
+                <a:rPr lang="en-US" sz="1800" b="0" i="0" u="none" strike="noStrike" cap="none" baseline="0">
+                  <a:solidFill>
+                    <a:schemeClr val="lt1"/>
+                  </a:solidFill>
+                  <a:latin typeface="Arial"/>
+                  <a:ea typeface="Arial"/>
+                  <a:cs typeface="Arial"/>
+                  <a:sym typeface="Arial"/>
+                </a:rPr>
+                <a:t>application layer</a:t>
+              </a:r>
+            </a:p>
+          </p:txBody>
+        </p:sp>
+        <p:sp>
+          <p:nvSpPr>
+            <p:cNvPr id="87" name="Shape 87"/>
+            <p:cNvSpPr/>
+            <p:nvPr/>
+          </p:nvSpPr>
+          <p:spPr>
+            <a:xfrm>
+              <a:off x="566435" y="3747557"/>
+              <a:ext cx="2635249" cy="698500"/>
+            </a:xfrm>
+            <a:prstGeom prst="roundRect">
+              <a:avLst>
+                <a:gd name="adj" fmla="val 16667"/>
+              </a:avLst>
+            </a:prstGeom>
+            <a:solidFill>
+              <a:schemeClr val="accent2"/>
+            </a:solidFill>
+            <a:ln w="12700" cap="flat" cmpd="sng">
+              <a:solidFill>
+                <a:schemeClr val="lt2"/>
+              </a:solidFill>
+              <a:prstDash val="solid"/>
+              <a:round/>
+              <a:headEnd type="none" w="med" len="med"/>
+              <a:tailEnd type="none" w="med" len="med"/>
+            </a:ln>
+          </p:spPr>
+          <p:txBody>
+            <a:bodyPr lIns="91425" tIns="45700" rIns="91425" bIns="45700" anchor="ctr" anchorCtr="0">
+              <a:noAutofit/>
+            </a:bodyPr>
+            <a:lstStyle/>
+            <a:p>
+              <a:pPr marL="0" marR="0" lvl="0" indent="0" algn="ctr" rtl="0">
+                <a:spcBef>
+                  <a:spcPts val="0"/>
+                </a:spcBef>
+                <a:buSzPct val="25000"/>
+                <a:buNone/>
+              </a:pPr>
+              <a:r>
+                <a:rPr lang="en-US" sz="1800" b="0" i="0" u="none" strike="noStrike" cap="none" baseline="0">
+                  <a:solidFill>
+                    <a:schemeClr val="lt1"/>
+                  </a:solidFill>
+                  <a:latin typeface="Arial"/>
+                  <a:ea typeface="Arial"/>
+                  <a:cs typeface="Arial"/>
+                  <a:sym typeface="Arial"/>
+                </a:rPr>
+                <a:t>linux host &amp; kernel</a:t>
+              </a:r>
+            </a:p>
+          </p:txBody>
+        </p:sp>
+      </p:grpSp>
+      <p:grpSp>
+        <p:nvGrpSpPr>
+          <p:cNvPr id="88" name="Shape 88"/>
+          <p:cNvGrpSpPr/>
+          <p:nvPr/>
+        </p:nvGrpSpPr>
+        <p:grpSpPr>
+          <a:xfrm>
+            <a:off x="259512" y="2309799"/>
+            <a:ext cx="1670940" cy="1421369"/>
+            <a:chOff x="3612312" y="3024691"/>
+            <a:chExt cx="1670940" cy="1421369"/>
+          </a:xfrm>
+        </p:grpSpPr>
+        <p:grpSp>
+          <p:nvGrpSpPr>
+            <p:cNvPr id="89" name="Shape 89"/>
+            <p:cNvGrpSpPr/>
+            <p:nvPr/>
+          </p:nvGrpSpPr>
+          <p:grpSpPr>
+            <a:xfrm>
+              <a:off x="3612313" y="4028402"/>
+              <a:ext cx="1647824" cy="417658"/>
+              <a:chOff x="3670300" y="3971926"/>
+              <a:chExt cx="1647824" cy="409573"/>
+            </a:xfrm>
+          </p:grpSpPr>
+          <p:sp>
+            <p:nvSpPr>
+              <p:cNvPr id="90" name="Shape 90"/>
+              <p:cNvSpPr txBox="1"/>
+              <p:nvPr/>
+            </p:nvSpPr>
+            <p:spPr>
+              <a:xfrm>
+                <a:off x="3856466" y="4019300"/>
+                <a:ext cx="1300356" cy="301818"/>
+              </a:xfrm>
+              <a:prstGeom prst="rect">
+                <a:avLst/>
+              </a:prstGeom>
+              <a:noFill/>
+              <a:ln>
+                <a:noFill/>
+              </a:ln>
+            </p:spPr>
+            <p:txBody>
+              <a:bodyPr lIns="91425" tIns="45700" rIns="91425" bIns="45700" anchor="t" anchorCtr="0">
+                <a:noAutofit/>
+              </a:bodyPr>
+              <a:lstStyle/>
+              <a:p>
+                <a:pPr marL="0" marR="0" lvl="0" indent="0" algn="ctr" rtl="0">
+                  <a:spcBef>
+                    <a:spcPts val="0"/>
+                  </a:spcBef>
+                  <a:buSzPct val="25000"/>
+                  <a:buNone/>
+                </a:pPr>
+                <a:r>
+                  <a:rPr lang="en-US" sz="1400" b="0" i="0" u="none" strike="noStrike" cap="none" baseline="0">
+                    <a:solidFill>
+                      <a:schemeClr val="lt2"/>
+                    </a:solidFill>
+                    <a:latin typeface="Arial"/>
+                    <a:ea typeface="Arial"/>
+                    <a:cs typeface="Arial"/>
+                    <a:sym typeface="Arial"/>
+                  </a:rPr>
+                  <a:t>App container</a:t>
+                </a:r>
+              </a:p>
+            </p:txBody>
+          </p:sp>
+          <p:sp>
+            <p:nvSpPr>
+              <p:cNvPr id="91" name="Shape 91"/>
+              <p:cNvSpPr/>
+              <p:nvPr/>
+            </p:nvSpPr>
+            <p:spPr>
+              <a:xfrm>
+                <a:off x="3670300" y="3971926"/>
+                <a:ext cx="1647824" cy="409573"/>
+              </a:xfrm>
+              <a:prstGeom prst="roundRect">
+                <a:avLst>
+                  <a:gd name="adj" fmla="val 16667"/>
+                </a:avLst>
+              </a:prstGeom>
+              <a:noFill/>
+              <a:ln w="12700" cap="flat" cmpd="sng">
+                <a:solidFill>
+                  <a:schemeClr val="lt2"/>
+                </a:solidFill>
+                <a:prstDash val="dash"/>
+                <a:round/>
+                <a:headEnd type="none" w="med" len="med"/>
+                <a:tailEnd type="none" w="med" len="med"/>
+              </a:ln>
+            </p:spPr>
+            <p:txBody>
+              <a:bodyPr lIns="91425" tIns="45700" rIns="91425" bIns="45700" anchor="ctr" anchorCtr="0">
+                <a:noAutofit/>
+              </a:bodyPr>
+              <a:lstStyle/>
+              <a:p>
+                <a:pPr marL="0" marR="0" lvl="0" indent="0" algn="ctr" rtl="0">
+                  <a:spcBef>
+                    <a:spcPts val="0"/>
+                  </a:spcBef>
+                  <a:buNone/>
+                </a:pPr>
+                <a:endParaRPr sz="1800" b="0" i="0" u="none" strike="noStrike" cap="none" baseline="0">
+                  <a:solidFill>
+                    <a:schemeClr val="lt1"/>
+                  </a:solidFill>
+                  <a:latin typeface="Arial"/>
+                  <a:ea typeface="Arial"/>
+                  <a:cs typeface="Arial"/>
+                  <a:sym typeface="Arial"/>
+                </a:endParaRPr>
+              </a:p>
+            </p:txBody>
+          </p:sp>
+        </p:grpSp>
+        <p:sp>
+          <p:nvSpPr>
+            <p:cNvPr id="92" name="Shape 92"/>
+            <p:cNvSpPr/>
+            <p:nvPr/>
+          </p:nvSpPr>
+          <p:spPr>
+            <a:xfrm>
+              <a:off x="3612312" y="3507316"/>
+              <a:ext cx="1670940" cy="404284"/>
+            </a:xfrm>
+            <a:prstGeom prst="roundRect">
+              <a:avLst>
+                <a:gd name="adj" fmla="val 16667"/>
+              </a:avLst>
+            </a:prstGeom>
+            <a:solidFill>
+              <a:schemeClr val="accent2"/>
+            </a:solidFill>
+            <a:ln w="12700" cap="flat" cmpd="sng">
+              <a:solidFill>
+                <a:schemeClr val="lt2"/>
+              </a:solidFill>
+              <a:prstDash val="solid"/>
+              <a:round/>
+              <a:headEnd type="none" w="med" len="med"/>
+              <a:tailEnd type="none" w="med" len="med"/>
+            </a:ln>
+          </p:spPr>
+          <p:txBody>
+            <a:bodyPr lIns="91425" tIns="45700" rIns="91425" bIns="45700" anchor="ctr" anchorCtr="0">
+              <a:noAutofit/>
+            </a:bodyPr>
+            <a:lstStyle/>
+            <a:p>
+              <a:pPr marL="0" marR="0" lvl="0" indent="0" algn="ctr" rtl="0">
+                <a:spcBef>
+                  <a:spcPts val="0"/>
+                </a:spcBef>
+                <a:buSzPct val="25000"/>
+                <a:buNone/>
+              </a:pPr>
+              <a:r>
+                <a:rPr lang="en-US" sz="1400" b="0" i="0" u="none" strike="noStrike" cap="none" baseline="0">
+                  <a:solidFill>
+                    <a:schemeClr val="lt1"/>
+                  </a:solidFill>
+                  <a:latin typeface="Arial"/>
+                  <a:ea typeface="Arial"/>
+                  <a:cs typeface="Arial"/>
+                  <a:sym typeface="Arial"/>
+                </a:rPr>
+                <a:t>PCF Supported</a:t>
+              </a:r>
+            </a:p>
+          </p:txBody>
+        </p:sp>
+        <p:sp>
+          <p:nvSpPr>
+            <p:cNvPr id="93" name="Shape 93"/>
+            <p:cNvSpPr/>
+            <p:nvPr/>
+          </p:nvSpPr>
+          <p:spPr>
+            <a:xfrm>
+              <a:off x="3612312" y="3024691"/>
+              <a:ext cx="1670940" cy="404284"/>
+            </a:xfrm>
+            <a:prstGeom prst="roundRect">
+              <a:avLst>
+                <a:gd name="adj" fmla="val 16667"/>
+              </a:avLst>
+            </a:prstGeom>
+            <a:solidFill>
+              <a:schemeClr val="accent3"/>
+            </a:solidFill>
+            <a:ln w="12700" cap="flat" cmpd="sng">
+              <a:solidFill>
+                <a:schemeClr val="lt2"/>
+              </a:solidFill>
+              <a:prstDash val="solid"/>
+              <a:round/>
+              <a:headEnd type="none" w="med" len="med"/>
+              <a:tailEnd type="none" w="med" len="med"/>
+            </a:ln>
+          </p:spPr>
+          <p:txBody>
+            <a:bodyPr lIns="91425" tIns="45700" rIns="91425" bIns="45700" anchor="ctr" anchorCtr="0">
+              <a:noAutofit/>
+            </a:bodyPr>
+            <a:lstStyle/>
+            <a:p>
+              <a:pPr marL="0" marR="0" lvl="0" indent="0" algn="ctr" rtl="0">
+                <a:spcBef>
+                  <a:spcPts val="0"/>
+                </a:spcBef>
+                <a:buSzPct val="25000"/>
+                <a:buNone/>
+              </a:pPr>
+              <a:r>
+                <a:rPr lang="en-US" sz="1400" b="0" i="0" u="none" strike="noStrike" cap="none" baseline="0">
+                  <a:solidFill>
+                    <a:schemeClr val="lt1"/>
+                  </a:solidFill>
+                  <a:latin typeface="Arial"/>
+                  <a:ea typeface="Arial"/>
+                  <a:cs typeface="Arial"/>
+                  <a:sym typeface="Arial"/>
+                </a:rPr>
+                <a:t>Dev Supported</a:t>
+              </a:r>
+            </a:p>
+          </p:txBody>
+        </p:sp>
+      </p:grpSp>
+      <p:sp>
+        <p:nvSpPr>
+          <p:cNvPr id="94" name="Shape 94"/>
+          <p:cNvSpPr/>
+          <p:nvPr/>
+        </p:nvSpPr>
+        <p:spPr>
+          <a:xfrm>
+            <a:off x="259507" y="3859259"/>
+            <a:ext cx="1670940" cy="404284"/>
+          </a:xfrm>
+          <a:prstGeom prst="roundRect">
+            <a:avLst>
+              <a:gd name="adj" fmla="val 16667"/>
+            </a:avLst>
+          </a:prstGeom>
+          <a:solidFill>
+            <a:schemeClr val="dk2"/>
+          </a:solidFill>
+          <a:ln w="12700" cap="flat" cmpd="sng">
+            <a:solidFill>
+              <a:schemeClr val="lt2"/>
+            </a:solidFill>
+            <a:prstDash val="solid"/>
+            <a:round/>
+            <a:headEnd type="none" w="med" len="med"/>
+            <a:tailEnd type="none" w="med" len="med"/>
+          </a:ln>
+        </p:spPr>
+        <p:txBody>
+          <a:bodyPr lIns="91425" tIns="45700" rIns="91425" bIns="45700" anchor="ctr" anchorCtr="0">
+            <a:noAutofit/>
+          </a:bodyPr>
+          <a:lstStyle/>
+          <a:p>
+            <a:pPr marL="0" marR="0" lvl="0" indent="0" algn="ctr" rtl="0">
+              <a:spcBef>
+                <a:spcPts val="0"/>
+              </a:spcBef>
+              <a:buSzPct val="25000"/>
+              <a:buNone/>
+            </a:pPr>
+            <a:r>
+              <a:rPr lang="en-US" sz="1400" b="0" i="0" u="none" strike="noStrike" cap="none" baseline="0">
+                <a:solidFill>
+                  <a:schemeClr val="lt1"/>
+                </a:solidFill>
+                <a:latin typeface="Arial"/>
+                <a:ea typeface="Arial"/>
+                <a:cs typeface="Arial"/>
+                <a:sym typeface="Arial"/>
+              </a:rPr>
+              <a:t>Ops Supported</a:t>
+            </a:r>
+          </a:p>
+        </p:txBody>
+      </p:sp>
+      <p:sp>
+        <p:nvSpPr>
+          <p:cNvPr id="95" name="Shape 95"/>
+          <p:cNvSpPr txBox="1"/>
+          <p:nvPr/>
+        </p:nvSpPr>
+        <p:spPr>
+          <a:xfrm>
+            <a:off x="5901866" y="1191666"/>
+            <a:ext cx="2852675" cy="3139321"/>
+          </a:xfrm>
+          <a:prstGeom prst="rect">
+            <a:avLst/>
+          </a:prstGeom>
+          <a:noFill/>
+          <a:ln>
+            <a:noFill/>
+          </a:ln>
+        </p:spPr>
+        <p:txBody>
+          <a:bodyPr lIns="91425" tIns="45700" rIns="91425" bIns="45700" anchor="t" anchorCtr="0">
+            <a:noAutofit/>
+          </a:bodyPr>
+          <a:lstStyle/>
+          <a:p>
+            <a:pPr marL="0" marR="0" lvl="0" indent="0" algn="l" rtl="0">
+              <a:spcBef>
+                <a:spcPts val="0"/>
+              </a:spcBef>
+              <a:buSzPct val="25000"/>
+              <a:buNone/>
+            </a:pPr>
+            <a:r>
+              <a:rPr lang="en-US" sz="1800" b="0" i="0" u="none" strike="noStrike" cap="none" baseline="0" dirty="0">
+                <a:solidFill>
+                  <a:schemeClr val="lt2"/>
+                </a:solidFill>
+                <a:latin typeface="Arial"/>
+                <a:ea typeface="Arial"/>
+                <a:cs typeface="Arial"/>
+                <a:sym typeface="Arial"/>
+              </a:rPr>
+              <a:t>PCF </a:t>
+            </a:r>
+            <a:r>
+              <a:rPr lang="en-US" sz="1800" b="0" i="0" u="none" strike="noStrike" cap="none" baseline="0" dirty="0" err="1">
+                <a:solidFill>
+                  <a:schemeClr val="lt2"/>
+                </a:solidFill>
+                <a:latin typeface="Arial"/>
+                <a:ea typeface="Arial"/>
+                <a:cs typeface="Arial"/>
+                <a:sym typeface="Arial"/>
+              </a:rPr>
+              <a:t>buildpacks</a:t>
+            </a:r>
+            <a:r>
+              <a:rPr lang="en-US" sz="1800" b="0" i="0" u="none" strike="noStrike" cap="none" baseline="0" dirty="0">
+                <a:solidFill>
+                  <a:schemeClr val="lt2"/>
+                </a:solidFill>
+                <a:latin typeface="Arial"/>
+                <a:ea typeface="Arial"/>
+                <a:cs typeface="Arial"/>
+                <a:sym typeface="Arial"/>
+              </a:rPr>
+              <a:t> provide full support and maintenance for 3 of the 4 layers of the container stack</a:t>
+            </a:r>
+          </a:p>
+          <a:p>
+            <a:pPr marL="0" marR="0" lvl="0" indent="0" algn="l" rtl="0">
+              <a:spcBef>
+                <a:spcPts val="0"/>
+              </a:spcBef>
+              <a:buNone/>
+            </a:pPr>
+            <a:endParaRPr sz="1800" b="0" i="0" u="none" strike="noStrike" cap="none" baseline="0" dirty="0">
+              <a:solidFill>
+                <a:schemeClr val="lt2"/>
+              </a:solidFill>
+              <a:latin typeface="Arial"/>
+              <a:ea typeface="Arial"/>
+              <a:cs typeface="Arial"/>
+              <a:sym typeface="Arial"/>
+            </a:endParaRPr>
+          </a:p>
+          <a:p>
+            <a:pPr marL="0" marR="0" lvl="0" indent="0" algn="l" rtl="0">
+              <a:spcBef>
+                <a:spcPts val="0"/>
+              </a:spcBef>
+              <a:buSzPct val="25000"/>
+              <a:buNone/>
+            </a:pPr>
+            <a:r>
+              <a:rPr lang="en-US" sz="1800" b="0" i="0" u="none" strike="noStrike" cap="none" baseline="0" dirty="0" err="1">
+                <a:solidFill>
+                  <a:schemeClr val="lt2"/>
+                </a:solidFill>
+                <a:latin typeface="Arial"/>
+                <a:ea typeface="Arial"/>
+                <a:cs typeface="Arial"/>
+                <a:sym typeface="Arial"/>
+              </a:rPr>
+              <a:t>Devs</a:t>
+            </a:r>
+            <a:r>
+              <a:rPr lang="en-US" sz="1800" b="0" i="0" u="none" strike="noStrike" cap="none" baseline="0" dirty="0">
+                <a:solidFill>
+                  <a:schemeClr val="lt2"/>
+                </a:solidFill>
+                <a:latin typeface="Arial"/>
+                <a:ea typeface="Arial"/>
+                <a:cs typeface="Arial"/>
+                <a:sym typeface="Arial"/>
+              </a:rPr>
+              <a:t> can focus on just the app code</a:t>
+            </a:r>
+          </a:p>
+          <a:p>
+            <a:pPr marL="0" marR="0" lvl="0" indent="0" algn="l" rtl="0">
+              <a:spcBef>
+                <a:spcPts val="0"/>
+              </a:spcBef>
+              <a:buNone/>
+            </a:pPr>
+            <a:endParaRPr sz="1800" b="0" i="0" u="none" strike="noStrike" cap="none" baseline="0" dirty="0">
+              <a:solidFill>
+                <a:schemeClr val="lt2"/>
+              </a:solidFill>
+              <a:latin typeface="Arial"/>
+              <a:ea typeface="Arial"/>
+              <a:cs typeface="Arial"/>
+              <a:sym typeface="Arial"/>
+            </a:endParaRPr>
+          </a:p>
+          <a:p>
+            <a:pPr marL="0" marR="0" lvl="0" indent="0" algn="l" rtl="0">
+              <a:spcBef>
+                <a:spcPts val="0"/>
+              </a:spcBef>
+              <a:buSzPct val="25000"/>
+              <a:buNone/>
+            </a:pPr>
+            <a:r>
+              <a:rPr lang="en-US" sz="1800" b="0" i="0" u="none" strike="noStrike" cap="none" baseline="0" dirty="0">
+                <a:solidFill>
+                  <a:schemeClr val="lt2"/>
+                </a:solidFill>
+                <a:latin typeface="Arial"/>
+                <a:ea typeface="Arial"/>
+                <a:cs typeface="Arial"/>
+                <a:sym typeface="Arial"/>
+              </a:rPr>
+              <a:t>PCF creates the container image for you</a:t>
+            </a:r>
+          </a:p>
+        </p:txBody>
+      </p:sp>
+      <p:sp>
+        <p:nvSpPr>
+          <p:cNvPr id="21" name="Shape 81"/>
+          <p:cNvSpPr txBox="1"/>
+          <p:nvPr/>
+        </p:nvSpPr>
+        <p:spPr>
+          <a:xfrm>
+            <a:off x="2250243" y="854104"/>
+            <a:ext cx="3254375" cy="369332"/>
+          </a:xfrm>
+          <a:prstGeom prst="rect">
+            <a:avLst/>
+          </a:prstGeom>
+          <a:noFill/>
+          <a:ln>
+            <a:noFill/>
+          </a:ln>
+        </p:spPr>
+        <p:txBody>
+          <a:bodyPr lIns="91425" tIns="45700" rIns="91425" bIns="45700" anchor="t" anchorCtr="0">
+            <a:noAutofit/>
+          </a:bodyPr>
+          <a:lstStyle/>
+          <a:p>
+            <a:pPr marL="0" marR="0" lvl="0" indent="0" algn="ctr" rtl="0">
+              <a:spcBef>
+                <a:spcPts val="0"/>
+              </a:spcBef>
+              <a:buSzPct val="25000"/>
+              <a:buNone/>
+            </a:pPr>
+            <a:r>
+              <a:rPr lang="en-US" sz="1800" b="0" i="0" u="none" strike="noStrike" cap="none" baseline="0" dirty="0" smtClean="0">
+                <a:solidFill>
+                  <a:schemeClr val="lt1"/>
+                </a:solidFill>
+                <a:latin typeface="Arial"/>
+                <a:ea typeface="Arial"/>
+                <a:cs typeface="Arial"/>
+                <a:sym typeface="Arial"/>
+              </a:rPr>
+              <a:t>Container image</a:t>
+            </a:r>
+            <a:endParaRPr lang="en-US" sz="1800" b="0" i="0" u="none" strike="noStrike" cap="none" baseline="0" dirty="0">
+              <a:solidFill>
+                <a:schemeClr val="lt1"/>
+              </a:solidFill>
+              <a:latin typeface="Arial"/>
+              <a:ea typeface="Arial"/>
+              <a:cs typeface="Arial"/>
+              <a:sym typeface="Arial"/>
+            </a:endParaRPr>
+          </a:p>
+        </p:txBody>
+      </p:sp>
+    </p:spTree>
+    <p:extLst>
+      <p:ext uri="{BB962C8B-B14F-4D97-AF65-F5344CB8AC3E}">
+        <p14:creationId xmlns:p14="http://schemas.microsoft.com/office/powerpoint/2010/main" val="2387490702"/>
+      </p:ext>
+    </p:extLst>
+  </p:cSld>
+  <p:clrMapOvr>
+    <a:masterClrMapping/>
+  </p:clrMapOvr>
+  <p:transition xmlns:p14="http://schemas.microsoft.com/office/powerpoint/2010/main" spd="med">
+    <p:fade/>
+  </p:transition>
+  <p:timing>
+    <p:tnLst>
+      <p:par>
+        <p:cTn xmlns:p14="http://schemas.microsoft.com/office/powerpoint/2010/main" id="1" dur="indefinite" restart="never" nodeType="tmRoot"/>
+      </p:par>
+    </p:tnLst>
+  </p:timing>
+</p:sld>
+</file>
+
+<file path=ppt/slides/slide5.xml><?xml version="1.0" encoding="utf-8"?>
 <p:sld xmlns:a="http://schemas.openxmlformats.org/drawingml/2006/main" xmlns:r="http://schemas.openxmlformats.org/officeDocument/2006/relationships" xmlns:p="http://schemas.openxmlformats.org/presentationml/2006/main">
   <p:cSld>
     <p:spTree>
@@ -15570,768 +17749,6 @@
 </p:sld>
 </file>
 
-<file path=ppt/slides/slide5.xml><?xml version="1.0" encoding="utf-8"?>
-<p:sld xmlns:a="http://schemas.openxmlformats.org/drawingml/2006/main" xmlns:r="http://schemas.openxmlformats.org/officeDocument/2006/relationships" xmlns:p="http://schemas.openxmlformats.org/presentationml/2006/main">
-  <p:cSld>
-    <p:spTree>
-      <p:nvGrpSpPr>
-        <p:cNvPr id="1" name="Shape 2187"/>
-        <p:cNvGrpSpPr/>
-        <p:nvPr/>
-      </p:nvGrpSpPr>
-      <p:grpSpPr>
-        <a:xfrm>
-          <a:off x="0" y="0"/>
-          <a:ext cx="0" cy="0"/>
-          <a:chOff x="0" y="0"/>
-          <a:chExt cx="0" cy="0"/>
-        </a:xfrm>
-      </p:grpSpPr>
-      <p:sp>
-        <p:nvSpPr>
-          <p:cNvPr id="2188" name="Shape 2188"/>
-          <p:cNvSpPr txBox="1">
-            <a:spLocks noGrp="1"/>
-          </p:cNvSpPr>
-          <p:nvPr>
-            <p:ph type="title"/>
-          </p:nvPr>
-        </p:nvSpPr>
-        <p:spPr>
-          <a:xfrm>
-            <a:off x="-125618" y="407953"/>
-            <a:ext cx="6947616" cy="585514"/>
-          </a:xfrm>
-          <a:prstGeom prst="rect">
-            <a:avLst/>
-          </a:prstGeom>
-        </p:spPr>
-        <p:txBody>
-          <a:bodyPr lIns="91425" tIns="91425" rIns="91425" bIns="91425" anchor="t" anchorCtr="0">
-            <a:noAutofit/>
-          </a:bodyPr>
-          <a:lstStyle/>
-          <a:p>
-            <a:pPr lvl="0">
-              <a:spcBef>
-                <a:spcPts val="0"/>
-              </a:spcBef>
-              <a:buNone/>
-            </a:pPr>
-            <a:r>
-              <a:rPr lang="en-US" dirty="0" smtClean="0">
-                <a:solidFill>
-                  <a:schemeClr val="accent1"/>
-                </a:solidFill>
-              </a:rPr>
-              <a:t>Blue-Green Deployments</a:t>
-            </a:r>
-            <a:endParaRPr lang="en-US" dirty="0">
-              <a:solidFill>
-                <a:schemeClr val="accent1"/>
-              </a:solidFill>
-            </a:endParaRPr>
-          </a:p>
-        </p:txBody>
-      </p:sp>
-      <p:sp>
-        <p:nvSpPr>
-          <p:cNvPr id="4" name="Text Placeholder 2"/>
-          <p:cNvSpPr txBox="1">
-            <a:spLocks/>
-          </p:cNvSpPr>
-          <p:nvPr/>
-        </p:nvSpPr>
-        <p:spPr>
-          <a:xfrm>
-            <a:off x="323987" y="1241297"/>
-            <a:ext cx="8583559" cy="2293541"/>
-          </a:xfrm>
-          <a:prstGeom prst="rect">
-            <a:avLst/>
-          </a:prstGeom>
-        </p:spPr>
-        <p:txBody>
-          <a:bodyPr vert="horz" lIns="91440" tIns="45720" rIns="91440" bIns="45720" rtlCol="0">
-            <a:normAutofit/>
-          </a:bodyPr>
-          <a:lstStyle>
-            <a:lvl1pPr marL="0" indent="0" algn="ctr" defTabSz="457200" rtl="0" eaLnBrk="1" latinLnBrk="0" hangingPunct="1">
-              <a:spcBef>
-                <a:spcPct val="20000"/>
-              </a:spcBef>
-              <a:buFont typeface="Arial"/>
-              <a:buNone/>
-              <a:defRPr sz="2400" kern="1200">
-                <a:solidFill>
-                  <a:schemeClr val="bg1"/>
-                </a:solidFill>
-                <a:latin typeface="+mn-lt"/>
-                <a:ea typeface="+mn-ea"/>
-                <a:cs typeface="+mn-cs"/>
-              </a:defRPr>
-            </a:lvl1pPr>
-            <a:lvl2pPr marL="742950" indent="-285750" algn="l" defTabSz="457200" rtl="0" eaLnBrk="1" latinLnBrk="0" hangingPunct="1">
-              <a:spcBef>
-                <a:spcPct val="20000"/>
-              </a:spcBef>
-              <a:buFont typeface="Arial"/>
-              <a:buChar char="–"/>
-              <a:defRPr sz="2400" kern="1200">
-                <a:solidFill>
-                  <a:srgbClr val="878787"/>
-                </a:solidFill>
-                <a:latin typeface="+mn-lt"/>
-                <a:ea typeface="+mn-ea"/>
-                <a:cs typeface="+mn-cs"/>
-              </a:defRPr>
-            </a:lvl2pPr>
-            <a:lvl3pPr marL="1143000" indent="-228600" algn="l" defTabSz="457200" rtl="0" eaLnBrk="1" latinLnBrk="0" hangingPunct="1">
-              <a:spcBef>
-                <a:spcPct val="20000"/>
-              </a:spcBef>
-              <a:buFont typeface="Arial"/>
-              <a:buChar char="•"/>
-              <a:defRPr sz="2000" kern="1200">
-                <a:solidFill>
-                  <a:srgbClr val="878787"/>
-                </a:solidFill>
-                <a:latin typeface="+mn-lt"/>
-                <a:ea typeface="+mn-ea"/>
-                <a:cs typeface="+mn-cs"/>
-              </a:defRPr>
-            </a:lvl3pPr>
-            <a:lvl4pPr marL="1600200" indent="-228600" algn="l" defTabSz="457200" rtl="0" eaLnBrk="1" latinLnBrk="0" hangingPunct="1">
-              <a:spcBef>
-                <a:spcPct val="20000"/>
-              </a:spcBef>
-              <a:buFont typeface="Arial"/>
-              <a:buChar char="–"/>
-              <a:defRPr sz="1800" kern="1200">
-                <a:solidFill>
-                  <a:srgbClr val="878787"/>
-                </a:solidFill>
-                <a:latin typeface="+mn-lt"/>
-                <a:ea typeface="+mn-ea"/>
-                <a:cs typeface="+mn-cs"/>
-              </a:defRPr>
-            </a:lvl4pPr>
-            <a:lvl5pPr marL="2057400" indent="-228600" algn="l" defTabSz="457200" rtl="0" eaLnBrk="1" latinLnBrk="0" hangingPunct="1">
-              <a:spcBef>
-                <a:spcPct val="20000"/>
-              </a:spcBef>
-              <a:buFont typeface="Arial"/>
-              <a:buChar char="»"/>
-              <a:defRPr sz="1800" kern="1200">
-                <a:solidFill>
-                  <a:srgbClr val="878787"/>
-                </a:solidFill>
-                <a:latin typeface="+mn-lt"/>
-                <a:ea typeface="+mn-ea"/>
-                <a:cs typeface="+mn-cs"/>
-              </a:defRPr>
-            </a:lvl5pPr>
-            <a:lvl6pPr marL="2514600" indent="-228600" algn="l" defTabSz="457200" rtl="0" eaLnBrk="1" latinLnBrk="0" hangingPunct="1">
-              <a:spcBef>
-                <a:spcPct val="20000"/>
-              </a:spcBef>
-              <a:buFont typeface="Arial"/>
-              <a:buChar char="•"/>
-              <a:defRPr sz="2000" kern="1200">
-                <a:solidFill>
-                  <a:schemeClr val="tx1"/>
-                </a:solidFill>
-                <a:latin typeface="+mn-lt"/>
-                <a:ea typeface="+mn-ea"/>
-                <a:cs typeface="+mn-cs"/>
-              </a:defRPr>
-            </a:lvl6pPr>
-            <a:lvl7pPr marL="2971800" indent="-228600" algn="l" defTabSz="457200" rtl="0" eaLnBrk="1" latinLnBrk="0" hangingPunct="1">
-              <a:spcBef>
-                <a:spcPct val="20000"/>
-              </a:spcBef>
-              <a:buFont typeface="Arial"/>
-              <a:buChar char="•"/>
-              <a:defRPr sz="2000" kern="1200">
-                <a:solidFill>
-                  <a:schemeClr val="tx1"/>
-                </a:solidFill>
-                <a:latin typeface="+mn-lt"/>
-                <a:ea typeface="+mn-ea"/>
-                <a:cs typeface="+mn-cs"/>
-              </a:defRPr>
-            </a:lvl7pPr>
-            <a:lvl8pPr marL="3429000" indent="-228600" algn="l" defTabSz="457200" rtl="0" eaLnBrk="1" latinLnBrk="0" hangingPunct="1">
-              <a:spcBef>
-                <a:spcPct val="20000"/>
-              </a:spcBef>
-              <a:buFont typeface="Arial"/>
-              <a:buChar char="•"/>
-              <a:defRPr sz="2000" kern="1200">
-                <a:solidFill>
-                  <a:schemeClr val="tx1"/>
-                </a:solidFill>
-                <a:latin typeface="+mn-lt"/>
-                <a:ea typeface="+mn-ea"/>
-                <a:cs typeface="+mn-cs"/>
-              </a:defRPr>
-            </a:lvl8pPr>
-            <a:lvl9pPr marL="3886200" indent="-228600" algn="l" defTabSz="457200" rtl="0" eaLnBrk="1" latinLnBrk="0" hangingPunct="1">
-              <a:spcBef>
-                <a:spcPct val="20000"/>
-              </a:spcBef>
-              <a:buFont typeface="Arial"/>
-              <a:buChar char="•"/>
-              <a:defRPr sz="2000" kern="1200">
-                <a:solidFill>
-                  <a:schemeClr val="tx1"/>
-                </a:solidFill>
-                <a:latin typeface="+mn-lt"/>
-                <a:ea typeface="+mn-ea"/>
-                <a:cs typeface="+mn-cs"/>
-              </a:defRPr>
-            </a:lvl9pPr>
-          </a:lstStyle>
-          <a:p>
-            <a:pPr marL="342900" lvl="1" indent="-342900">
-              <a:buClr>
-                <a:schemeClr val="bg2"/>
-              </a:buClr>
-              <a:buFont typeface="Arial"/>
-              <a:buChar char="•"/>
-            </a:pPr>
-            <a:r>
-              <a:rPr lang="en-US" sz="2000" dirty="0" smtClean="0">
-                <a:solidFill>
-                  <a:srgbClr val="FFFFFF"/>
-                </a:solidFill>
-              </a:rPr>
-              <a:t>Blue-Green deployment is an approach to upgrading application with minimal downtime.</a:t>
-            </a:r>
-          </a:p>
-          <a:p>
-            <a:pPr marL="342900" lvl="1" indent="-342900">
-              <a:buClr>
-                <a:schemeClr val="bg2"/>
-              </a:buClr>
-              <a:buFont typeface="Arial"/>
-              <a:buChar char="•"/>
-            </a:pPr>
-            <a:r>
-              <a:rPr lang="en-US" sz="2000" dirty="0" smtClean="0">
-                <a:solidFill>
-                  <a:srgbClr val="FFFFFF"/>
-                </a:solidFill>
-              </a:rPr>
-              <a:t>It also enables easy rollback to the old version if the new version experiences problems</a:t>
-            </a:r>
-          </a:p>
-          <a:p>
-            <a:pPr marL="342900" lvl="1" indent="-342900">
-              <a:buClr>
-                <a:schemeClr val="bg2"/>
-              </a:buClr>
-              <a:buFont typeface="Arial"/>
-              <a:buChar char="•"/>
-            </a:pPr>
-            <a:r>
-              <a:rPr lang="en-US" sz="2000" dirty="0" smtClean="0">
-                <a:solidFill>
-                  <a:srgbClr val="FFFFFF"/>
-                </a:solidFill>
-              </a:rPr>
-              <a:t>It works by keeping both versions online, and switching from the old version to the new version</a:t>
-            </a:r>
-          </a:p>
-        </p:txBody>
-      </p:sp>
-      <p:sp>
-        <p:nvSpPr>
-          <p:cNvPr id="2" name="Rectangle 1"/>
-          <p:cNvSpPr/>
-          <p:nvPr/>
-        </p:nvSpPr>
-        <p:spPr>
-          <a:xfrm>
-            <a:off x="2735318" y="3534838"/>
-            <a:ext cx="1021304" cy="497365"/>
-          </a:xfrm>
-          <a:prstGeom prst="rect">
-            <a:avLst/>
-          </a:prstGeom>
-          <a:solidFill>
-            <a:schemeClr val="accent4">
-              <a:lumMod val="40000"/>
-              <a:lumOff val="60000"/>
-            </a:schemeClr>
-          </a:solidFill>
-          <a:ln w="6350">
-            <a:solidFill>
-              <a:schemeClr val="bg1"/>
-            </a:solidFill>
-          </a:ln>
-          <a:effectLst/>
-        </p:spPr>
-        <p:style>
-          <a:lnRef idx="1">
-            <a:schemeClr val="accent1"/>
-          </a:lnRef>
-          <a:fillRef idx="3">
-            <a:schemeClr val="accent1"/>
-          </a:fillRef>
-          <a:effectRef idx="2">
-            <a:schemeClr val="accent1"/>
-          </a:effectRef>
-          <a:fontRef idx="minor">
-            <a:schemeClr val="lt1"/>
-          </a:fontRef>
-        </p:style>
-        <p:txBody>
-          <a:bodyPr rtlCol="0" anchor="ctr"/>
-          <a:lstStyle/>
-          <a:p>
-            <a:pPr algn="ctr"/>
-            <a:r>
-              <a:rPr lang="en-US" sz="1600" dirty="0"/>
-              <a:t>a</a:t>
-            </a:r>
-            <a:r>
-              <a:rPr lang="en-US" sz="1600" dirty="0" smtClean="0"/>
-              <a:t>pp 1.0</a:t>
-            </a:r>
-            <a:endParaRPr lang="en-US" sz="1600" dirty="0"/>
-          </a:p>
-        </p:txBody>
-      </p:sp>
-      <p:sp>
-        <p:nvSpPr>
-          <p:cNvPr id="6" name="Rectangle 5"/>
-          <p:cNvSpPr/>
-          <p:nvPr/>
-        </p:nvSpPr>
-        <p:spPr>
-          <a:xfrm>
-            <a:off x="2735318" y="4184603"/>
-            <a:ext cx="1021304" cy="497365"/>
-          </a:xfrm>
-          <a:prstGeom prst="rect">
-            <a:avLst/>
-          </a:prstGeom>
-          <a:solidFill>
-            <a:srgbClr val="008881"/>
-          </a:solidFill>
-          <a:ln w="6350">
-            <a:solidFill>
-              <a:schemeClr val="bg1"/>
-            </a:solidFill>
-          </a:ln>
-          <a:effectLst/>
-        </p:spPr>
-        <p:style>
-          <a:lnRef idx="1">
-            <a:schemeClr val="accent1"/>
-          </a:lnRef>
-          <a:fillRef idx="3">
-            <a:schemeClr val="accent1"/>
-          </a:fillRef>
-          <a:effectRef idx="2">
-            <a:schemeClr val="accent1"/>
-          </a:effectRef>
-          <a:fontRef idx="minor">
-            <a:schemeClr val="lt1"/>
-          </a:fontRef>
-        </p:style>
-        <p:txBody>
-          <a:bodyPr rtlCol="0" anchor="ctr"/>
-          <a:lstStyle/>
-          <a:p>
-            <a:pPr algn="ctr"/>
-            <a:r>
-              <a:rPr lang="en-US" sz="1600" dirty="0"/>
-              <a:t>a</a:t>
-            </a:r>
-            <a:r>
-              <a:rPr lang="en-US" sz="1600" dirty="0" smtClean="0"/>
-              <a:t>pp 1.1</a:t>
-            </a:r>
-            <a:endParaRPr lang="en-US" sz="1600" dirty="0"/>
-          </a:p>
-        </p:txBody>
-      </p:sp>
-      <p:cxnSp>
-        <p:nvCxnSpPr>
-          <p:cNvPr id="7" name="Straight Arrow Connector 6"/>
-          <p:cNvCxnSpPr>
-            <a:endCxn id="2" idx="1"/>
-          </p:cNvCxnSpPr>
-          <p:nvPr/>
-        </p:nvCxnSpPr>
-        <p:spPr>
-          <a:xfrm>
-            <a:off x="1971560" y="3783521"/>
-            <a:ext cx="763758" cy="0"/>
-          </a:xfrm>
-          <a:prstGeom prst="straightConnector1">
-            <a:avLst/>
-          </a:prstGeom>
-          <a:ln>
-            <a:tailEnd type="arrow"/>
-          </a:ln>
-        </p:spPr>
-        <p:style>
-          <a:lnRef idx="2">
-            <a:schemeClr val="accent1"/>
-          </a:lnRef>
-          <a:fillRef idx="0">
-            <a:schemeClr val="accent1"/>
-          </a:fillRef>
-          <a:effectRef idx="1">
-            <a:schemeClr val="accent1"/>
-          </a:effectRef>
-          <a:fontRef idx="minor">
-            <a:schemeClr val="tx1"/>
-          </a:fontRef>
-        </p:style>
-      </p:cxnSp>
-      <p:sp>
-        <p:nvSpPr>
-          <p:cNvPr id="9" name="TextBox 8"/>
-          <p:cNvSpPr txBox="1"/>
-          <p:nvPr/>
-        </p:nvSpPr>
-        <p:spPr>
-          <a:xfrm>
-            <a:off x="1906170" y="3454913"/>
-            <a:ext cx="829148" cy="646331"/>
-          </a:xfrm>
-          <a:prstGeom prst="rect">
-            <a:avLst/>
-          </a:prstGeom>
-          <a:noFill/>
-        </p:spPr>
-        <p:txBody>
-          <a:bodyPr wrap="none" rtlCol="0">
-            <a:spAutoFit/>
-          </a:bodyPr>
-          <a:lstStyle/>
-          <a:p>
-            <a:r>
-              <a:rPr lang="en-US" dirty="0">
-                <a:solidFill>
-                  <a:srgbClr val="FFFFFF"/>
-                </a:solidFill>
-              </a:rPr>
-              <a:t>l</a:t>
-            </a:r>
-            <a:r>
-              <a:rPr lang="en-US" dirty="0" smtClean="0">
-                <a:solidFill>
-                  <a:srgbClr val="FFFFFF"/>
-                </a:solidFill>
-              </a:rPr>
-              <a:t>ive</a:t>
-            </a:r>
-          </a:p>
-          <a:p>
-            <a:r>
-              <a:rPr lang="en-US" dirty="0" smtClean="0">
-                <a:solidFill>
-                  <a:srgbClr val="FFFFFF"/>
-                </a:solidFill>
-              </a:rPr>
-              <a:t>traffic</a:t>
-            </a:r>
-          </a:p>
-        </p:txBody>
-      </p:sp>
-      <p:sp>
-        <p:nvSpPr>
-          <p:cNvPr id="11" name="TextBox 10"/>
-          <p:cNvSpPr txBox="1"/>
-          <p:nvPr/>
-        </p:nvSpPr>
-        <p:spPr>
-          <a:xfrm>
-            <a:off x="2735318" y="4681968"/>
-            <a:ext cx="1070336" cy="369332"/>
-          </a:xfrm>
-          <a:prstGeom prst="rect">
-            <a:avLst/>
-          </a:prstGeom>
-          <a:noFill/>
-        </p:spPr>
-        <p:txBody>
-          <a:bodyPr wrap="square" rtlCol="0">
-            <a:spAutoFit/>
-          </a:bodyPr>
-          <a:lstStyle/>
-          <a:p>
-            <a:pPr algn="ctr"/>
-            <a:r>
-              <a:rPr lang="en-US" dirty="0" smtClean="0">
-                <a:solidFill>
-                  <a:srgbClr val="FFFFFF"/>
-                </a:solidFill>
-              </a:rPr>
-              <a:t>Before</a:t>
-            </a:r>
-          </a:p>
-        </p:txBody>
-      </p:sp>
-      <p:sp>
-        <p:nvSpPr>
-          <p:cNvPr id="12" name="Rectangle 11"/>
-          <p:cNvSpPr/>
-          <p:nvPr/>
-        </p:nvSpPr>
-        <p:spPr>
-          <a:xfrm>
-            <a:off x="5873127" y="3534838"/>
-            <a:ext cx="1021304" cy="497365"/>
-          </a:xfrm>
-          <a:prstGeom prst="rect">
-            <a:avLst/>
-          </a:prstGeom>
-          <a:solidFill>
-            <a:schemeClr val="accent4">
-              <a:lumMod val="40000"/>
-              <a:lumOff val="60000"/>
-            </a:schemeClr>
-          </a:solidFill>
-          <a:ln w="6350">
-            <a:solidFill>
-              <a:schemeClr val="bg1"/>
-            </a:solidFill>
-          </a:ln>
-          <a:effectLst/>
-        </p:spPr>
-        <p:style>
-          <a:lnRef idx="1">
-            <a:schemeClr val="accent1"/>
-          </a:lnRef>
-          <a:fillRef idx="3">
-            <a:schemeClr val="accent1"/>
-          </a:fillRef>
-          <a:effectRef idx="2">
-            <a:schemeClr val="accent1"/>
-          </a:effectRef>
-          <a:fontRef idx="minor">
-            <a:schemeClr val="lt1"/>
-          </a:fontRef>
-        </p:style>
-        <p:txBody>
-          <a:bodyPr rtlCol="0" anchor="ctr"/>
-          <a:lstStyle/>
-          <a:p>
-            <a:pPr algn="ctr"/>
-            <a:r>
-              <a:rPr lang="en-US" sz="1600" dirty="0"/>
-              <a:t>a</a:t>
-            </a:r>
-            <a:r>
-              <a:rPr lang="en-US" sz="1600" dirty="0" smtClean="0"/>
-              <a:t>pp 1.0</a:t>
-            </a:r>
-            <a:endParaRPr lang="en-US" sz="1600" dirty="0"/>
-          </a:p>
-        </p:txBody>
-      </p:sp>
-      <p:sp>
-        <p:nvSpPr>
-          <p:cNvPr id="13" name="Rectangle 12"/>
-          <p:cNvSpPr/>
-          <p:nvPr/>
-        </p:nvSpPr>
-        <p:spPr>
-          <a:xfrm>
-            <a:off x="5880583" y="4184603"/>
-            <a:ext cx="1021304" cy="497365"/>
-          </a:xfrm>
-          <a:prstGeom prst="rect">
-            <a:avLst/>
-          </a:prstGeom>
-          <a:solidFill>
-            <a:srgbClr val="008881"/>
-          </a:solidFill>
-          <a:ln w="6350">
-            <a:solidFill>
-              <a:schemeClr val="bg1"/>
-            </a:solidFill>
-          </a:ln>
-          <a:effectLst/>
-        </p:spPr>
-        <p:style>
-          <a:lnRef idx="1">
-            <a:schemeClr val="accent1"/>
-          </a:lnRef>
-          <a:fillRef idx="3">
-            <a:schemeClr val="accent1"/>
-          </a:fillRef>
-          <a:effectRef idx="2">
-            <a:schemeClr val="accent1"/>
-          </a:effectRef>
-          <a:fontRef idx="minor">
-            <a:schemeClr val="lt1"/>
-          </a:fontRef>
-        </p:style>
-        <p:txBody>
-          <a:bodyPr rtlCol="0" anchor="ctr"/>
-          <a:lstStyle/>
-          <a:p>
-            <a:pPr algn="ctr"/>
-            <a:r>
-              <a:rPr lang="en-US" sz="1600" dirty="0"/>
-              <a:t>a</a:t>
-            </a:r>
-            <a:r>
-              <a:rPr lang="en-US" sz="1600" dirty="0" smtClean="0"/>
-              <a:t>pp 1.1</a:t>
-            </a:r>
-            <a:endParaRPr lang="en-US" sz="1600" dirty="0"/>
-          </a:p>
-        </p:txBody>
-      </p:sp>
-      <p:cxnSp>
-        <p:nvCxnSpPr>
-          <p:cNvPr id="14" name="Straight Arrow Connector 13"/>
-          <p:cNvCxnSpPr/>
-          <p:nvPr/>
-        </p:nvCxnSpPr>
-        <p:spPr>
-          <a:xfrm>
-            <a:off x="5116825" y="4408654"/>
-            <a:ext cx="763758" cy="0"/>
-          </a:xfrm>
-          <a:prstGeom prst="straightConnector1">
-            <a:avLst/>
-          </a:prstGeom>
-          <a:ln>
-            <a:tailEnd type="arrow"/>
-          </a:ln>
-        </p:spPr>
-        <p:style>
-          <a:lnRef idx="2">
-            <a:schemeClr val="accent1"/>
-          </a:lnRef>
-          <a:fillRef idx="0">
-            <a:schemeClr val="accent1"/>
-          </a:fillRef>
-          <a:effectRef idx="1">
-            <a:schemeClr val="accent1"/>
-          </a:effectRef>
-          <a:fontRef idx="minor">
-            <a:schemeClr val="tx1"/>
-          </a:fontRef>
-        </p:style>
-      </p:cxnSp>
-      <p:sp>
-        <p:nvSpPr>
-          <p:cNvPr id="15" name="TextBox 14"/>
-          <p:cNvSpPr txBox="1"/>
-          <p:nvPr/>
-        </p:nvSpPr>
-        <p:spPr>
-          <a:xfrm>
-            <a:off x="5051435" y="4080046"/>
-            <a:ext cx="829148" cy="646331"/>
-          </a:xfrm>
-          <a:prstGeom prst="rect">
-            <a:avLst/>
-          </a:prstGeom>
-          <a:noFill/>
-        </p:spPr>
-        <p:txBody>
-          <a:bodyPr wrap="none" rtlCol="0">
-            <a:spAutoFit/>
-          </a:bodyPr>
-          <a:lstStyle/>
-          <a:p>
-            <a:r>
-              <a:rPr lang="en-US" dirty="0">
-                <a:solidFill>
-                  <a:srgbClr val="FFFFFF"/>
-                </a:solidFill>
-              </a:rPr>
-              <a:t>l</a:t>
-            </a:r>
-            <a:r>
-              <a:rPr lang="en-US" dirty="0" smtClean="0">
-                <a:solidFill>
-                  <a:srgbClr val="FFFFFF"/>
-                </a:solidFill>
-              </a:rPr>
-              <a:t>ive</a:t>
-            </a:r>
-          </a:p>
-          <a:p>
-            <a:r>
-              <a:rPr lang="en-US" dirty="0" smtClean="0">
-                <a:solidFill>
-                  <a:srgbClr val="FFFFFF"/>
-                </a:solidFill>
-              </a:rPr>
-              <a:t>traffic</a:t>
-            </a:r>
-          </a:p>
-        </p:txBody>
-      </p:sp>
-      <p:sp>
-        <p:nvSpPr>
-          <p:cNvPr id="16" name="TextBox 15"/>
-          <p:cNvSpPr txBox="1"/>
-          <p:nvPr/>
-        </p:nvSpPr>
-        <p:spPr>
-          <a:xfrm>
-            <a:off x="5880583" y="4681968"/>
-            <a:ext cx="1070336" cy="369332"/>
-          </a:xfrm>
-          <a:prstGeom prst="rect">
-            <a:avLst/>
-          </a:prstGeom>
-          <a:noFill/>
-        </p:spPr>
-        <p:txBody>
-          <a:bodyPr wrap="square" rtlCol="0">
-            <a:spAutoFit/>
-          </a:bodyPr>
-          <a:lstStyle/>
-          <a:p>
-            <a:pPr algn="ctr"/>
-            <a:r>
-              <a:rPr lang="en-US" dirty="0" smtClean="0">
-                <a:solidFill>
-                  <a:srgbClr val="FFFFFF"/>
-                </a:solidFill>
-              </a:rPr>
-              <a:t>After</a:t>
-            </a:r>
-          </a:p>
-        </p:txBody>
-      </p:sp>
-    </p:spTree>
-    <p:extLst>
-      <p:ext uri="{BB962C8B-B14F-4D97-AF65-F5344CB8AC3E}">
-        <p14:creationId xmlns:p14="http://schemas.microsoft.com/office/powerpoint/2010/main" val="3061432597"/>
-      </p:ext>
-    </p:extLst>
-  </p:cSld>
-  <p:clrMapOvr>
-    <a:masterClrMapping/>
-  </p:clrMapOvr>
-  <p:transition xmlns:p14="http://schemas.microsoft.com/office/powerpoint/2010/main" spd="slow">
-    <p:cut/>
-  </p:transition>
-  <p:timing>
-    <p:tnLst>
-      <p:par>
-        <p:cTn xmlns:p14="http://schemas.microsoft.com/office/powerpoint/2010/main" id="1" dur="indefinite" restart="never" nodeType="tmRoot"/>
-      </p:par>
-    </p:tnLst>
-  </p:timing>
-</p:sld>
-</file>
-
 <file path=ppt/slides/slide6.xml><?xml version="1.0" encoding="utf-8"?>
 <p:sld xmlns:a="http://schemas.openxmlformats.org/drawingml/2006/main" xmlns:r="http://schemas.openxmlformats.org/officeDocument/2006/relationships" xmlns:p="http://schemas.openxmlformats.org/presentationml/2006/main">
   <p:cSld>
@@ -16362,7 +17779,7 @@
         <p:spPr>
           <a:xfrm>
             <a:off x="-125618" y="407953"/>
-            <a:ext cx="9175258" cy="585514"/>
+            <a:ext cx="6947616" cy="585514"/>
           </a:xfrm>
           <a:prstGeom prst="rect">
             <a:avLst/>
@@ -16386,7 +17803,7 @@
                   <a:schemeClr val="accent1"/>
                 </a:solidFill>
               </a:rPr>
-              <a:t>Blue-Green Deployments using Routes</a:t>
+              <a:t>Blue-Green Deployments</a:t>
             </a:r>
             <a:endParaRPr lang="en-US" dirty="0">
               <a:solidFill>
@@ -16406,8 +17823,8 @@
         </p:nvSpPr>
         <p:spPr>
           <a:xfrm>
-            <a:off x="323987" y="1241298"/>
-            <a:ext cx="8583559" cy="1609664"/>
+            <a:off x="323987" y="1241297"/>
+            <a:ext cx="8583559" cy="2293541"/>
           </a:xfrm>
           <a:prstGeom prst="rect">
             <a:avLst/>
@@ -16568,31 +17985,7 @@
                   <a:srgbClr val="FFFFFF"/>
                 </a:solidFill>
               </a:rPr>
-              <a:t>Main idea: you always want </a:t>
-            </a:r>
-            <a:r>
-              <a:rPr lang="en-US" sz="2000" b="1" i="1" dirty="0" err="1" smtClean="0">
-                <a:solidFill>
-                  <a:srgbClr val="FFFFFF"/>
-                </a:solidFill>
-              </a:rPr>
-              <a:t>myapp.cfapps.io</a:t>
-            </a:r>
-            <a:r>
-              <a:rPr lang="en-US" sz="2000" i="1" dirty="0" smtClean="0">
-                <a:solidFill>
-                  <a:srgbClr val="FFFFFF"/>
-                </a:solidFill>
-              </a:rPr>
-              <a:t> </a:t>
-            </a:r>
-            <a:r>
-              <a:rPr lang="en-US" sz="2000" dirty="0" smtClean="0">
-                <a:solidFill>
-                  <a:srgbClr val="FFFFFF"/>
-                </a:solidFill>
-              </a:rPr>
-              <a:t>to be good</a:t>
+              <a:t>Blue-Green deployment is an approach to upgrading application with minimal downtime.</a:t>
             </a:r>
           </a:p>
           <a:p>
@@ -16609,7 +18002,7 @@
                   <a:srgbClr val="FFFFFF"/>
                 </a:solidFill>
               </a:rPr>
-              <a:t>Use routes to achieve this</a:t>
+              <a:t>It also enables easy rollback to the old version if the new version experiences problems</a:t>
             </a:r>
           </a:p>
           <a:p>
@@ -16626,7 +18019,7 @@
                   <a:srgbClr val="FFFFFF"/>
                 </a:solidFill>
               </a:rPr>
-              <a:t>Because you are in a single space, multiple application can use the same routes</a:t>
+              <a:t>It works by keeping both versions online, and switching from the old version to the new version</a:t>
             </a:r>
           </a:p>
         </p:txBody>
@@ -16639,7 +18032,7 @@
         </p:nvSpPr>
         <p:spPr>
           <a:xfrm>
-            <a:off x="1906170" y="2984178"/>
+            <a:off x="2735318" y="3534838"/>
             <a:ext cx="1021304" cy="497365"/>
           </a:xfrm>
           <a:prstGeom prst="rect">
@@ -16697,7 +18090,7 @@
         </p:nvSpPr>
         <p:spPr>
           <a:xfrm>
-            <a:off x="1906170" y="3633943"/>
+            <a:off x="2735318" y="4184603"/>
             <a:ext cx="1021304" cy="497365"/>
           </a:xfrm>
           <a:prstGeom prst="rect">
@@ -16754,7 +18147,7 @@
         </p:nvCxnSpPr>
         <p:spPr>
           <a:xfrm>
-            <a:off x="1142412" y="3232861"/>
+            <a:off x="1971560" y="3783521"/>
             <a:ext cx="763758" cy="0"/>
           </a:xfrm>
           <a:prstGeom prst="straightConnector1">
@@ -16787,8 +18180,8 @@
         </p:nvSpPr>
         <p:spPr>
           <a:xfrm>
-            <a:off x="588567" y="2904253"/>
-            <a:ext cx="1381809" cy="276999"/>
+            <a:off x="1906170" y="3454913"/>
+            <a:ext cx="829148" cy="646331"/>
           </a:xfrm>
           <a:prstGeom prst="rect">
             <a:avLst/>
@@ -16802,26 +18195,31 @@
           <a:lstStyle/>
           <a:p>
             <a:r>
-              <a:rPr lang="en-US" sz="1200" dirty="0" err="1">
+              <a:rPr lang="en-US" dirty="0">
                 <a:solidFill>
                   <a:srgbClr val="FFFFFF"/>
                 </a:solidFill>
               </a:rPr>
-              <a:t>m</a:t>
-            </a:r>
-            <a:r>
-              <a:rPr lang="en-US" sz="1200" dirty="0" err="1" smtClean="0">
+              <a:t>l</a:t>
+            </a:r>
+            <a:r>
+              <a:rPr lang="en-US" dirty="0" smtClean="0">
                 <a:solidFill>
                   <a:srgbClr val="FFFFFF"/>
                 </a:solidFill>
               </a:rPr>
-              <a:t>yapp.cfapps.io</a:t>
-            </a:r>
-            <a:endParaRPr lang="en-US" sz="1200" dirty="0" smtClean="0">
-              <a:solidFill>
-                <a:srgbClr val="FFFFFF"/>
-              </a:solidFill>
-            </a:endParaRPr>
+              <a:t>ive</a:t>
+            </a:r>
+          </a:p>
+          <a:p>
+            <a:r>
+              <a:rPr lang="en-US" dirty="0" smtClean="0">
+                <a:solidFill>
+                  <a:srgbClr val="FFFFFF"/>
+                </a:solidFill>
+              </a:rPr>
+              <a:t>traffic</a:t>
+            </a:r>
           </a:p>
         </p:txBody>
       </p:sp>
@@ -16833,8 +18231,8 @@
         </p:nvSpPr>
         <p:spPr>
           <a:xfrm>
-            <a:off x="745996" y="4197342"/>
-            <a:ext cx="2619866" cy="523220"/>
+            <a:off x="2735318" y="4681968"/>
+            <a:ext cx="1070336" cy="369332"/>
           </a:xfrm>
           <a:prstGeom prst="rect">
             <a:avLst/>
@@ -16849,7 +18247,7 @@
           <a:p>
             <a:pPr algn="ctr"/>
             <a:r>
-              <a:rPr lang="en-US" sz="1400" dirty="0" smtClean="0">
+              <a:rPr lang="en-US" dirty="0" smtClean="0">
                 <a:solidFill>
                   <a:srgbClr val="FFFFFF"/>
                 </a:solidFill>
@@ -16857,99 +18255,17 @@
               <a:t>Before</a:t>
             </a:r>
           </a:p>
-          <a:p>
-            <a:pPr algn="ctr"/>
-            <a:r>
-              <a:rPr lang="en-US" sz="1400" dirty="0" smtClean="0">
-                <a:solidFill>
-                  <a:srgbClr val="FFFFFF"/>
-                </a:solidFill>
-              </a:rPr>
-              <a:t>(working on version 1.1)</a:t>
-            </a:r>
-          </a:p>
-        </p:txBody>
-      </p:sp>
-      <p:sp>
-        <p:nvSpPr>
-          <p:cNvPr id="17" name="TextBox 16"/>
-          <p:cNvSpPr txBox="1"/>
-          <p:nvPr/>
-        </p:nvSpPr>
-        <p:spPr>
-          <a:xfrm>
-            <a:off x="325989" y="3633943"/>
-            <a:ext cx="1622034" cy="276999"/>
-          </a:xfrm>
-          <a:prstGeom prst="rect">
-            <a:avLst/>
-          </a:prstGeom>
-          <a:noFill/>
-        </p:spPr>
-        <p:txBody>
-          <a:bodyPr wrap="none" rtlCol="0">
-            <a:spAutoFit/>
-          </a:bodyPr>
-          <a:lstStyle/>
-          <a:p>
-            <a:r>
-              <a:rPr lang="en-US" sz="1200" dirty="0" err="1" smtClean="0">
-                <a:solidFill>
-                  <a:srgbClr val="FFFFFF"/>
-                </a:solidFill>
-              </a:rPr>
-              <a:t>myappdev.cfapps.io</a:t>
-            </a:r>
-            <a:endParaRPr lang="en-US" sz="1200" dirty="0" smtClean="0">
-              <a:solidFill>
-                <a:srgbClr val="FFFFFF"/>
-              </a:solidFill>
-            </a:endParaRPr>
-          </a:p>
-        </p:txBody>
-      </p:sp>
-      <p:cxnSp>
-        <p:nvCxnSpPr>
-          <p:cNvPr id="18" name="Straight Arrow Connector 17"/>
-          <p:cNvCxnSpPr/>
-          <p:nvPr/>
-        </p:nvCxnSpPr>
-        <p:spPr>
-          <a:xfrm>
-            <a:off x="1142412" y="3910942"/>
-            <a:ext cx="763758" cy="0"/>
-          </a:xfrm>
-          <a:prstGeom prst="straightConnector1">
-            <a:avLst/>
-          </a:prstGeom>
-          <a:ln>
-            <a:tailEnd type="arrow"/>
-          </a:ln>
-        </p:spPr>
-        <p:style>
-          <a:lnRef idx="2">
-            <a:schemeClr val="accent1"/>
-          </a:lnRef>
-          <a:fillRef idx="0">
-            <a:schemeClr val="accent1"/>
-          </a:fillRef>
-          <a:effectRef idx="1">
-            <a:schemeClr val="accent1"/>
-          </a:effectRef>
-          <a:fontRef idx="minor">
-            <a:schemeClr val="tx1"/>
-          </a:fontRef>
-        </p:style>
-      </p:cxnSp>
-      <p:sp>
-        <p:nvSpPr>
-          <p:cNvPr id="19" name="Rectangle 18"/>
+        </p:txBody>
+      </p:sp>
+      <p:sp>
+        <p:nvSpPr>
+          <p:cNvPr id="12" name="Rectangle 11"/>
           <p:cNvSpPr/>
           <p:nvPr/>
         </p:nvSpPr>
         <p:spPr>
           <a:xfrm>
-            <a:off x="4847173" y="2957528"/>
+            <a:off x="5873127" y="3534838"/>
             <a:ext cx="1021304" cy="497365"/>
           </a:xfrm>
           <a:prstGeom prst="rect">
@@ -17001,13 +18317,13 @@
       </p:sp>
       <p:sp>
         <p:nvSpPr>
-          <p:cNvPr id="20" name="Rectangle 19"/>
+          <p:cNvPr id="13" name="Rectangle 12"/>
           <p:cNvSpPr/>
           <p:nvPr/>
         </p:nvSpPr>
         <p:spPr>
           <a:xfrm>
-            <a:off x="4847173" y="3607293"/>
+            <a:off x="5880583" y="4184603"/>
             <a:ext cx="1021304" cy="497365"/>
           </a:xfrm>
           <a:prstGeom prst="rect">
@@ -17056,15 +18372,13 @@
       </p:sp>
       <p:cxnSp>
         <p:nvCxnSpPr>
-          <p:cNvPr id="21" name="Straight Arrow Connector 20"/>
-          <p:cNvCxnSpPr>
-            <a:endCxn id="19" idx="1"/>
-          </p:cNvCxnSpPr>
+          <p:cNvPr id="14" name="Straight Arrow Connector 13"/>
+          <p:cNvCxnSpPr/>
           <p:nvPr/>
         </p:nvCxnSpPr>
         <p:spPr>
           <a:xfrm>
-            <a:off x="4083415" y="3206211"/>
+            <a:off x="5116825" y="4408654"/>
             <a:ext cx="763758" cy="0"/>
           </a:xfrm>
           <a:prstGeom prst="straightConnector1">
@@ -17091,14 +18405,14 @@
       </p:cxnSp>
       <p:sp>
         <p:nvSpPr>
-          <p:cNvPr id="22" name="TextBox 21"/>
+          <p:cNvPr id="15" name="TextBox 14"/>
           <p:cNvSpPr txBox="1"/>
           <p:nvPr/>
         </p:nvSpPr>
         <p:spPr>
           <a:xfrm>
-            <a:off x="3529570" y="2877603"/>
-            <a:ext cx="1381809" cy="276999"/>
+            <a:off x="5051435" y="4080046"/>
+            <a:ext cx="829148" cy="646331"/>
           </a:xfrm>
           <a:prstGeom prst="rect">
             <a:avLst/>
@@ -17112,39 +18426,44 @@
           <a:lstStyle/>
           <a:p>
             <a:r>
-              <a:rPr lang="en-US" sz="1200" dirty="0" err="1">
+              <a:rPr lang="en-US" dirty="0">
                 <a:solidFill>
                   <a:srgbClr val="FFFFFF"/>
                 </a:solidFill>
               </a:rPr>
-              <a:t>m</a:t>
-            </a:r>
-            <a:r>
-              <a:rPr lang="en-US" sz="1200" dirty="0" err="1" smtClean="0">
+              <a:t>l</a:t>
+            </a:r>
+            <a:r>
+              <a:rPr lang="en-US" dirty="0" smtClean="0">
                 <a:solidFill>
                   <a:srgbClr val="FFFFFF"/>
                 </a:solidFill>
               </a:rPr>
-              <a:t>yapp.cfapps.io</a:t>
-            </a:r>
-            <a:endParaRPr lang="en-US" sz="1200" dirty="0" smtClean="0">
-              <a:solidFill>
-                <a:srgbClr val="FFFFFF"/>
-              </a:solidFill>
-            </a:endParaRPr>
-          </a:p>
-        </p:txBody>
-      </p:sp>
-      <p:sp>
-        <p:nvSpPr>
-          <p:cNvPr id="23" name="TextBox 22"/>
+              <a:t>ive</a:t>
+            </a:r>
+          </a:p>
+          <a:p>
+            <a:r>
+              <a:rPr lang="en-US" dirty="0" smtClean="0">
+                <a:solidFill>
+                  <a:srgbClr val="FFFFFF"/>
+                </a:solidFill>
+              </a:rPr>
+              <a:t>traffic</a:t>
+            </a:r>
+          </a:p>
+        </p:txBody>
+      </p:sp>
+      <p:sp>
+        <p:nvSpPr>
+          <p:cNvPr id="16" name="TextBox 15"/>
           <p:cNvSpPr txBox="1"/>
           <p:nvPr/>
         </p:nvSpPr>
         <p:spPr>
           <a:xfrm>
-            <a:off x="3686999" y="4170692"/>
-            <a:ext cx="2619866" cy="523220"/>
+            <a:off x="5880583" y="4681968"/>
+            <a:ext cx="1070336" cy="369332"/>
           </a:xfrm>
           <a:prstGeom prst="rect">
             <a:avLst/>
@@ -17159,236 +18478,7 @@
           <a:p>
             <a:pPr algn="ctr"/>
             <a:r>
-              <a:rPr lang="en-US" sz="1400" dirty="0" smtClean="0">
-                <a:solidFill>
-                  <a:srgbClr val="FFFFFF"/>
-                </a:solidFill>
-              </a:rPr>
-              <a:t>During</a:t>
-            </a:r>
-          </a:p>
-          <a:p>
-            <a:pPr algn="ctr"/>
-            <a:r>
-              <a:rPr lang="en-US" sz="1400" dirty="0" smtClean="0">
-                <a:solidFill>
-                  <a:srgbClr val="FFFFFF"/>
-                </a:solidFill>
-              </a:rPr>
-              <a:t>(version 1.1 is ready)</a:t>
-            </a:r>
-          </a:p>
-        </p:txBody>
-      </p:sp>
-      <p:sp>
-        <p:nvSpPr>
-          <p:cNvPr id="24" name="TextBox 23"/>
-          <p:cNvSpPr txBox="1"/>
-          <p:nvPr/>
-        </p:nvSpPr>
-        <p:spPr>
-          <a:xfrm>
-            <a:off x="3497898" y="3607293"/>
-            <a:ext cx="1381809" cy="276999"/>
-          </a:xfrm>
-          <a:prstGeom prst="rect">
-            <a:avLst/>
-          </a:prstGeom>
-          <a:noFill/>
-        </p:spPr>
-        <p:txBody>
-          <a:bodyPr wrap="none" rtlCol="0">
-            <a:spAutoFit/>
-          </a:bodyPr>
-          <a:lstStyle/>
-          <a:p>
-            <a:r>
-              <a:rPr lang="en-US" sz="1200" dirty="0" err="1" smtClean="0">
-                <a:solidFill>
-                  <a:srgbClr val="FFFFFF"/>
-                </a:solidFill>
-              </a:rPr>
-              <a:t>myapp.cfapps.io</a:t>
-            </a:r>
-            <a:endParaRPr lang="en-US" sz="1200" dirty="0" smtClean="0">
-              <a:solidFill>
-                <a:srgbClr val="FFFFFF"/>
-              </a:solidFill>
-            </a:endParaRPr>
-          </a:p>
-        </p:txBody>
-      </p:sp>
-      <p:cxnSp>
-        <p:nvCxnSpPr>
-          <p:cNvPr id="25" name="Straight Arrow Connector 24"/>
-          <p:cNvCxnSpPr/>
-          <p:nvPr/>
-        </p:nvCxnSpPr>
-        <p:spPr>
-          <a:xfrm>
-            <a:off x="4083415" y="3884292"/>
-            <a:ext cx="763758" cy="0"/>
-          </a:xfrm>
-          <a:prstGeom prst="straightConnector1">
-            <a:avLst/>
-          </a:prstGeom>
-          <a:ln>
-            <a:tailEnd type="arrow"/>
-          </a:ln>
-        </p:spPr>
-        <p:style>
-          <a:lnRef idx="2">
-            <a:schemeClr val="accent1"/>
-          </a:lnRef>
-          <a:fillRef idx="0">
-            <a:schemeClr val="accent1"/>
-          </a:fillRef>
-          <a:effectRef idx="1">
-            <a:schemeClr val="accent1"/>
-          </a:effectRef>
-          <a:fontRef idx="minor">
-            <a:schemeClr val="tx1"/>
-          </a:fontRef>
-        </p:style>
-      </p:cxnSp>
-      <p:sp>
-        <p:nvSpPr>
-          <p:cNvPr id="26" name="Rectangle 25"/>
-          <p:cNvSpPr/>
-          <p:nvPr/>
-        </p:nvSpPr>
-        <p:spPr>
-          <a:xfrm>
-            <a:off x="7684308" y="2984178"/>
-            <a:ext cx="1021304" cy="497365"/>
-          </a:xfrm>
-          <a:prstGeom prst="rect">
-            <a:avLst/>
-          </a:prstGeom>
-          <a:solidFill>
-            <a:schemeClr val="accent4">
-              <a:lumMod val="40000"/>
-              <a:lumOff val="60000"/>
-            </a:schemeClr>
-          </a:solidFill>
-          <a:ln w="6350">
-            <a:solidFill>
-              <a:schemeClr val="bg1"/>
-            </a:solidFill>
-          </a:ln>
-          <a:effectLst/>
-        </p:spPr>
-        <p:style>
-          <a:lnRef idx="1">
-            <a:schemeClr val="accent1"/>
-          </a:lnRef>
-          <a:fillRef idx="3">
-            <a:schemeClr val="accent1"/>
-          </a:fillRef>
-          <a:effectRef idx="2">
-            <a:schemeClr val="accent1"/>
-          </a:effectRef>
-          <a:fontRef idx="minor">
-            <a:schemeClr val="lt1"/>
-          </a:fontRef>
-        </p:style>
-        <p:txBody>
-          <a:bodyPr rtlCol="0" anchor="ctr"/>
-          <a:lstStyle/>
-          <a:p>
-            <a:pPr algn="ctr"/>
-            <a:r>
-              <a:rPr lang="en-US" sz="1600" dirty="0"/>
-              <a:t>a</a:t>
-            </a:r>
-            <a:r>
-              <a:rPr lang="en-US" sz="1600" dirty="0" smtClean="0"/>
-              <a:t>pp 1.0</a:t>
-            </a:r>
-            <a:endParaRPr lang="en-US" sz="1600" dirty="0"/>
-          </a:p>
-        </p:txBody>
-      </p:sp>
-      <p:sp>
-        <p:nvSpPr>
-          <p:cNvPr id="27" name="Rectangle 26"/>
-          <p:cNvSpPr/>
-          <p:nvPr/>
-        </p:nvSpPr>
-        <p:spPr>
-          <a:xfrm>
-            <a:off x="7684308" y="3633943"/>
-            <a:ext cx="1021304" cy="497365"/>
-          </a:xfrm>
-          <a:prstGeom prst="rect">
-            <a:avLst/>
-          </a:prstGeom>
-          <a:solidFill>
-            <a:srgbClr val="008881"/>
-          </a:solidFill>
-          <a:ln w="6350">
-            <a:solidFill>
-              <a:schemeClr val="bg1"/>
-            </a:solidFill>
-          </a:ln>
-          <a:effectLst/>
-        </p:spPr>
-        <p:style>
-          <a:lnRef idx="1">
-            <a:schemeClr val="accent1"/>
-          </a:lnRef>
-          <a:fillRef idx="3">
-            <a:schemeClr val="accent1"/>
-          </a:fillRef>
-          <a:effectRef idx="2">
-            <a:schemeClr val="accent1"/>
-          </a:effectRef>
-          <a:fontRef idx="minor">
-            <a:schemeClr val="lt1"/>
-          </a:fontRef>
-        </p:style>
-        <p:txBody>
-          <a:bodyPr rtlCol="0" anchor="ctr"/>
-          <a:lstStyle/>
-          <a:p>
-            <a:pPr algn="ctr"/>
-            <a:r>
-              <a:rPr lang="en-US" sz="1600" dirty="0"/>
-              <a:t>a</a:t>
-            </a:r>
-            <a:r>
-              <a:rPr lang="en-US" sz="1600" dirty="0" smtClean="0"/>
-              <a:t>pp 1.1</a:t>
-            </a:r>
-            <a:endParaRPr lang="en-US" sz="1600" dirty="0"/>
-          </a:p>
-        </p:txBody>
-      </p:sp>
-      <p:sp>
-        <p:nvSpPr>
-          <p:cNvPr id="30" name="TextBox 29"/>
-          <p:cNvSpPr txBox="1"/>
-          <p:nvPr/>
-        </p:nvSpPr>
-        <p:spPr>
-          <a:xfrm>
-            <a:off x="6524134" y="4197342"/>
-            <a:ext cx="2619866" cy="523220"/>
-          </a:xfrm>
-          <a:prstGeom prst="rect">
-            <a:avLst/>
-          </a:prstGeom>
-          <a:noFill/>
-        </p:spPr>
-        <p:txBody>
-          <a:bodyPr wrap="square" rtlCol="0">
-            <a:spAutoFit/>
-          </a:bodyPr>
-          <a:lstStyle/>
-          <a:p>
-            <a:pPr algn="ctr"/>
-            <a:r>
-              <a:rPr lang="en-US" sz="1400" dirty="0" smtClean="0">
+              <a:rPr lang="en-US" dirty="0" smtClean="0">
                 <a:solidFill>
                   <a:srgbClr val="FFFFFF"/>
                 </a:solidFill>
@@ -17396,94 +18486,12 @@
               <a:t>After</a:t>
             </a:r>
           </a:p>
-          <a:p>
-            <a:pPr algn="ctr"/>
-            <a:r>
-              <a:rPr lang="en-US" sz="1400" dirty="0" smtClean="0">
-                <a:solidFill>
-                  <a:srgbClr val="FFFFFF"/>
-                </a:solidFill>
-              </a:rPr>
-              <a:t>(done with version 1.0)</a:t>
-            </a:r>
-          </a:p>
-        </p:txBody>
-      </p:sp>
-      <p:sp>
-        <p:nvSpPr>
-          <p:cNvPr id="31" name="TextBox 30"/>
-          <p:cNvSpPr txBox="1"/>
-          <p:nvPr/>
-        </p:nvSpPr>
-        <p:spPr>
-          <a:xfrm>
-            <a:off x="6302499" y="3633943"/>
-            <a:ext cx="1381809" cy="276999"/>
-          </a:xfrm>
-          <a:prstGeom prst="rect">
-            <a:avLst/>
-          </a:prstGeom>
-          <a:noFill/>
-        </p:spPr>
-        <p:txBody>
-          <a:bodyPr wrap="none" rtlCol="0">
-            <a:spAutoFit/>
-          </a:bodyPr>
-          <a:lstStyle/>
-          <a:p>
-            <a:r>
-              <a:rPr lang="en-US" sz="1200" dirty="0" err="1" smtClean="0">
-                <a:solidFill>
-                  <a:srgbClr val="FFFFFF"/>
-                </a:solidFill>
-              </a:rPr>
-              <a:t>myapp.cfapps.io</a:t>
-            </a:r>
-            <a:endParaRPr lang="en-US" sz="1200" dirty="0" smtClean="0">
-              <a:solidFill>
-                <a:srgbClr val="FFFFFF"/>
-              </a:solidFill>
-            </a:endParaRPr>
-          </a:p>
-        </p:txBody>
-      </p:sp>
-      <p:cxnSp>
-        <p:nvCxnSpPr>
-          <p:cNvPr id="32" name="Straight Arrow Connector 31"/>
-          <p:cNvCxnSpPr/>
-          <p:nvPr/>
-        </p:nvCxnSpPr>
-        <p:spPr>
-          <a:xfrm>
-            <a:off x="6920550" y="3910942"/>
-            <a:ext cx="763758" cy="0"/>
-          </a:xfrm>
-          <a:prstGeom prst="straightConnector1">
-            <a:avLst/>
-          </a:prstGeom>
-          <a:ln>
-            <a:tailEnd type="arrow"/>
-          </a:ln>
-        </p:spPr>
-        <p:style>
-          <a:lnRef idx="2">
-            <a:schemeClr val="accent1"/>
-          </a:lnRef>
-          <a:fillRef idx="0">
-            <a:schemeClr val="accent1"/>
-          </a:fillRef>
-          <a:effectRef idx="1">
-            <a:schemeClr val="accent1"/>
-          </a:effectRef>
-          <a:fontRef idx="minor">
-            <a:schemeClr val="tx1"/>
-          </a:fontRef>
-        </p:style>
-      </p:cxnSp>
+        </p:txBody>
+      </p:sp>
     </p:spTree>
     <p:extLst>
       <p:ext uri="{BB962C8B-B14F-4D97-AF65-F5344CB8AC3E}">
-        <p14:creationId xmlns:p14="http://schemas.microsoft.com/office/powerpoint/2010/main" val="1969225653"/>
+        <p14:creationId xmlns:p14="http://schemas.microsoft.com/office/powerpoint/2010/main" val="3061432597"/>
       </p:ext>
     </p:extLst>
   </p:cSld>
@@ -17533,7 +18541,7 @@
         <p:spPr>
           <a:xfrm>
             <a:off x="-125618" y="407953"/>
-            <a:ext cx="9269618" cy="585514"/>
+            <a:ext cx="9175258" cy="585514"/>
           </a:xfrm>
           <a:prstGeom prst="rect">
             <a:avLst/>
@@ -17552,14 +18560,14 @@
               <a:buNone/>
             </a:pPr>
             <a:r>
-              <a:rPr lang="en-US" sz="3200" dirty="0" smtClean="0">
+              <a:rPr lang="en-US" dirty="0" smtClean="0">
                 <a:solidFill>
                   <a:schemeClr val="accent1"/>
                 </a:solidFill>
               </a:rPr>
-              <a:t>Slowly Turning on Traffic using Instances</a:t>
-            </a:r>
-            <a:endParaRPr lang="en-US" sz="3200" dirty="0">
+              <a:t>Blue-Green Deployments using Routes</a:t>
+            </a:r>
+            <a:endParaRPr lang="en-US" dirty="0">
               <a:solidFill>
                 <a:schemeClr val="accent1"/>
               </a:solidFill>
@@ -17578,7 +18586,7 @@
         <p:spPr>
           <a:xfrm>
             <a:off x="323987" y="1241298"/>
-            <a:ext cx="8583559" cy="1734006"/>
+            <a:ext cx="8583559" cy="1609664"/>
           </a:xfrm>
           <a:prstGeom prst="rect">
             <a:avLst/>
@@ -17734,27 +18742,36 @@
               <a:buChar char="•"/>
             </a:pPr>
             <a:r>
-              <a:rPr lang="en-US" sz="2000" dirty="0">
+              <a:rPr lang="en-US" sz="2000" dirty="0" smtClean="0">
                 <a:solidFill>
                   <a:srgbClr val="FFFFFF"/>
                 </a:solidFill>
               </a:rPr>
-              <a:t>Start with four instance of blue, one instance of green</a:t>
-            </a:r>
-          </a:p>
-          <a:p>
-            <a:pPr marL="742950" lvl="2" indent="-342900">
-              <a:buClr>
-                <a:schemeClr val="bg2"/>
-              </a:buClr>
-            </a:pPr>
-            <a:r>
-              <a:rPr lang="en-US" sz="1600" dirty="0">
+              <a:t>Main idea: you always want </a:t>
+            </a:r>
+            <a:r>
+              <a:rPr lang="en-US" sz="2000" b="1" i="1" dirty="0" err="1" smtClean="0">
                 <a:solidFill>
                   <a:srgbClr val="FFFFFF"/>
                 </a:solidFill>
               </a:rPr>
-              <a:t>80% of traffic will use version 1.0</a:t>
+              <a:t>myapp.cfapps.io</a:t>
+            </a:r>
+            <a:r>
+              <a:rPr lang="en-US" sz="2000" i="1" dirty="0" smtClean="0">
+                <a:solidFill>
+                  <a:srgbClr val="FFFFFF"/>
+                </a:solidFill>
+              </a:rPr>
+              <a:t> </a:t>
+            </a:r>
+            <a:r>
+              <a:rPr lang="en-US" sz="2000" dirty="0" smtClean="0">
+                <a:solidFill>
+                  <a:srgbClr val="FFFFFF"/>
+                </a:solidFill>
+              </a:rPr>
+              <a:t>to be good</a:t>
             </a:r>
           </a:p>
           <a:p>
@@ -17771,25 +18788,37 @@
                   <a:srgbClr val="FFFFFF"/>
                 </a:solidFill>
               </a:rPr>
-              <a:t>Decrease blue instance, increase green instances as confidence builds</a:t>
-            </a:r>
-            <a:endParaRPr lang="en-US" sz="2000" dirty="0">
-              <a:solidFill>
-                <a:srgbClr val="FFFFFF"/>
-              </a:solidFill>
-            </a:endParaRPr>
-          </a:p>
-        </p:txBody>
-      </p:sp>
-      <p:sp>
-        <p:nvSpPr>
-          <p:cNvPr id="17" name="Rectangle 16"/>
+              <a:t>Use routes to achieve this</a:t>
+            </a:r>
+          </a:p>
+          <a:p>
+            <a:pPr marL="342900" lvl="1" indent="-342900">
+              <a:buClr>
+                <a:schemeClr val="bg2"/>
+              </a:buClr>
+              <a:buFont typeface="Arial"/>
+              <a:buChar char="•"/>
+            </a:pPr>
+            <a:r>
+              <a:rPr lang="en-US" sz="2000" dirty="0" smtClean="0">
+                <a:solidFill>
+                  <a:srgbClr val="FFFFFF"/>
+                </a:solidFill>
+              </a:rPr>
+              <a:t>Because you are in a single space, multiple application can use the same routes</a:t>
+            </a:r>
+          </a:p>
+        </p:txBody>
+      </p:sp>
+      <p:sp>
+        <p:nvSpPr>
+          <p:cNvPr id="2" name="Rectangle 1"/>
           <p:cNvSpPr/>
           <p:nvPr/>
         </p:nvSpPr>
         <p:spPr>
           <a:xfrm>
-            <a:off x="2786804" y="3064111"/>
+            <a:off x="1906170" y="2984178"/>
             <a:ext cx="1021304" cy="497365"/>
           </a:xfrm>
           <a:prstGeom prst="rect">
@@ -17841,13 +18870,13 @@
       </p:sp>
       <p:sp>
         <p:nvSpPr>
-          <p:cNvPr id="18" name="Rectangle 17"/>
+          <p:cNvPr id="6" name="Rectangle 5"/>
           <p:cNvSpPr/>
           <p:nvPr/>
         </p:nvSpPr>
         <p:spPr>
           <a:xfrm>
-            <a:off x="2786804" y="3811573"/>
+            <a:off x="1906170" y="3633943"/>
             <a:ext cx="1021304" cy="497365"/>
           </a:xfrm>
           <a:prstGeom prst="rect">
@@ -17896,15 +18925,15 @@
       </p:sp>
       <p:cxnSp>
         <p:nvCxnSpPr>
-          <p:cNvPr id="19" name="Straight Arrow Connector 18"/>
+          <p:cNvPr id="7" name="Straight Arrow Connector 6"/>
           <p:cNvCxnSpPr>
-            <a:endCxn id="17" idx="1"/>
+            <a:endCxn id="2" idx="1"/>
           </p:cNvCxnSpPr>
           <p:nvPr/>
         </p:nvCxnSpPr>
         <p:spPr>
           <a:xfrm>
-            <a:off x="2023046" y="3312794"/>
+            <a:off x="1142412" y="3232861"/>
             <a:ext cx="763758" cy="0"/>
           </a:xfrm>
           <a:prstGeom prst="straightConnector1">
@@ -17931,13 +18960,13 @@
       </p:cxnSp>
       <p:sp>
         <p:nvSpPr>
-          <p:cNvPr id="20" name="TextBox 19"/>
+          <p:cNvPr id="9" name="TextBox 8"/>
           <p:cNvSpPr txBox="1"/>
           <p:nvPr/>
         </p:nvSpPr>
         <p:spPr>
           <a:xfrm>
-            <a:off x="1469201" y="2984186"/>
+            <a:off x="588567" y="2904253"/>
             <a:ext cx="1381809" cy="276999"/>
           </a:xfrm>
           <a:prstGeom prst="rect">
@@ -17977,14 +19006,59 @@
       </p:sp>
       <p:sp>
         <p:nvSpPr>
-          <p:cNvPr id="22" name="TextBox 21"/>
+          <p:cNvPr id="11" name="TextBox 10"/>
           <p:cNvSpPr txBox="1"/>
           <p:nvPr/>
         </p:nvSpPr>
         <p:spPr>
           <a:xfrm>
-            <a:off x="1437529" y="3811573"/>
-            <a:ext cx="1381809" cy="276999"/>
+            <a:off x="745996" y="4197342"/>
+            <a:ext cx="2619866" cy="523220"/>
+          </a:xfrm>
+          <a:prstGeom prst="rect">
+            <a:avLst/>
+          </a:prstGeom>
+          <a:noFill/>
+        </p:spPr>
+        <p:txBody>
+          <a:bodyPr wrap="square" rtlCol="0">
+            <a:spAutoFit/>
+          </a:bodyPr>
+          <a:lstStyle/>
+          <a:p>
+            <a:pPr algn="ctr"/>
+            <a:r>
+              <a:rPr lang="en-US" sz="1400" dirty="0" smtClean="0">
+                <a:solidFill>
+                  <a:srgbClr val="FFFFFF"/>
+                </a:solidFill>
+              </a:rPr>
+              <a:t>Before</a:t>
+            </a:r>
+          </a:p>
+          <a:p>
+            <a:pPr algn="ctr"/>
+            <a:r>
+              <a:rPr lang="en-US" sz="1400" dirty="0" smtClean="0">
+                <a:solidFill>
+                  <a:srgbClr val="FFFFFF"/>
+                </a:solidFill>
+              </a:rPr>
+              <a:t>(working on version 1.1)</a:t>
+            </a:r>
+          </a:p>
+        </p:txBody>
+      </p:sp>
+      <p:sp>
+        <p:nvSpPr>
+          <p:cNvPr id="17" name="TextBox 16"/>
+          <p:cNvSpPr txBox="1"/>
+          <p:nvPr/>
+        </p:nvSpPr>
+        <p:spPr>
+          <a:xfrm>
+            <a:off x="325989" y="3633943"/>
+            <a:ext cx="1622034" cy="276999"/>
           </a:xfrm>
           <a:prstGeom prst="rect">
             <a:avLst/>
@@ -18003,7 +19077,7 @@
                   <a:srgbClr val="FFFFFF"/>
                 </a:solidFill>
               </a:rPr>
-              <a:t>myapp.cfapps.io</a:t>
+              <a:t>myappdev.cfapps.io</a:t>
             </a:r>
             <a:endParaRPr lang="en-US" sz="1200" dirty="0" smtClean="0">
               <a:solidFill>
@@ -18015,13 +19089,13 @@
       </p:sp>
       <p:cxnSp>
         <p:nvCxnSpPr>
-          <p:cNvPr id="23" name="Straight Arrow Connector 22"/>
+          <p:cNvPr id="18" name="Straight Arrow Connector 17"/>
           <p:cNvCxnSpPr/>
           <p:nvPr/>
         </p:nvCxnSpPr>
         <p:spPr>
           <a:xfrm>
-            <a:off x="2023046" y="4088572"/>
+            <a:off x="1142412" y="3910942"/>
             <a:ext cx="763758" cy="0"/>
           </a:xfrm>
           <a:prstGeom prst="straightConnector1">
@@ -18048,13 +19122,13 @@
       </p:cxnSp>
       <p:sp>
         <p:nvSpPr>
-          <p:cNvPr id="28" name="Rectangle 27"/>
+          <p:cNvPr id="19" name="Rectangle 18"/>
           <p:cNvSpPr/>
           <p:nvPr/>
         </p:nvSpPr>
         <p:spPr>
           <a:xfrm>
-            <a:off x="2851010" y="3012502"/>
+            <a:off x="4847173" y="2957528"/>
             <a:ext cx="1021304" cy="497365"/>
           </a:xfrm>
           <a:prstGeom prst="rect">
@@ -18106,13 +19180,265 @@
       </p:sp>
       <p:sp>
         <p:nvSpPr>
-          <p:cNvPr id="29" name="Rectangle 28"/>
+          <p:cNvPr id="20" name="Rectangle 19"/>
           <p:cNvSpPr/>
           <p:nvPr/>
         </p:nvSpPr>
         <p:spPr>
           <a:xfrm>
-            <a:off x="2931748" y="2951482"/>
+            <a:off x="4847173" y="3607293"/>
+            <a:ext cx="1021304" cy="497365"/>
+          </a:xfrm>
+          <a:prstGeom prst="rect">
+            <a:avLst/>
+          </a:prstGeom>
+          <a:solidFill>
+            <a:srgbClr val="008881"/>
+          </a:solidFill>
+          <a:ln w="6350">
+            <a:solidFill>
+              <a:schemeClr val="bg1"/>
+            </a:solidFill>
+          </a:ln>
+          <a:effectLst/>
+        </p:spPr>
+        <p:style>
+          <a:lnRef idx="1">
+            <a:schemeClr val="accent1"/>
+          </a:lnRef>
+          <a:fillRef idx="3">
+            <a:schemeClr val="accent1"/>
+          </a:fillRef>
+          <a:effectRef idx="2">
+            <a:schemeClr val="accent1"/>
+          </a:effectRef>
+          <a:fontRef idx="minor">
+            <a:schemeClr val="lt1"/>
+          </a:fontRef>
+        </p:style>
+        <p:txBody>
+          <a:bodyPr rtlCol="0" anchor="ctr"/>
+          <a:lstStyle/>
+          <a:p>
+            <a:pPr algn="ctr"/>
+            <a:r>
+              <a:rPr lang="en-US" sz="1600" dirty="0"/>
+              <a:t>a</a:t>
+            </a:r>
+            <a:r>
+              <a:rPr lang="en-US" sz="1600" dirty="0" smtClean="0"/>
+              <a:t>pp 1.1</a:t>
+            </a:r>
+            <a:endParaRPr lang="en-US" sz="1600" dirty="0"/>
+          </a:p>
+        </p:txBody>
+      </p:sp>
+      <p:cxnSp>
+        <p:nvCxnSpPr>
+          <p:cNvPr id="21" name="Straight Arrow Connector 20"/>
+          <p:cNvCxnSpPr>
+            <a:endCxn id="19" idx="1"/>
+          </p:cNvCxnSpPr>
+          <p:nvPr/>
+        </p:nvCxnSpPr>
+        <p:spPr>
+          <a:xfrm>
+            <a:off x="4083415" y="3206211"/>
+            <a:ext cx="763758" cy="0"/>
+          </a:xfrm>
+          <a:prstGeom prst="straightConnector1">
+            <a:avLst/>
+          </a:prstGeom>
+          <a:ln>
+            <a:tailEnd type="arrow"/>
+          </a:ln>
+        </p:spPr>
+        <p:style>
+          <a:lnRef idx="2">
+            <a:schemeClr val="accent1"/>
+          </a:lnRef>
+          <a:fillRef idx="0">
+            <a:schemeClr val="accent1"/>
+          </a:fillRef>
+          <a:effectRef idx="1">
+            <a:schemeClr val="accent1"/>
+          </a:effectRef>
+          <a:fontRef idx="minor">
+            <a:schemeClr val="tx1"/>
+          </a:fontRef>
+        </p:style>
+      </p:cxnSp>
+      <p:sp>
+        <p:nvSpPr>
+          <p:cNvPr id="22" name="TextBox 21"/>
+          <p:cNvSpPr txBox="1"/>
+          <p:nvPr/>
+        </p:nvSpPr>
+        <p:spPr>
+          <a:xfrm>
+            <a:off x="3529570" y="2877603"/>
+            <a:ext cx="1381809" cy="276999"/>
+          </a:xfrm>
+          <a:prstGeom prst="rect">
+            <a:avLst/>
+          </a:prstGeom>
+          <a:noFill/>
+        </p:spPr>
+        <p:txBody>
+          <a:bodyPr wrap="none" rtlCol="0">
+            <a:spAutoFit/>
+          </a:bodyPr>
+          <a:lstStyle/>
+          <a:p>
+            <a:r>
+              <a:rPr lang="en-US" sz="1200" dirty="0" err="1">
+                <a:solidFill>
+                  <a:srgbClr val="FFFFFF"/>
+                </a:solidFill>
+              </a:rPr>
+              <a:t>m</a:t>
+            </a:r>
+            <a:r>
+              <a:rPr lang="en-US" sz="1200" dirty="0" err="1" smtClean="0">
+                <a:solidFill>
+                  <a:srgbClr val="FFFFFF"/>
+                </a:solidFill>
+              </a:rPr>
+              <a:t>yapp.cfapps.io</a:t>
+            </a:r>
+            <a:endParaRPr lang="en-US" sz="1200" dirty="0" smtClean="0">
+              <a:solidFill>
+                <a:srgbClr val="FFFFFF"/>
+              </a:solidFill>
+            </a:endParaRPr>
+          </a:p>
+        </p:txBody>
+      </p:sp>
+      <p:sp>
+        <p:nvSpPr>
+          <p:cNvPr id="23" name="TextBox 22"/>
+          <p:cNvSpPr txBox="1"/>
+          <p:nvPr/>
+        </p:nvSpPr>
+        <p:spPr>
+          <a:xfrm>
+            <a:off x="3686999" y="4170692"/>
+            <a:ext cx="2619866" cy="523220"/>
+          </a:xfrm>
+          <a:prstGeom prst="rect">
+            <a:avLst/>
+          </a:prstGeom>
+          <a:noFill/>
+        </p:spPr>
+        <p:txBody>
+          <a:bodyPr wrap="square" rtlCol="0">
+            <a:spAutoFit/>
+          </a:bodyPr>
+          <a:lstStyle/>
+          <a:p>
+            <a:pPr algn="ctr"/>
+            <a:r>
+              <a:rPr lang="en-US" sz="1400" dirty="0" smtClean="0">
+                <a:solidFill>
+                  <a:srgbClr val="FFFFFF"/>
+                </a:solidFill>
+              </a:rPr>
+              <a:t>During</a:t>
+            </a:r>
+          </a:p>
+          <a:p>
+            <a:pPr algn="ctr"/>
+            <a:r>
+              <a:rPr lang="en-US" sz="1400" dirty="0" smtClean="0">
+                <a:solidFill>
+                  <a:srgbClr val="FFFFFF"/>
+                </a:solidFill>
+              </a:rPr>
+              <a:t>(version 1.1 is ready)</a:t>
+            </a:r>
+          </a:p>
+        </p:txBody>
+      </p:sp>
+      <p:sp>
+        <p:nvSpPr>
+          <p:cNvPr id="24" name="TextBox 23"/>
+          <p:cNvSpPr txBox="1"/>
+          <p:nvPr/>
+        </p:nvSpPr>
+        <p:spPr>
+          <a:xfrm>
+            <a:off x="3497898" y="3607293"/>
+            <a:ext cx="1381809" cy="276999"/>
+          </a:xfrm>
+          <a:prstGeom prst="rect">
+            <a:avLst/>
+          </a:prstGeom>
+          <a:noFill/>
+        </p:spPr>
+        <p:txBody>
+          <a:bodyPr wrap="none" rtlCol="0">
+            <a:spAutoFit/>
+          </a:bodyPr>
+          <a:lstStyle/>
+          <a:p>
+            <a:r>
+              <a:rPr lang="en-US" sz="1200" dirty="0" err="1" smtClean="0">
+                <a:solidFill>
+                  <a:srgbClr val="FFFFFF"/>
+                </a:solidFill>
+              </a:rPr>
+              <a:t>myapp.cfapps.io</a:t>
+            </a:r>
+            <a:endParaRPr lang="en-US" sz="1200" dirty="0" smtClean="0">
+              <a:solidFill>
+                <a:srgbClr val="FFFFFF"/>
+              </a:solidFill>
+            </a:endParaRPr>
+          </a:p>
+        </p:txBody>
+      </p:sp>
+      <p:cxnSp>
+        <p:nvCxnSpPr>
+          <p:cNvPr id="25" name="Straight Arrow Connector 24"/>
+          <p:cNvCxnSpPr/>
+          <p:nvPr/>
+        </p:nvCxnSpPr>
+        <p:spPr>
+          <a:xfrm>
+            <a:off x="4083415" y="3884292"/>
+            <a:ext cx="763758" cy="0"/>
+          </a:xfrm>
+          <a:prstGeom prst="straightConnector1">
+            <a:avLst/>
+          </a:prstGeom>
+          <a:ln>
+            <a:tailEnd type="arrow"/>
+          </a:ln>
+        </p:spPr>
+        <p:style>
+          <a:lnRef idx="2">
+            <a:schemeClr val="accent1"/>
+          </a:lnRef>
+          <a:fillRef idx="0">
+            <a:schemeClr val="accent1"/>
+          </a:fillRef>
+          <a:effectRef idx="1">
+            <a:schemeClr val="accent1"/>
+          </a:effectRef>
+          <a:fontRef idx="minor">
+            <a:schemeClr val="tx1"/>
+          </a:fontRef>
+        </p:style>
+      </p:cxnSp>
+      <p:sp>
+        <p:nvSpPr>
+          <p:cNvPr id="26" name="Rectangle 25"/>
+          <p:cNvSpPr/>
+          <p:nvPr/>
+        </p:nvSpPr>
+        <p:spPr>
+          <a:xfrm>
+            <a:off x="7684308" y="2984178"/>
             <a:ext cx="1021304" cy="497365"/>
           </a:xfrm>
           <a:prstGeom prst="rect">
@@ -18164,71 +19490,13 @@
       </p:sp>
       <p:sp>
         <p:nvSpPr>
-          <p:cNvPr id="30" name="Rectangle 29"/>
+          <p:cNvPr id="27" name="Rectangle 26"/>
           <p:cNvSpPr/>
           <p:nvPr/>
         </p:nvSpPr>
         <p:spPr>
           <a:xfrm>
-            <a:off x="3057505" y="2815429"/>
-            <a:ext cx="1021304" cy="497365"/>
-          </a:xfrm>
-          <a:prstGeom prst="rect">
-            <a:avLst/>
-          </a:prstGeom>
-          <a:solidFill>
-            <a:schemeClr val="accent4">
-              <a:lumMod val="40000"/>
-              <a:lumOff val="60000"/>
-            </a:schemeClr>
-          </a:solidFill>
-          <a:ln w="6350">
-            <a:solidFill>
-              <a:schemeClr val="bg1"/>
-            </a:solidFill>
-          </a:ln>
-          <a:effectLst/>
-        </p:spPr>
-        <p:style>
-          <a:lnRef idx="1">
-            <a:schemeClr val="accent1"/>
-          </a:lnRef>
-          <a:fillRef idx="3">
-            <a:schemeClr val="accent1"/>
-          </a:fillRef>
-          <a:effectRef idx="2">
-            <a:schemeClr val="accent1"/>
-          </a:effectRef>
-          <a:fontRef idx="minor">
-            <a:schemeClr val="lt1"/>
-          </a:fontRef>
-        </p:style>
-        <p:txBody>
-          <a:bodyPr rtlCol="0" anchor="ctr"/>
-          <a:lstStyle/>
-          <a:p>
-            <a:pPr algn="ctr"/>
-            <a:r>
-              <a:rPr lang="en-US" sz="1600" dirty="0"/>
-              <a:t>a</a:t>
-            </a:r>
-            <a:r>
-              <a:rPr lang="en-US" sz="1600" dirty="0" smtClean="0"/>
-              <a:t>pp 1.0</a:t>
-            </a:r>
-            <a:endParaRPr lang="en-US" sz="1600" dirty="0"/>
-          </a:p>
-        </p:txBody>
-      </p:sp>
-      <p:sp>
-        <p:nvSpPr>
-          <p:cNvPr id="31" name="Rectangle 30"/>
-          <p:cNvSpPr/>
-          <p:nvPr/>
-        </p:nvSpPr>
-        <p:spPr>
-          <a:xfrm>
-            <a:off x="6553731" y="3728667"/>
+            <a:off x="7684308" y="3633943"/>
             <a:ext cx="1021304" cy="497365"/>
           </a:xfrm>
           <a:prstGeom prst="rect">
@@ -18277,13 +19545,58 @@
       </p:sp>
       <p:sp>
         <p:nvSpPr>
-          <p:cNvPr id="32" name="TextBox 31"/>
+          <p:cNvPr id="30" name="TextBox 29"/>
           <p:cNvSpPr txBox="1"/>
           <p:nvPr/>
         </p:nvSpPr>
         <p:spPr>
           <a:xfrm>
-            <a:off x="5204456" y="3728667"/>
+            <a:off x="6524134" y="4197342"/>
+            <a:ext cx="2619866" cy="523220"/>
+          </a:xfrm>
+          <a:prstGeom prst="rect">
+            <a:avLst/>
+          </a:prstGeom>
+          <a:noFill/>
+        </p:spPr>
+        <p:txBody>
+          <a:bodyPr wrap="square" rtlCol="0">
+            <a:spAutoFit/>
+          </a:bodyPr>
+          <a:lstStyle/>
+          <a:p>
+            <a:pPr algn="ctr"/>
+            <a:r>
+              <a:rPr lang="en-US" sz="1400" dirty="0" smtClean="0">
+                <a:solidFill>
+                  <a:srgbClr val="FFFFFF"/>
+                </a:solidFill>
+              </a:rPr>
+              <a:t>After</a:t>
+            </a:r>
+          </a:p>
+          <a:p>
+            <a:pPr algn="ctr"/>
+            <a:r>
+              <a:rPr lang="en-US" sz="1400" dirty="0" smtClean="0">
+                <a:solidFill>
+                  <a:srgbClr val="FFFFFF"/>
+                </a:solidFill>
+              </a:rPr>
+              <a:t>(done with version 1.0)</a:t>
+            </a:r>
+          </a:p>
+        </p:txBody>
+      </p:sp>
+      <p:sp>
+        <p:nvSpPr>
+          <p:cNvPr id="31" name="TextBox 30"/>
+          <p:cNvSpPr txBox="1"/>
+          <p:nvPr/>
+        </p:nvSpPr>
+        <p:spPr>
+          <a:xfrm>
+            <a:off x="6302499" y="3633943"/>
             <a:ext cx="1381809" cy="276999"/>
           </a:xfrm>
           <a:prstGeom prst="rect">
@@ -18315,13 +19628,13 @@
       </p:sp>
       <p:cxnSp>
         <p:nvCxnSpPr>
-          <p:cNvPr id="33" name="Straight Arrow Connector 32"/>
+          <p:cNvPr id="32" name="Straight Arrow Connector 31"/>
           <p:cNvCxnSpPr/>
           <p:nvPr/>
         </p:nvCxnSpPr>
         <p:spPr>
           <a:xfrm>
-            <a:off x="5789973" y="4005666"/>
+            <a:off x="6920550" y="3910942"/>
             <a:ext cx="763758" cy="0"/>
           </a:xfrm>
           <a:prstGeom prst="straightConnector1">
@@ -18346,175 +19659,10 @@
           </a:fontRef>
         </p:style>
       </p:cxnSp>
-      <p:sp>
-        <p:nvSpPr>
-          <p:cNvPr id="37" name="Rectangle 36"/>
-          <p:cNvSpPr/>
-          <p:nvPr/>
-        </p:nvSpPr>
-        <p:spPr>
-          <a:xfrm>
-            <a:off x="6706131" y="3632384"/>
-            <a:ext cx="1021304" cy="497365"/>
-          </a:xfrm>
-          <a:prstGeom prst="rect">
-            <a:avLst/>
-          </a:prstGeom>
-          <a:solidFill>
-            <a:srgbClr val="008881"/>
-          </a:solidFill>
-          <a:ln w="6350">
-            <a:solidFill>
-              <a:schemeClr val="bg1"/>
-            </a:solidFill>
-          </a:ln>
-          <a:effectLst/>
-        </p:spPr>
-        <p:style>
-          <a:lnRef idx="1">
-            <a:schemeClr val="accent1"/>
-          </a:lnRef>
-          <a:fillRef idx="3">
-            <a:schemeClr val="accent1"/>
-          </a:fillRef>
-          <a:effectRef idx="2">
-            <a:schemeClr val="accent1"/>
-          </a:effectRef>
-          <a:fontRef idx="minor">
-            <a:schemeClr val="lt1"/>
-          </a:fontRef>
-        </p:style>
-        <p:txBody>
-          <a:bodyPr rtlCol="0" anchor="ctr"/>
-          <a:lstStyle/>
-          <a:p>
-            <a:pPr algn="ctr"/>
-            <a:r>
-              <a:rPr lang="en-US" sz="1600" dirty="0"/>
-              <a:t>a</a:t>
-            </a:r>
-            <a:r>
-              <a:rPr lang="en-US" sz="1600" dirty="0" smtClean="0"/>
-              <a:t>pp 1.1</a:t>
-            </a:r>
-            <a:endParaRPr lang="en-US" sz="1600" dirty="0"/>
-          </a:p>
-        </p:txBody>
-      </p:sp>
-      <p:sp>
-        <p:nvSpPr>
-          <p:cNvPr id="38" name="Rectangle 37"/>
-          <p:cNvSpPr/>
-          <p:nvPr/>
-        </p:nvSpPr>
-        <p:spPr>
-          <a:xfrm>
-            <a:off x="6858531" y="3508301"/>
-            <a:ext cx="1021304" cy="497365"/>
-          </a:xfrm>
-          <a:prstGeom prst="rect">
-            <a:avLst/>
-          </a:prstGeom>
-          <a:solidFill>
-            <a:srgbClr val="008881"/>
-          </a:solidFill>
-          <a:ln w="6350">
-            <a:solidFill>
-              <a:schemeClr val="bg1"/>
-            </a:solidFill>
-          </a:ln>
-          <a:effectLst/>
-        </p:spPr>
-        <p:style>
-          <a:lnRef idx="1">
-            <a:schemeClr val="accent1"/>
-          </a:lnRef>
-          <a:fillRef idx="3">
-            <a:schemeClr val="accent1"/>
-          </a:fillRef>
-          <a:effectRef idx="2">
-            <a:schemeClr val="accent1"/>
-          </a:effectRef>
-          <a:fontRef idx="minor">
-            <a:schemeClr val="lt1"/>
-          </a:fontRef>
-        </p:style>
-        <p:txBody>
-          <a:bodyPr rtlCol="0" anchor="ctr"/>
-          <a:lstStyle/>
-          <a:p>
-            <a:pPr algn="ctr"/>
-            <a:r>
-              <a:rPr lang="en-US" sz="1600" dirty="0"/>
-              <a:t>a</a:t>
-            </a:r>
-            <a:r>
-              <a:rPr lang="en-US" sz="1600" dirty="0" smtClean="0"/>
-              <a:t>pp 1.1</a:t>
-            </a:r>
-            <a:endParaRPr lang="en-US" sz="1600" dirty="0"/>
-          </a:p>
-        </p:txBody>
-      </p:sp>
-      <p:sp>
-        <p:nvSpPr>
-          <p:cNvPr id="39" name="Rectangle 38"/>
-          <p:cNvSpPr/>
-          <p:nvPr/>
-        </p:nvSpPr>
-        <p:spPr>
-          <a:xfrm>
-            <a:off x="6948765" y="3383701"/>
-            <a:ext cx="1021304" cy="497365"/>
-          </a:xfrm>
-          <a:prstGeom prst="rect">
-            <a:avLst/>
-          </a:prstGeom>
-          <a:solidFill>
-            <a:srgbClr val="008881"/>
-          </a:solidFill>
-          <a:ln w="6350">
-            <a:solidFill>
-              <a:schemeClr val="bg1"/>
-            </a:solidFill>
-          </a:ln>
-          <a:effectLst/>
-        </p:spPr>
-        <p:style>
-          <a:lnRef idx="1">
-            <a:schemeClr val="accent1"/>
-          </a:lnRef>
-          <a:fillRef idx="3">
-            <a:schemeClr val="accent1"/>
-          </a:fillRef>
-          <a:effectRef idx="2">
-            <a:schemeClr val="accent1"/>
-          </a:effectRef>
-          <a:fontRef idx="minor">
-            <a:schemeClr val="lt1"/>
-          </a:fontRef>
-        </p:style>
-        <p:txBody>
-          <a:bodyPr rtlCol="0" anchor="ctr"/>
-          <a:lstStyle/>
-          <a:p>
-            <a:pPr algn="ctr"/>
-            <a:r>
-              <a:rPr lang="en-US" sz="1600" dirty="0"/>
-              <a:t>a</a:t>
-            </a:r>
-            <a:r>
-              <a:rPr lang="en-US" sz="1600" dirty="0" smtClean="0"/>
-              <a:t>pp 1.1</a:t>
-            </a:r>
-            <a:endParaRPr lang="en-US" sz="1600" dirty="0"/>
-          </a:p>
-        </p:txBody>
-      </p:sp>
     </p:spTree>
     <p:extLst>
       <p:ext uri="{BB962C8B-B14F-4D97-AF65-F5344CB8AC3E}">
-        <p14:creationId xmlns:p14="http://schemas.microsoft.com/office/powerpoint/2010/main" val="339274954"/>
+        <p14:creationId xmlns:p14="http://schemas.microsoft.com/office/powerpoint/2010/main" val="1969225653"/>
       </p:ext>
     </p:extLst>
   </p:cSld>
@@ -18539,7 +19687,7 @@
   <p:cSld>
     <p:spTree>
       <p:nvGrpSpPr>
-        <p:cNvPr id="1" name=""/>
+        <p:cNvPr id="1" name="Shape 2187"/>
         <p:cNvGrpSpPr/>
         <p:nvPr/>
       </p:nvGrpSpPr>
@@ -18553,28 +19701,44 @@
       </p:grpSpPr>
       <p:sp>
         <p:nvSpPr>
-          <p:cNvPr id="2" name="Title 1"/>
-          <p:cNvSpPr>
+          <p:cNvPr id="2188" name="Shape 2188"/>
+          <p:cNvSpPr txBox="1">
             <a:spLocks noGrp="1"/>
           </p:cNvSpPr>
           <p:nvPr>
             <p:ph type="title"/>
           </p:nvPr>
         </p:nvSpPr>
-        <p:spPr/>
-        <p:txBody>
-          <a:bodyPr/>
+        <p:spPr>
+          <a:xfrm>
+            <a:off x="-125618" y="407953"/>
+            <a:ext cx="9269618" cy="585514"/>
+          </a:xfrm>
+          <a:prstGeom prst="rect">
+            <a:avLst/>
+          </a:prstGeom>
+        </p:spPr>
+        <p:txBody>
+          <a:bodyPr lIns="91425" tIns="91425" rIns="91425" bIns="91425" anchor="t" anchorCtr="0">
+            <a:noAutofit/>
+          </a:bodyPr>
           <a:lstStyle/>
           <a:p>
-            <a:r>
-              <a:rPr lang="en-US" dirty="0" smtClean="0">
+            <a:pPr lvl="0">
+              <a:spcBef>
+                <a:spcPts val="0"/>
+              </a:spcBef>
+              <a:buNone/>
+            </a:pPr>
+            <a:r>
+              <a:rPr lang="en-US" sz="3200" dirty="0" smtClean="0">
                 <a:solidFill>
                   <a:schemeClr val="accent1"/>
                 </a:solidFill>
               </a:rPr>
-              <a:t>Domains – Behind the Scenes</a:t>
-            </a:r>
-            <a:endParaRPr lang="en-US" dirty="0">
+              <a:t>Slowly Turning on Traffic using Instances</a:t>
+            </a:r>
+            <a:endParaRPr lang="en-US" sz="3200" dirty="0">
               <a:solidFill>
                 <a:schemeClr val="accent1"/>
               </a:solidFill>
@@ -18584,30 +19748,164 @@
       </p:sp>
       <p:sp>
         <p:nvSpPr>
-          <p:cNvPr id="3" name="Text Placeholder 2"/>
-          <p:cNvSpPr>
-            <a:spLocks noGrp="1"/>
+          <p:cNvPr id="4" name="Text Placeholder 2"/>
+          <p:cNvSpPr txBox="1">
+            <a:spLocks/>
           </p:cNvSpPr>
-          <p:nvPr>
-            <p:ph sz="quarter" idx="10"/>
-          </p:nvPr>
-        </p:nvSpPr>
-        <p:spPr>
-          <a:xfrm>
-            <a:off x="457200" y="1108074"/>
-            <a:ext cx="4320726" cy="3146166"/>
+          <p:nvPr/>
+        </p:nvSpPr>
+        <p:spPr>
+          <a:xfrm>
+            <a:off x="323987" y="1241298"/>
+            <a:ext cx="8583559" cy="1734006"/>
           </a:xfrm>
           <a:prstGeom prst="rect">
             <a:avLst/>
           </a:prstGeom>
         </p:spPr>
         <p:txBody>
-          <a:bodyPr>
+          <a:bodyPr vert="horz" lIns="91440" tIns="45720" rIns="91440" bIns="45720" rtlCol="0">
             <a:normAutofit/>
           </a:bodyPr>
-          <a:lstStyle/>
-          <a:p>
-            <a:pPr marL="342900" indent="-342900">
+          <a:lstStyle>
+            <a:lvl1pPr marL="0" indent="0" algn="ctr" defTabSz="457200" rtl="0" eaLnBrk="1" latinLnBrk="0" hangingPunct="1">
+              <a:spcBef>
+                <a:spcPct val="20000"/>
+              </a:spcBef>
+              <a:buFont typeface="Arial"/>
+              <a:buNone/>
+              <a:defRPr sz="2400" kern="1200">
+                <a:solidFill>
+                  <a:schemeClr val="bg1"/>
+                </a:solidFill>
+                <a:latin typeface="+mn-lt"/>
+                <a:ea typeface="+mn-ea"/>
+                <a:cs typeface="+mn-cs"/>
+              </a:defRPr>
+            </a:lvl1pPr>
+            <a:lvl2pPr marL="742950" indent="-285750" algn="l" defTabSz="457200" rtl="0" eaLnBrk="1" latinLnBrk="0" hangingPunct="1">
+              <a:spcBef>
+                <a:spcPct val="20000"/>
+              </a:spcBef>
+              <a:buFont typeface="Arial"/>
+              <a:buChar char="–"/>
+              <a:defRPr sz="2400" kern="1200">
+                <a:solidFill>
+                  <a:srgbClr val="878787"/>
+                </a:solidFill>
+                <a:latin typeface="+mn-lt"/>
+                <a:ea typeface="+mn-ea"/>
+                <a:cs typeface="+mn-cs"/>
+              </a:defRPr>
+            </a:lvl2pPr>
+            <a:lvl3pPr marL="1143000" indent="-228600" algn="l" defTabSz="457200" rtl="0" eaLnBrk="1" latinLnBrk="0" hangingPunct="1">
+              <a:spcBef>
+                <a:spcPct val="20000"/>
+              </a:spcBef>
+              <a:buFont typeface="Arial"/>
+              <a:buChar char="•"/>
+              <a:defRPr sz="2000" kern="1200">
+                <a:solidFill>
+                  <a:srgbClr val="878787"/>
+                </a:solidFill>
+                <a:latin typeface="+mn-lt"/>
+                <a:ea typeface="+mn-ea"/>
+                <a:cs typeface="+mn-cs"/>
+              </a:defRPr>
+            </a:lvl3pPr>
+            <a:lvl4pPr marL="1600200" indent="-228600" algn="l" defTabSz="457200" rtl="0" eaLnBrk="1" latinLnBrk="0" hangingPunct="1">
+              <a:spcBef>
+                <a:spcPct val="20000"/>
+              </a:spcBef>
+              <a:buFont typeface="Arial"/>
+              <a:buChar char="–"/>
+              <a:defRPr sz="1800" kern="1200">
+                <a:solidFill>
+                  <a:srgbClr val="878787"/>
+                </a:solidFill>
+                <a:latin typeface="+mn-lt"/>
+                <a:ea typeface="+mn-ea"/>
+                <a:cs typeface="+mn-cs"/>
+              </a:defRPr>
+            </a:lvl4pPr>
+            <a:lvl5pPr marL="2057400" indent="-228600" algn="l" defTabSz="457200" rtl="0" eaLnBrk="1" latinLnBrk="0" hangingPunct="1">
+              <a:spcBef>
+                <a:spcPct val="20000"/>
+              </a:spcBef>
+              <a:buFont typeface="Arial"/>
+              <a:buChar char="»"/>
+              <a:defRPr sz="1800" kern="1200">
+                <a:solidFill>
+                  <a:srgbClr val="878787"/>
+                </a:solidFill>
+                <a:latin typeface="+mn-lt"/>
+                <a:ea typeface="+mn-ea"/>
+                <a:cs typeface="+mn-cs"/>
+              </a:defRPr>
+            </a:lvl5pPr>
+            <a:lvl6pPr marL="2514600" indent="-228600" algn="l" defTabSz="457200" rtl="0" eaLnBrk="1" latinLnBrk="0" hangingPunct="1">
+              <a:spcBef>
+                <a:spcPct val="20000"/>
+              </a:spcBef>
+              <a:buFont typeface="Arial"/>
+              <a:buChar char="•"/>
+              <a:defRPr sz="2000" kern="1200">
+                <a:solidFill>
+                  <a:schemeClr val="tx1"/>
+                </a:solidFill>
+                <a:latin typeface="+mn-lt"/>
+                <a:ea typeface="+mn-ea"/>
+                <a:cs typeface="+mn-cs"/>
+              </a:defRPr>
+            </a:lvl6pPr>
+            <a:lvl7pPr marL="2971800" indent="-228600" algn="l" defTabSz="457200" rtl="0" eaLnBrk="1" latinLnBrk="0" hangingPunct="1">
+              <a:spcBef>
+                <a:spcPct val="20000"/>
+              </a:spcBef>
+              <a:buFont typeface="Arial"/>
+              <a:buChar char="•"/>
+              <a:defRPr sz="2000" kern="1200">
+                <a:solidFill>
+                  <a:schemeClr val="tx1"/>
+                </a:solidFill>
+                <a:latin typeface="+mn-lt"/>
+                <a:ea typeface="+mn-ea"/>
+                <a:cs typeface="+mn-cs"/>
+              </a:defRPr>
+            </a:lvl7pPr>
+            <a:lvl8pPr marL="3429000" indent="-228600" algn="l" defTabSz="457200" rtl="0" eaLnBrk="1" latinLnBrk="0" hangingPunct="1">
+              <a:spcBef>
+                <a:spcPct val="20000"/>
+              </a:spcBef>
+              <a:buFont typeface="Arial"/>
+              <a:buChar char="•"/>
+              <a:defRPr sz="2000" kern="1200">
+                <a:solidFill>
+                  <a:schemeClr val="tx1"/>
+                </a:solidFill>
+                <a:latin typeface="+mn-lt"/>
+                <a:ea typeface="+mn-ea"/>
+                <a:cs typeface="+mn-cs"/>
+              </a:defRPr>
+            </a:lvl8pPr>
+            <a:lvl9pPr marL="3886200" indent="-228600" algn="l" defTabSz="457200" rtl="0" eaLnBrk="1" latinLnBrk="0" hangingPunct="1">
+              <a:spcBef>
+                <a:spcPct val="20000"/>
+              </a:spcBef>
+              <a:buFont typeface="Arial"/>
+              <a:buChar char="•"/>
+              <a:defRPr sz="2000" kern="1200">
+                <a:solidFill>
+                  <a:schemeClr val="tx1"/>
+                </a:solidFill>
+                <a:latin typeface="+mn-lt"/>
+                <a:ea typeface="+mn-ea"/>
+                <a:cs typeface="+mn-cs"/>
+              </a:defRPr>
+            </a:lvl9pPr>
+          </a:lstStyle>
+          <a:p>
+            <a:pPr marL="342900" lvl="1" indent="-342900">
               <a:buClr>
                 <a:schemeClr val="bg2"/>
               </a:buClr>
@@ -18615,12 +19913,31 @@
               <a:buChar char="•"/>
             </a:pPr>
             <a:r>
-              <a:rPr lang="en-US" sz="2000" dirty="0" smtClean="0"/>
-              <a:t>A wildcard entry (*) is added to the DNS for the app domain</a:t>
-            </a:r>
-          </a:p>
-          <a:p>
-            <a:pPr marL="342900" indent="-342900">
+              <a:rPr lang="en-US" sz="2000" dirty="0">
+                <a:solidFill>
+                  <a:srgbClr val="FFFFFF"/>
+                </a:solidFill>
+              </a:rPr>
+              <a:t>Start with four instance of blue, one instance of green</a:t>
+            </a:r>
+          </a:p>
+          <a:p>
+            <a:pPr marL="742950" lvl="2" indent="-342900">
+              <a:buClr>
+                <a:schemeClr val="bg2"/>
+              </a:buClr>
+            </a:pPr>
+            <a:r>
+              <a:rPr lang="en-US" sz="1600" dirty="0">
+                <a:solidFill>
+                  <a:srgbClr val="FFFFFF"/>
+                </a:solidFill>
+              </a:rPr>
+              <a:t>80% of traffic will use version 1.0</a:t>
+            </a:r>
+          </a:p>
+          <a:p>
+            <a:pPr marL="342900" lvl="1" indent="-342900">
               <a:buClr>
                 <a:schemeClr val="bg2"/>
               </a:buClr>
@@ -18628,73 +19945,764 @@
               <a:buChar char="•"/>
             </a:pPr>
             <a:r>
-              <a:rPr lang="en-US" sz="2000" dirty="0" smtClean="0"/>
-              <a:t>That DNS entry points to a load balancer (or Cloud Foundry’s HA Proxy), which points to the Cloud Foundry’s Router</a:t>
-            </a:r>
-          </a:p>
-          <a:p>
-            <a:pPr marL="342900" indent="-342900">
-              <a:buClr>
-                <a:schemeClr val="bg2"/>
-              </a:buClr>
-              <a:buFont typeface="Arial"/>
-              <a:buChar char="•"/>
-            </a:pPr>
-            <a:r>
-              <a:rPr lang="en-US" sz="2000" dirty="0" smtClean="0"/>
-              <a:t>The Router uses the subdomain to map to application instance(s)</a:t>
-            </a:r>
-          </a:p>
-        </p:txBody>
-      </p:sp>
-      <p:pic>
-        <p:nvPicPr>
-          <p:cNvPr id="4" name="Picture 3" descr="Screen Shot 2016-01-20 at 11.14.48 PM.png"/>
-          <p:cNvPicPr>
-            <a:picLocks noChangeAspect="1"/>
-          </p:cNvPicPr>
+              <a:rPr lang="en-US" sz="2000" dirty="0" smtClean="0">
+                <a:solidFill>
+                  <a:srgbClr val="FFFFFF"/>
+                </a:solidFill>
+              </a:rPr>
+              <a:t>Decrease blue instance, increase green instances as confidence builds</a:t>
+            </a:r>
+            <a:endParaRPr lang="en-US" sz="2000" dirty="0">
+              <a:solidFill>
+                <a:srgbClr val="FFFFFF"/>
+              </a:solidFill>
+            </a:endParaRPr>
+          </a:p>
+        </p:txBody>
+      </p:sp>
+      <p:sp>
+        <p:nvSpPr>
+          <p:cNvPr id="17" name="Rectangle 16"/>
+          <p:cNvSpPr/>
           <p:nvPr/>
-        </p:nvPicPr>
-        <p:blipFill>
-          <a:blip r:embed="rId3">
-            <a:extLst>
-              <a:ext uri="{28A0092B-C50C-407E-A947-70E740481C1C}">
-                <a14:useLocalDpi xmlns:a14="http://schemas.microsoft.com/office/drawing/2010/main" val="0"/>
-              </a:ext>
-            </a:extLst>
-          </a:blip>
-          <a:stretch>
-            <a:fillRect/>
-          </a:stretch>
-        </p:blipFill>
-        <p:spPr>
-          <a:xfrm>
-            <a:off x="4862172" y="1509857"/>
-            <a:ext cx="4210780" cy="1766895"/>
+        </p:nvSpPr>
+        <p:spPr>
+          <a:xfrm>
+            <a:off x="2786804" y="3064111"/>
+            <a:ext cx="1021304" cy="497365"/>
           </a:xfrm>
           <a:prstGeom prst="rect">
             <a:avLst/>
           </a:prstGeom>
-        </p:spPr>
-      </p:pic>
+          <a:solidFill>
+            <a:schemeClr val="accent4">
+              <a:lumMod val="40000"/>
+              <a:lumOff val="60000"/>
+            </a:schemeClr>
+          </a:solidFill>
+          <a:ln w="6350">
+            <a:solidFill>
+              <a:schemeClr val="bg1"/>
+            </a:solidFill>
+          </a:ln>
+          <a:effectLst/>
+        </p:spPr>
+        <p:style>
+          <a:lnRef idx="1">
+            <a:schemeClr val="accent1"/>
+          </a:lnRef>
+          <a:fillRef idx="3">
+            <a:schemeClr val="accent1"/>
+          </a:fillRef>
+          <a:effectRef idx="2">
+            <a:schemeClr val="accent1"/>
+          </a:effectRef>
+          <a:fontRef idx="minor">
+            <a:schemeClr val="lt1"/>
+          </a:fontRef>
+        </p:style>
+        <p:txBody>
+          <a:bodyPr rtlCol="0" anchor="ctr"/>
+          <a:lstStyle/>
+          <a:p>
+            <a:pPr algn="ctr"/>
+            <a:r>
+              <a:rPr lang="en-US" sz="1600" dirty="0"/>
+              <a:t>a</a:t>
+            </a:r>
+            <a:r>
+              <a:rPr lang="en-US" sz="1600" dirty="0" smtClean="0"/>
+              <a:t>pp 1.0</a:t>
+            </a:r>
+            <a:endParaRPr lang="en-US" sz="1600" dirty="0"/>
+          </a:p>
+        </p:txBody>
+      </p:sp>
+      <p:sp>
+        <p:nvSpPr>
+          <p:cNvPr id="18" name="Rectangle 17"/>
+          <p:cNvSpPr/>
+          <p:nvPr/>
+        </p:nvSpPr>
+        <p:spPr>
+          <a:xfrm>
+            <a:off x="2786804" y="3811573"/>
+            <a:ext cx="1021304" cy="497365"/>
+          </a:xfrm>
+          <a:prstGeom prst="rect">
+            <a:avLst/>
+          </a:prstGeom>
+          <a:solidFill>
+            <a:srgbClr val="008881"/>
+          </a:solidFill>
+          <a:ln w="6350">
+            <a:solidFill>
+              <a:schemeClr val="bg1"/>
+            </a:solidFill>
+          </a:ln>
+          <a:effectLst/>
+        </p:spPr>
+        <p:style>
+          <a:lnRef idx="1">
+            <a:schemeClr val="accent1"/>
+          </a:lnRef>
+          <a:fillRef idx="3">
+            <a:schemeClr val="accent1"/>
+          </a:fillRef>
+          <a:effectRef idx="2">
+            <a:schemeClr val="accent1"/>
+          </a:effectRef>
+          <a:fontRef idx="minor">
+            <a:schemeClr val="lt1"/>
+          </a:fontRef>
+        </p:style>
+        <p:txBody>
+          <a:bodyPr rtlCol="0" anchor="ctr"/>
+          <a:lstStyle/>
+          <a:p>
+            <a:pPr algn="ctr"/>
+            <a:r>
+              <a:rPr lang="en-US" sz="1600" dirty="0"/>
+              <a:t>a</a:t>
+            </a:r>
+            <a:r>
+              <a:rPr lang="en-US" sz="1600" dirty="0" smtClean="0"/>
+              <a:t>pp 1.1</a:t>
+            </a:r>
+            <a:endParaRPr lang="en-US" sz="1600" dirty="0"/>
+          </a:p>
+        </p:txBody>
+      </p:sp>
+      <p:cxnSp>
+        <p:nvCxnSpPr>
+          <p:cNvPr id="19" name="Straight Arrow Connector 18"/>
+          <p:cNvCxnSpPr>
+            <a:endCxn id="17" idx="1"/>
+          </p:cNvCxnSpPr>
+          <p:nvPr/>
+        </p:nvCxnSpPr>
+        <p:spPr>
+          <a:xfrm>
+            <a:off x="2023046" y="3312794"/>
+            <a:ext cx="763758" cy="0"/>
+          </a:xfrm>
+          <a:prstGeom prst="straightConnector1">
+            <a:avLst/>
+          </a:prstGeom>
+          <a:ln>
+            <a:tailEnd type="arrow"/>
+          </a:ln>
+        </p:spPr>
+        <p:style>
+          <a:lnRef idx="2">
+            <a:schemeClr val="accent1"/>
+          </a:lnRef>
+          <a:fillRef idx="0">
+            <a:schemeClr val="accent1"/>
+          </a:fillRef>
+          <a:effectRef idx="1">
+            <a:schemeClr val="accent1"/>
+          </a:effectRef>
+          <a:fontRef idx="minor">
+            <a:schemeClr val="tx1"/>
+          </a:fontRef>
+        </p:style>
+      </p:cxnSp>
+      <p:sp>
+        <p:nvSpPr>
+          <p:cNvPr id="20" name="TextBox 19"/>
+          <p:cNvSpPr txBox="1"/>
+          <p:nvPr/>
+        </p:nvSpPr>
+        <p:spPr>
+          <a:xfrm>
+            <a:off x="1469201" y="2984186"/>
+            <a:ext cx="1381809" cy="276999"/>
+          </a:xfrm>
+          <a:prstGeom prst="rect">
+            <a:avLst/>
+          </a:prstGeom>
+          <a:noFill/>
+        </p:spPr>
+        <p:txBody>
+          <a:bodyPr wrap="none" rtlCol="0">
+            <a:spAutoFit/>
+          </a:bodyPr>
+          <a:lstStyle/>
+          <a:p>
+            <a:r>
+              <a:rPr lang="en-US" sz="1200" dirty="0" err="1">
+                <a:solidFill>
+                  <a:srgbClr val="FFFFFF"/>
+                </a:solidFill>
+              </a:rPr>
+              <a:t>m</a:t>
+            </a:r>
+            <a:r>
+              <a:rPr lang="en-US" sz="1200" dirty="0" err="1" smtClean="0">
+                <a:solidFill>
+                  <a:srgbClr val="FFFFFF"/>
+                </a:solidFill>
+              </a:rPr>
+              <a:t>yapp.cfapps.io</a:t>
+            </a:r>
+            <a:endParaRPr lang="en-US" sz="1200" dirty="0" smtClean="0">
+              <a:solidFill>
+                <a:srgbClr val="FFFFFF"/>
+              </a:solidFill>
+            </a:endParaRPr>
+          </a:p>
+        </p:txBody>
+      </p:sp>
+      <p:sp>
+        <p:nvSpPr>
+          <p:cNvPr id="22" name="TextBox 21"/>
+          <p:cNvSpPr txBox="1"/>
+          <p:nvPr/>
+        </p:nvSpPr>
+        <p:spPr>
+          <a:xfrm>
+            <a:off x="1437529" y="3811573"/>
+            <a:ext cx="1381809" cy="276999"/>
+          </a:xfrm>
+          <a:prstGeom prst="rect">
+            <a:avLst/>
+          </a:prstGeom>
+          <a:noFill/>
+        </p:spPr>
+        <p:txBody>
+          <a:bodyPr wrap="none" rtlCol="0">
+            <a:spAutoFit/>
+          </a:bodyPr>
+          <a:lstStyle/>
+          <a:p>
+            <a:r>
+              <a:rPr lang="en-US" sz="1200" dirty="0" err="1" smtClean="0">
+                <a:solidFill>
+                  <a:srgbClr val="FFFFFF"/>
+                </a:solidFill>
+              </a:rPr>
+              <a:t>myapp.cfapps.io</a:t>
+            </a:r>
+            <a:endParaRPr lang="en-US" sz="1200" dirty="0" smtClean="0">
+              <a:solidFill>
+                <a:srgbClr val="FFFFFF"/>
+              </a:solidFill>
+            </a:endParaRPr>
+          </a:p>
+        </p:txBody>
+      </p:sp>
+      <p:cxnSp>
+        <p:nvCxnSpPr>
+          <p:cNvPr id="23" name="Straight Arrow Connector 22"/>
+          <p:cNvCxnSpPr/>
+          <p:nvPr/>
+        </p:nvCxnSpPr>
+        <p:spPr>
+          <a:xfrm>
+            <a:off x="2023046" y="4088572"/>
+            <a:ext cx="763758" cy="0"/>
+          </a:xfrm>
+          <a:prstGeom prst="straightConnector1">
+            <a:avLst/>
+          </a:prstGeom>
+          <a:ln>
+            <a:tailEnd type="arrow"/>
+          </a:ln>
+        </p:spPr>
+        <p:style>
+          <a:lnRef idx="2">
+            <a:schemeClr val="accent1"/>
+          </a:lnRef>
+          <a:fillRef idx="0">
+            <a:schemeClr val="accent1"/>
+          </a:fillRef>
+          <a:effectRef idx="1">
+            <a:schemeClr val="accent1"/>
+          </a:effectRef>
+          <a:fontRef idx="minor">
+            <a:schemeClr val="tx1"/>
+          </a:fontRef>
+        </p:style>
+      </p:cxnSp>
+      <p:sp>
+        <p:nvSpPr>
+          <p:cNvPr id="28" name="Rectangle 27"/>
+          <p:cNvSpPr/>
+          <p:nvPr/>
+        </p:nvSpPr>
+        <p:spPr>
+          <a:xfrm>
+            <a:off x="2851010" y="3012502"/>
+            <a:ext cx="1021304" cy="497365"/>
+          </a:xfrm>
+          <a:prstGeom prst="rect">
+            <a:avLst/>
+          </a:prstGeom>
+          <a:solidFill>
+            <a:schemeClr val="accent4">
+              <a:lumMod val="40000"/>
+              <a:lumOff val="60000"/>
+            </a:schemeClr>
+          </a:solidFill>
+          <a:ln w="6350">
+            <a:solidFill>
+              <a:schemeClr val="bg1"/>
+            </a:solidFill>
+          </a:ln>
+          <a:effectLst/>
+        </p:spPr>
+        <p:style>
+          <a:lnRef idx="1">
+            <a:schemeClr val="accent1"/>
+          </a:lnRef>
+          <a:fillRef idx="3">
+            <a:schemeClr val="accent1"/>
+          </a:fillRef>
+          <a:effectRef idx="2">
+            <a:schemeClr val="accent1"/>
+          </a:effectRef>
+          <a:fontRef idx="minor">
+            <a:schemeClr val="lt1"/>
+          </a:fontRef>
+        </p:style>
+        <p:txBody>
+          <a:bodyPr rtlCol="0" anchor="ctr"/>
+          <a:lstStyle/>
+          <a:p>
+            <a:pPr algn="ctr"/>
+            <a:r>
+              <a:rPr lang="en-US" sz="1600" dirty="0"/>
+              <a:t>a</a:t>
+            </a:r>
+            <a:r>
+              <a:rPr lang="en-US" sz="1600" dirty="0" smtClean="0"/>
+              <a:t>pp 1.0</a:t>
+            </a:r>
+            <a:endParaRPr lang="en-US" sz="1600" dirty="0"/>
+          </a:p>
+        </p:txBody>
+      </p:sp>
+      <p:sp>
+        <p:nvSpPr>
+          <p:cNvPr id="29" name="Rectangle 28"/>
+          <p:cNvSpPr/>
+          <p:nvPr/>
+        </p:nvSpPr>
+        <p:spPr>
+          <a:xfrm>
+            <a:off x="2931748" y="2951482"/>
+            <a:ext cx="1021304" cy="497365"/>
+          </a:xfrm>
+          <a:prstGeom prst="rect">
+            <a:avLst/>
+          </a:prstGeom>
+          <a:solidFill>
+            <a:schemeClr val="accent4">
+              <a:lumMod val="40000"/>
+              <a:lumOff val="60000"/>
+            </a:schemeClr>
+          </a:solidFill>
+          <a:ln w="6350">
+            <a:solidFill>
+              <a:schemeClr val="bg1"/>
+            </a:solidFill>
+          </a:ln>
+          <a:effectLst/>
+        </p:spPr>
+        <p:style>
+          <a:lnRef idx="1">
+            <a:schemeClr val="accent1"/>
+          </a:lnRef>
+          <a:fillRef idx="3">
+            <a:schemeClr val="accent1"/>
+          </a:fillRef>
+          <a:effectRef idx="2">
+            <a:schemeClr val="accent1"/>
+          </a:effectRef>
+          <a:fontRef idx="minor">
+            <a:schemeClr val="lt1"/>
+          </a:fontRef>
+        </p:style>
+        <p:txBody>
+          <a:bodyPr rtlCol="0" anchor="ctr"/>
+          <a:lstStyle/>
+          <a:p>
+            <a:pPr algn="ctr"/>
+            <a:r>
+              <a:rPr lang="en-US" sz="1600" dirty="0"/>
+              <a:t>a</a:t>
+            </a:r>
+            <a:r>
+              <a:rPr lang="en-US" sz="1600" dirty="0" smtClean="0"/>
+              <a:t>pp 1.0</a:t>
+            </a:r>
+            <a:endParaRPr lang="en-US" sz="1600" dirty="0"/>
+          </a:p>
+        </p:txBody>
+      </p:sp>
+      <p:sp>
+        <p:nvSpPr>
+          <p:cNvPr id="30" name="Rectangle 29"/>
+          <p:cNvSpPr/>
+          <p:nvPr/>
+        </p:nvSpPr>
+        <p:spPr>
+          <a:xfrm>
+            <a:off x="3057505" y="2815429"/>
+            <a:ext cx="1021304" cy="497365"/>
+          </a:xfrm>
+          <a:prstGeom prst="rect">
+            <a:avLst/>
+          </a:prstGeom>
+          <a:solidFill>
+            <a:schemeClr val="accent4">
+              <a:lumMod val="40000"/>
+              <a:lumOff val="60000"/>
+            </a:schemeClr>
+          </a:solidFill>
+          <a:ln w="6350">
+            <a:solidFill>
+              <a:schemeClr val="bg1"/>
+            </a:solidFill>
+          </a:ln>
+          <a:effectLst/>
+        </p:spPr>
+        <p:style>
+          <a:lnRef idx="1">
+            <a:schemeClr val="accent1"/>
+          </a:lnRef>
+          <a:fillRef idx="3">
+            <a:schemeClr val="accent1"/>
+          </a:fillRef>
+          <a:effectRef idx="2">
+            <a:schemeClr val="accent1"/>
+          </a:effectRef>
+          <a:fontRef idx="minor">
+            <a:schemeClr val="lt1"/>
+          </a:fontRef>
+        </p:style>
+        <p:txBody>
+          <a:bodyPr rtlCol="0" anchor="ctr"/>
+          <a:lstStyle/>
+          <a:p>
+            <a:pPr algn="ctr"/>
+            <a:r>
+              <a:rPr lang="en-US" sz="1600" dirty="0"/>
+              <a:t>a</a:t>
+            </a:r>
+            <a:r>
+              <a:rPr lang="en-US" sz="1600" dirty="0" smtClean="0"/>
+              <a:t>pp 1.0</a:t>
+            </a:r>
+            <a:endParaRPr lang="en-US" sz="1600" dirty="0"/>
+          </a:p>
+        </p:txBody>
+      </p:sp>
+      <p:sp>
+        <p:nvSpPr>
+          <p:cNvPr id="31" name="Rectangle 30"/>
+          <p:cNvSpPr/>
+          <p:nvPr/>
+        </p:nvSpPr>
+        <p:spPr>
+          <a:xfrm>
+            <a:off x="6553731" y="3728667"/>
+            <a:ext cx="1021304" cy="497365"/>
+          </a:xfrm>
+          <a:prstGeom prst="rect">
+            <a:avLst/>
+          </a:prstGeom>
+          <a:solidFill>
+            <a:srgbClr val="008881"/>
+          </a:solidFill>
+          <a:ln w="6350">
+            <a:solidFill>
+              <a:schemeClr val="bg1"/>
+            </a:solidFill>
+          </a:ln>
+          <a:effectLst/>
+        </p:spPr>
+        <p:style>
+          <a:lnRef idx="1">
+            <a:schemeClr val="accent1"/>
+          </a:lnRef>
+          <a:fillRef idx="3">
+            <a:schemeClr val="accent1"/>
+          </a:fillRef>
+          <a:effectRef idx="2">
+            <a:schemeClr val="accent1"/>
+          </a:effectRef>
+          <a:fontRef idx="minor">
+            <a:schemeClr val="lt1"/>
+          </a:fontRef>
+        </p:style>
+        <p:txBody>
+          <a:bodyPr rtlCol="0" anchor="ctr"/>
+          <a:lstStyle/>
+          <a:p>
+            <a:pPr algn="ctr"/>
+            <a:r>
+              <a:rPr lang="en-US" sz="1600" dirty="0"/>
+              <a:t>a</a:t>
+            </a:r>
+            <a:r>
+              <a:rPr lang="en-US" sz="1600" dirty="0" smtClean="0"/>
+              <a:t>pp 1.1</a:t>
+            </a:r>
+            <a:endParaRPr lang="en-US" sz="1600" dirty="0"/>
+          </a:p>
+        </p:txBody>
+      </p:sp>
+      <p:sp>
+        <p:nvSpPr>
+          <p:cNvPr id="32" name="TextBox 31"/>
+          <p:cNvSpPr txBox="1"/>
+          <p:nvPr/>
+        </p:nvSpPr>
+        <p:spPr>
+          <a:xfrm>
+            <a:off x="5204456" y="3728667"/>
+            <a:ext cx="1381809" cy="276999"/>
+          </a:xfrm>
+          <a:prstGeom prst="rect">
+            <a:avLst/>
+          </a:prstGeom>
+          <a:noFill/>
+        </p:spPr>
+        <p:txBody>
+          <a:bodyPr wrap="none" rtlCol="0">
+            <a:spAutoFit/>
+          </a:bodyPr>
+          <a:lstStyle/>
+          <a:p>
+            <a:r>
+              <a:rPr lang="en-US" sz="1200" dirty="0" err="1" smtClean="0">
+                <a:solidFill>
+                  <a:srgbClr val="FFFFFF"/>
+                </a:solidFill>
+              </a:rPr>
+              <a:t>myapp.cfapps.io</a:t>
+            </a:r>
+            <a:endParaRPr lang="en-US" sz="1200" dirty="0" smtClean="0">
+              <a:solidFill>
+                <a:srgbClr val="FFFFFF"/>
+              </a:solidFill>
+            </a:endParaRPr>
+          </a:p>
+        </p:txBody>
+      </p:sp>
+      <p:cxnSp>
+        <p:nvCxnSpPr>
+          <p:cNvPr id="33" name="Straight Arrow Connector 32"/>
+          <p:cNvCxnSpPr/>
+          <p:nvPr/>
+        </p:nvCxnSpPr>
+        <p:spPr>
+          <a:xfrm>
+            <a:off x="5789973" y="4005666"/>
+            <a:ext cx="763758" cy="0"/>
+          </a:xfrm>
+          <a:prstGeom prst="straightConnector1">
+            <a:avLst/>
+          </a:prstGeom>
+          <a:ln>
+            <a:tailEnd type="arrow"/>
+          </a:ln>
+        </p:spPr>
+        <p:style>
+          <a:lnRef idx="2">
+            <a:schemeClr val="accent1"/>
+          </a:lnRef>
+          <a:fillRef idx="0">
+            <a:schemeClr val="accent1"/>
+          </a:fillRef>
+          <a:effectRef idx="1">
+            <a:schemeClr val="accent1"/>
+          </a:effectRef>
+          <a:fontRef idx="minor">
+            <a:schemeClr val="tx1"/>
+          </a:fontRef>
+        </p:style>
+      </p:cxnSp>
+      <p:sp>
+        <p:nvSpPr>
+          <p:cNvPr id="37" name="Rectangle 36"/>
+          <p:cNvSpPr/>
+          <p:nvPr/>
+        </p:nvSpPr>
+        <p:spPr>
+          <a:xfrm>
+            <a:off x="6706131" y="3632384"/>
+            <a:ext cx="1021304" cy="497365"/>
+          </a:xfrm>
+          <a:prstGeom prst="rect">
+            <a:avLst/>
+          </a:prstGeom>
+          <a:solidFill>
+            <a:srgbClr val="008881"/>
+          </a:solidFill>
+          <a:ln w="6350">
+            <a:solidFill>
+              <a:schemeClr val="bg1"/>
+            </a:solidFill>
+          </a:ln>
+          <a:effectLst/>
+        </p:spPr>
+        <p:style>
+          <a:lnRef idx="1">
+            <a:schemeClr val="accent1"/>
+          </a:lnRef>
+          <a:fillRef idx="3">
+            <a:schemeClr val="accent1"/>
+          </a:fillRef>
+          <a:effectRef idx="2">
+            <a:schemeClr val="accent1"/>
+          </a:effectRef>
+          <a:fontRef idx="minor">
+            <a:schemeClr val="lt1"/>
+          </a:fontRef>
+        </p:style>
+        <p:txBody>
+          <a:bodyPr rtlCol="0" anchor="ctr"/>
+          <a:lstStyle/>
+          <a:p>
+            <a:pPr algn="ctr"/>
+            <a:r>
+              <a:rPr lang="en-US" sz="1600" dirty="0"/>
+              <a:t>a</a:t>
+            </a:r>
+            <a:r>
+              <a:rPr lang="en-US" sz="1600" dirty="0" smtClean="0"/>
+              <a:t>pp 1.1</a:t>
+            </a:r>
+            <a:endParaRPr lang="en-US" sz="1600" dirty="0"/>
+          </a:p>
+        </p:txBody>
+      </p:sp>
+      <p:sp>
+        <p:nvSpPr>
+          <p:cNvPr id="38" name="Rectangle 37"/>
+          <p:cNvSpPr/>
+          <p:nvPr/>
+        </p:nvSpPr>
+        <p:spPr>
+          <a:xfrm>
+            <a:off x="6858531" y="3508301"/>
+            <a:ext cx="1021304" cy="497365"/>
+          </a:xfrm>
+          <a:prstGeom prst="rect">
+            <a:avLst/>
+          </a:prstGeom>
+          <a:solidFill>
+            <a:srgbClr val="008881"/>
+          </a:solidFill>
+          <a:ln w="6350">
+            <a:solidFill>
+              <a:schemeClr val="bg1"/>
+            </a:solidFill>
+          </a:ln>
+          <a:effectLst/>
+        </p:spPr>
+        <p:style>
+          <a:lnRef idx="1">
+            <a:schemeClr val="accent1"/>
+          </a:lnRef>
+          <a:fillRef idx="3">
+            <a:schemeClr val="accent1"/>
+          </a:fillRef>
+          <a:effectRef idx="2">
+            <a:schemeClr val="accent1"/>
+          </a:effectRef>
+          <a:fontRef idx="minor">
+            <a:schemeClr val="lt1"/>
+          </a:fontRef>
+        </p:style>
+        <p:txBody>
+          <a:bodyPr rtlCol="0" anchor="ctr"/>
+          <a:lstStyle/>
+          <a:p>
+            <a:pPr algn="ctr"/>
+            <a:r>
+              <a:rPr lang="en-US" sz="1600" dirty="0"/>
+              <a:t>a</a:t>
+            </a:r>
+            <a:r>
+              <a:rPr lang="en-US" sz="1600" dirty="0" smtClean="0"/>
+              <a:t>pp 1.1</a:t>
+            </a:r>
+            <a:endParaRPr lang="en-US" sz="1600" dirty="0"/>
+          </a:p>
+        </p:txBody>
+      </p:sp>
+      <p:sp>
+        <p:nvSpPr>
+          <p:cNvPr id="39" name="Rectangle 38"/>
+          <p:cNvSpPr/>
+          <p:nvPr/>
+        </p:nvSpPr>
+        <p:spPr>
+          <a:xfrm>
+            <a:off x="6948765" y="3383701"/>
+            <a:ext cx="1021304" cy="497365"/>
+          </a:xfrm>
+          <a:prstGeom prst="rect">
+            <a:avLst/>
+          </a:prstGeom>
+          <a:solidFill>
+            <a:srgbClr val="008881"/>
+          </a:solidFill>
+          <a:ln w="6350">
+            <a:solidFill>
+              <a:schemeClr val="bg1"/>
+            </a:solidFill>
+          </a:ln>
+          <a:effectLst/>
+        </p:spPr>
+        <p:style>
+          <a:lnRef idx="1">
+            <a:schemeClr val="accent1"/>
+          </a:lnRef>
+          <a:fillRef idx="3">
+            <a:schemeClr val="accent1"/>
+          </a:fillRef>
+          <a:effectRef idx="2">
+            <a:schemeClr val="accent1"/>
+          </a:effectRef>
+          <a:fontRef idx="minor">
+            <a:schemeClr val="lt1"/>
+          </a:fontRef>
+        </p:style>
+        <p:txBody>
+          <a:bodyPr rtlCol="0" anchor="ctr"/>
+          <a:lstStyle/>
+          <a:p>
+            <a:pPr algn="ctr"/>
+            <a:r>
+              <a:rPr lang="en-US" sz="1600" dirty="0"/>
+              <a:t>a</a:t>
+            </a:r>
+            <a:r>
+              <a:rPr lang="en-US" sz="1600" dirty="0" smtClean="0"/>
+              <a:t>pp 1.1</a:t>
+            </a:r>
+            <a:endParaRPr lang="en-US" sz="1600" dirty="0"/>
+          </a:p>
+        </p:txBody>
+      </p:sp>
     </p:spTree>
     <p:extLst>
       <p:ext uri="{BB962C8B-B14F-4D97-AF65-F5344CB8AC3E}">
-        <p14:creationId xmlns:p14="http://schemas.microsoft.com/office/powerpoint/2010/main" val="58988786"/>
+        <p14:creationId xmlns:p14="http://schemas.microsoft.com/office/powerpoint/2010/main" val="339274954"/>
       </p:ext>
     </p:extLst>
   </p:cSld>
   <p:clrMapOvr>
     <a:masterClrMapping/>
   </p:clrMapOvr>
-  <mc:AlternateContent xmlns:mc="http://schemas.openxmlformats.org/markup-compatibility/2006" xmlns:p14="http://schemas.microsoft.com/office/powerpoint/2010/main">
-    <mc:Choice Requires="p14">
-      <p:transition spd="slow" p14:dur="2000"/>
-    </mc:Choice>
-    <mc:Fallback xmlns="">
-      <p:transition xmlns:p14="http://schemas.microsoft.com/office/powerpoint/2010/main" spd="slow"/>
-    </mc:Fallback>
-  </mc:AlternateContent>
+  <p:transition xmlns:p14="http://schemas.microsoft.com/office/powerpoint/2010/main" spd="slow">
+    <p:cut/>
+  </p:transition>
   <p:timing>
     <p:tnLst>
       <p:par>
@@ -18724,1110 +20732,148 @@
       </p:grpSpPr>
       <p:sp>
         <p:nvSpPr>
-          <p:cNvPr id="39" name="Rectangle 38"/>
-          <p:cNvSpPr/>
-          <p:nvPr/>
-        </p:nvSpPr>
-        <p:spPr>
-          <a:xfrm>
-            <a:off x="506978" y="2990368"/>
-            <a:ext cx="7886571" cy="1324767"/>
+          <p:cNvPr id="2" name="Title 1"/>
+          <p:cNvSpPr>
+            <a:spLocks noGrp="1"/>
+          </p:cNvSpPr>
+          <p:nvPr>
+            <p:ph type="title"/>
+          </p:nvPr>
+        </p:nvSpPr>
+        <p:spPr/>
+        <p:txBody>
+          <a:bodyPr/>
+          <a:lstStyle/>
+          <a:p>
+            <a:r>
+              <a:rPr lang="en-US" dirty="0" smtClean="0">
+                <a:solidFill>
+                  <a:schemeClr val="accent1"/>
+                </a:solidFill>
+              </a:rPr>
+              <a:t>Domains – Behind the Scenes</a:t>
+            </a:r>
+            <a:endParaRPr lang="en-US" dirty="0">
+              <a:solidFill>
+                <a:schemeClr val="accent1"/>
+              </a:solidFill>
+            </a:endParaRPr>
+          </a:p>
+        </p:txBody>
+      </p:sp>
+      <p:sp>
+        <p:nvSpPr>
+          <p:cNvPr id="3" name="Text Placeholder 2"/>
+          <p:cNvSpPr>
+            <a:spLocks noGrp="1"/>
+          </p:cNvSpPr>
+          <p:nvPr>
+            <p:ph sz="quarter" idx="10"/>
+          </p:nvPr>
+        </p:nvSpPr>
+        <p:spPr>
+          <a:xfrm>
+            <a:off x="457200" y="1108074"/>
+            <a:ext cx="4320726" cy="3146166"/>
           </a:xfrm>
           <a:prstGeom prst="rect">
             <a:avLst/>
           </a:prstGeom>
-          <a:solidFill>
-            <a:schemeClr val="accent1"/>
-          </a:solidFill>
-          <a:ln w="6350">
-            <a:solidFill>
-              <a:schemeClr val="bg1"/>
-            </a:solidFill>
-            <a:prstDash val="solid"/>
-          </a:ln>
-          <a:effectLst/>
-        </p:spPr>
-        <p:style>
-          <a:lnRef idx="1">
-            <a:schemeClr val="accent1"/>
-          </a:lnRef>
-          <a:fillRef idx="3">
-            <a:schemeClr val="accent1"/>
-          </a:fillRef>
-          <a:effectRef idx="2">
-            <a:schemeClr val="accent1"/>
-          </a:effectRef>
-          <a:fontRef idx="minor">
-            <a:schemeClr val="lt1"/>
-          </a:fontRef>
-        </p:style>
-        <p:txBody>
-          <a:bodyPr rtlCol="0" anchor="t" anchorCtr="0"/>
+        </p:spPr>
+        <p:txBody>
+          <a:bodyPr>
+            <a:normAutofit/>
+          </a:bodyPr>
           <a:lstStyle/>
           <a:p>
-            <a:endParaRPr lang="en-US" dirty="0"/>
-          </a:p>
-        </p:txBody>
-      </p:sp>
-      <p:sp>
-        <p:nvSpPr>
-          <p:cNvPr id="4" name="Rounded Rectangle 3"/>
-          <p:cNvSpPr/>
+            <a:pPr marL="342900" indent="-342900">
+              <a:buClr>
+                <a:schemeClr val="bg2"/>
+              </a:buClr>
+              <a:buFont typeface="Arial"/>
+              <a:buChar char="•"/>
+            </a:pPr>
+            <a:r>
+              <a:rPr lang="en-US" sz="2000" dirty="0" smtClean="0"/>
+              <a:t>A wildcard entry (*) is added to the DNS for the app domain</a:t>
+            </a:r>
+          </a:p>
+          <a:p>
+            <a:pPr marL="342900" indent="-342900">
+              <a:buClr>
+                <a:schemeClr val="bg2"/>
+              </a:buClr>
+              <a:buFont typeface="Arial"/>
+              <a:buChar char="•"/>
+            </a:pPr>
+            <a:r>
+              <a:rPr lang="en-US" sz="2000" dirty="0" smtClean="0"/>
+              <a:t>That DNS entry points to a load balancer (or Cloud Foundry’s HA Proxy), which points to the Cloud Foundry’s Router</a:t>
+            </a:r>
+          </a:p>
+          <a:p>
+            <a:pPr marL="342900" indent="-342900">
+              <a:buClr>
+                <a:schemeClr val="bg2"/>
+              </a:buClr>
+              <a:buFont typeface="Arial"/>
+              <a:buChar char="•"/>
+            </a:pPr>
+            <a:r>
+              <a:rPr lang="en-US" sz="2000" dirty="0" smtClean="0"/>
+              <a:t>The Router uses the subdomain to map to application instance(s)</a:t>
+            </a:r>
+          </a:p>
+        </p:txBody>
+      </p:sp>
+      <p:pic>
+        <p:nvPicPr>
+          <p:cNvPr id="4" name="Picture 3" descr="Screen Shot 2016-01-20 at 11.14.48 PM.png"/>
+          <p:cNvPicPr>
+            <a:picLocks noChangeAspect="1"/>
+          </p:cNvPicPr>
           <p:nvPr/>
-        </p:nvSpPr>
-        <p:spPr>
-          <a:xfrm>
-            <a:off x="3685576" y="786013"/>
-            <a:ext cx="2060370" cy="524008"/>
-          </a:xfrm>
-          <a:prstGeom prst="roundRect">
-            <a:avLst/>
-          </a:prstGeom>
-          <a:solidFill>
-            <a:srgbClr val="FF6600"/>
-          </a:solidFill>
-          <a:ln w="6350">
-            <a:solidFill>
-              <a:schemeClr val="bg1"/>
-            </a:solidFill>
-          </a:ln>
-          <a:effectLst/>
-        </p:spPr>
-        <p:style>
-          <a:lnRef idx="1">
-            <a:schemeClr val="accent1"/>
-          </a:lnRef>
-          <a:fillRef idx="3">
-            <a:schemeClr val="accent1"/>
-          </a:fillRef>
-          <a:effectRef idx="2">
-            <a:schemeClr val="accent1"/>
-          </a:effectRef>
-          <a:fontRef idx="minor">
-            <a:schemeClr val="lt1"/>
-          </a:fontRef>
-        </p:style>
-        <p:txBody>
-          <a:bodyPr rtlCol="0" anchor="ctr"/>
-          <a:lstStyle/>
-          <a:p>
-            <a:pPr algn="ctr"/>
-            <a:r>
-              <a:rPr lang="en-US" dirty="0" smtClean="0"/>
-              <a:t>Load Balancer</a:t>
-            </a:r>
-            <a:endParaRPr lang="en-US" dirty="0"/>
-          </a:p>
-        </p:txBody>
-      </p:sp>
-      <p:sp>
-        <p:nvSpPr>
-          <p:cNvPr id="5" name="Rounded Rectangle 4"/>
-          <p:cNvSpPr/>
-          <p:nvPr/>
-        </p:nvSpPr>
-        <p:spPr>
-          <a:xfrm>
-            <a:off x="3685576" y="1863702"/>
-            <a:ext cx="2060370" cy="524008"/>
-          </a:xfrm>
-          <a:prstGeom prst="roundRect">
-            <a:avLst/>
-          </a:prstGeom>
-          <a:solidFill>
-            <a:srgbClr val="008881"/>
-          </a:solidFill>
-          <a:ln w="6350">
-            <a:solidFill>
-              <a:schemeClr val="bg1"/>
-            </a:solidFill>
-          </a:ln>
-          <a:effectLst/>
-        </p:spPr>
-        <p:style>
-          <a:lnRef idx="1">
-            <a:schemeClr val="accent1"/>
-          </a:lnRef>
-          <a:fillRef idx="3">
-            <a:schemeClr val="accent1"/>
-          </a:fillRef>
-          <a:effectRef idx="2">
-            <a:schemeClr val="accent1"/>
-          </a:effectRef>
-          <a:fontRef idx="minor">
-            <a:schemeClr val="lt1"/>
-          </a:fontRef>
-        </p:style>
-        <p:txBody>
-          <a:bodyPr rtlCol="0" anchor="ctr"/>
-          <a:lstStyle/>
-          <a:p>
-            <a:pPr algn="ctr"/>
-            <a:r>
-              <a:rPr lang="en-US" dirty="0" smtClean="0"/>
-              <a:t>Router</a:t>
-            </a:r>
-            <a:endParaRPr lang="en-US" dirty="0"/>
-          </a:p>
-        </p:txBody>
-      </p:sp>
-      <p:sp>
-        <p:nvSpPr>
-          <p:cNvPr id="9" name="Rectangle 8"/>
-          <p:cNvSpPr/>
-          <p:nvPr/>
-        </p:nvSpPr>
-        <p:spPr>
-          <a:xfrm>
-            <a:off x="399641" y="1536499"/>
-            <a:ext cx="8197073" cy="2975303"/>
+        </p:nvPicPr>
+        <p:blipFill>
+          <a:blip r:embed="rId3">
+            <a:extLst>
+              <a:ext uri="{28A0092B-C50C-407E-A947-70E740481C1C}">
+                <a14:useLocalDpi xmlns:a14="http://schemas.microsoft.com/office/drawing/2010/main" val="0"/>
+              </a:ext>
+            </a:extLst>
+          </a:blip>
+          <a:stretch>
+            <a:fillRect/>
+          </a:stretch>
+        </p:blipFill>
+        <p:spPr>
+          <a:xfrm>
+            <a:off x="4862172" y="1509857"/>
+            <a:ext cx="4210780" cy="1766895"/>
           </a:xfrm>
           <a:prstGeom prst="rect">
             <a:avLst/>
           </a:prstGeom>
-          <a:noFill/>
-          <a:ln w="6350">
-            <a:solidFill>
-              <a:schemeClr val="bg1"/>
-            </a:solidFill>
-            <a:prstDash val="dash"/>
-          </a:ln>
-          <a:effectLst/>
-        </p:spPr>
-        <p:style>
-          <a:lnRef idx="1">
-            <a:schemeClr val="accent1"/>
-          </a:lnRef>
-          <a:fillRef idx="3">
-            <a:schemeClr val="accent1"/>
-          </a:fillRef>
-          <a:effectRef idx="2">
-            <a:schemeClr val="accent1"/>
-          </a:effectRef>
-          <a:fontRef idx="minor">
-            <a:schemeClr val="lt1"/>
-          </a:fontRef>
-        </p:style>
-        <p:txBody>
-          <a:bodyPr rtlCol="0" anchor="t" anchorCtr="0"/>
-          <a:lstStyle/>
-          <a:p>
-            <a:r>
-              <a:rPr lang="en-US" dirty="0" smtClean="0"/>
-              <a:t>Pivotal Elastic Runtime</a:t>
-            </a:r>
-            <a:endParaRPr lang="en-US" dirty="0"/>
-          </a:p>
-        </p:txBody>
-      </p:sp>
-      <p:sp>
-        <p:nvSpPr>
-          <p:cNvPr id="10" name="Rounded Rectangle 9"/>
-          <p:cNvSpPr/>
-          <p:nvPr/>
-        </p:nvSpPr>
-        <p:spPr>
-          <a:xfrm>
-            <a:off x="1900519" y="2492677"/>
-            <a:ext cx="1074588" cy="414600"/>
-          </a:xfrm>
-          <a:prstGeom prst="roundRect">
-            <a:avLst/>
-          </a:prstGeom>
-          <a:solidFill>
-            <a:srgbClr val="008881"/>
-          </a:solidFill>
-          <a:ln w="6350">
-            <a:solidFill>
-              <a:schemeClr val="bg1"/>
-            </a:solidFill>
-          </a:ln>
-          <a:effectLst/>
-        </p:spPr>
-        <p:style>
-          <a:lnRef idx="1">
-            <a:schemeClr val="accent1"/>
-          </a:lnRef>
-          <a:fillRef idx="3">
-            <a:schemeClr val="accent1"/>
-          </a:fillRef>
-          <a:effectRef idx="2">
-            <a:schemeClr val="accent1"/>
-          </a:effectRef>
-          <a:fontRef idx="minor">
-            <a:schemeClr val="lt1"/>
-          </a:fontRef>
-        </p:style>
-        <p:txBody>
-          <a:bodyPr rtlCol="0" anchor="ctr"/>
-          <a:lstStyle/>
-          <a:p>
-            <a:pPr algn="ctr"/>
-            <a:r>
-              <a:rPr lang="en-US" sz="1400" dirty="0" smtClean="0"/>
-              <a:t>Health Manager</a:t>
-            </a:r>
-            <a:endParaRPr lang="en-US" sz="1400" dirty="0"/>
-          </a:p>
-        </p:txBody>
-      </p:sp>
-      <p:sp>
-        <p:nvSpPr>
-          <p:cNvPr id="11" name="Rounded Rectangle 10"/>
-          <p:cNvSpPr/>
-          <p:nvPr/>
-        </p:nvSpPr>
-        <p:spPr>
-          <a:xfrm>
-            <a:off x="1900518" y="1976135"/>
-            <a:ext cx="1074589" cy="407134"/>
-          </a:xfrm>
-          <a:prstGeom prst="roundRect">
-            <a:avLst/>
-          </a:prstGeom>
-          <a:solidFill>
-            <a:srgbClr val="008881"/>
-          </a:solidFill>
-          <a:ln w="6350">
-            <a:solidFill>
-              <a:schemeClr val="bg1"/>
-            </a:solidFill>
-          </a:ln>
-          <a:effectLst/>
-        </p:spPr>
-        <p:style>
-          <a:lnRef idx="1">
-            <a:schemeClr val="accent1"/>
-          </a:lnRef>
-          <a:fillRef idx="3">
-            <a:schemeClr val="accent1"/>
-          </a:fillRef>
-          <a:effectRef idx="2">
-            <a:schemeClr val="accent1"/>
-          </a:effectRef>
-          <a:fontRef idx="minor">
-            <a:schemeClr val="lt1"/>
-          </a:fontRef>
-        </p:style>
-        <p:txBody>
-          <a:bodyPr rtlCol="0" anchor="ctr"/>
-          <a:lstStyle/>
-          <a:p>
-            <a:pPr algn="ctr"/>
-            <a:r>
-              <a:rPr lang="en-US" sz="1400" dirty="0" smtClean="0"/>
-              <a:t>Cloud Controller</a:t>
-            </a:r>
-            <a:endParaRPr lang="en-US" sz="1400" dirty="0"/>
-          </a:p>
-        </p:txBody>
-      </p:sp>
-      <p:sp>
-        <p:nvSpPr>
-          <p:cNvPr id="15" name="Rounded Rectangle 14"/>
-          <p:cNvSpPr/>
-          <p:nvPr/>
-        </p:nvSpPr>
-        <p:spPr>
-          <a:xfrm>
-            <a:off x="3878104" y="3803934"/>
-            <a:ext cx="2134267" cy="524008"/>
-          </a:xfrm>
-          <a:prstGeom prst="roundRect">
-            <a:avLst/>
-          </a:prstGeom>
-          <a:solidFill>
-            <a:srgbClr val="008881"/>
-          </a:solidFill>
-          <a:ln w="6350">
-            <a:solidFill>
-              <a:schemeClr val="bg1"/>
-            </a:solidFill>
-          </a:ln>
-          <a:effectLst/>
-        </p:spPr>
-        <p:style>
-          <a:lnRef idx="1">
-            <a:schemeClr val="accent1"/>
-          </a:lnRef>
-          <a:fillRef idx="3">
-            <a:schemeClr val="accent1"/>
-          </a:fillRef>
-          <a:effectRef idx="2">
-            <a:schemeClr val="accent1"/>
-          </a:effectRef>
-          <a:fontRef idx="minor">
-            <a:schemeClr val="lt1"/>
-          </a:fontRef>
-        </p:style>
-        <p:txBody>
-          <a:bodyPr rtlCol="0" anchor="ctr"/>
-          <a:lstStyle/>
-          <a:p>
-            <a:pPr algn="ctr"/>
-            <a:r>
-              <a:rPr lang="en-US" sz="1200" b="1" dirty="0"/>
-              <a:t>a</a:t>
-            </a:r>
-            <a:r>
-              <a:rPr lang="en-US" sz="1200" b="1" dirty="0" smtClean="0"/>
-              <a:t>ttendees-</a:t>
-            </a:r>
-            <a:r>
-              <a:rPr lang="en-US" sz="1200" b="1" dirty="0" err="1" smtClean="0"/>
-              <a:t>blue</a:t>
-            </a:r>
-            <a:r>
-              <a:rPr lang="en-US" sz="1200" dirty="0" err="1" smtClean="0"/>
-              <a:t>.cfapps.io</a:t>
-            </a:r>
-            <a:endParaRPr lang="en-US" sz="1200" dirty="0"/>
-          </a:p>
-        </p:txBody>
-      </p:sp>
-      <p:sp>
-        <p:nvSpPr>
-          <p:cNvPr id="16" name="Rectangle 15"/>
-          <p:cNvSpPr/>
-          <p:nvPr/>
-        </p:nvSpPr>
-        <p:spPr>
-          <a:xfrm>
-            <a:off x="585810" y="3081881"/>
-            <a:ext cx="7886571" cy="1324767"/>
-          </a:xfrm>
-          <a:prstGeom prst="rect">
-            <a:avLst/>
-          </a:prstGeom>
-          <a:solidFill>
-            <a:schemeClr val="accent1"/>
-          </a:solidFill>
-          <a:ln w="6350">
-            <a:solidFill>
-              <a:schemeClr val="bg1"/>
-            </a:solidFill>
-            <a:prstDash val="solid"/>
-          </a:ln>
-          <a:effectLst/>
-        </p:spPr>
-        <p:style>
-          <a:lnRef idx="1">
-            <a:schemeClr val="accent1"/>
-          </a:lnRef>
-          <a:fillRef idx="3">
-            <a:schemeClr val="accent1"/>
-          </a:fillRef>
-          <a:effectRef idx="2">
-            <a:schemeClr val="accent1"/>
-          </a:effectRef>
-          <a:fontRef idx="minor">
-            <a:schemeClr val="lt1"/>
-          </a:fontRef>
-        </p:style>
-        <p:txBody>
-          <a:bodyPr rtlCol="0" anchor="t" anchorCtr="0"/>
-          <a:lstStyle/>
-          <a:p>
-            <a:r>
-              <a:rPr lang="en-US" dirty="0" smtClean="0"/>
-              <a:t>Runtime VMs</a:t>
-            </a:r>
-            <a:endParaRPr lang="en-US" dirty="0"/>
-          </a:p>
-        </p:txBody>
-      </p:sp>
-      <p:cxnSp>
-        <p:nvCxnSpPr>
-          <p:cNvPr id="18" name="Straight Arrow Connector 17"/>
-          <p:cNvCxnSpPr>
-            <a:endCxn id="4" idx="0"/>
-          </p:cNvCxnSpPr>
-          <p:nvPr/>
-        </p:nvCxnSpPr>
-        <p:spPr>
-          <a:xfrm>
-            <a:off x="4715761" y="204275"/>
-            <a:ext cx="0" cy="581738"/>
-          </a:xfrm>
-          <a:prstGeom prst="straightConnector1">
-            <a:avLst/>
-          </a:prstGeom>
-          <a:ln>
-            <a:tailEnd type="arrow"/>
-          </a:ln>
-        </p:spPr>
-        <p:style>
-          <a:lnRef idx="2">
-            <a:schemeClr val="accent1"/>
-          </a:lnRef>
-          <a:fillRef idx="0">
-            <a:schemeClr val="accent1"/>
-          </a:fillRef>
-          <a:effectRef idx="1">
-            <a:schemeClr val="accent1"/>
-          </a:effectRef>
-          <a:fontRef idx="minor">
-            <a:schemeClr val="tx1"/>
-          </a:fontRef>
-        </p:style>
-      </p:cxnSp>
-      <p:sp>
-        <p:nvSpPr>
-          <p:cNvPr id="20" name="TextBox 19"/>
-          <p:cNvSpPr txBox="1"/>
-          <p:nvPr/>
-        </p:nvSpPr>
-        <p:spPr>
-          <a:xfrm>
-            <a:off x="4890084" y="301971"/>
-            <a:ext cx="1358891" cy="369332"/>
-          </a:xfrm>
-          <a:prstGeom prst="rect">
-            <a:avLst/>
-          </a:prstGeom>
-          <a:noFill/>
-        </p:spPr>
-        <p:txBody>
-          <a:bodyPr wrap="none" rtlCol="0">
-            <a:spAutoFit/>
-          </a:bodyPr>
-          <a:lstStyle/>
-          <a:p>
-            <a:r>
-              <a:rPr lang="en-US" dirty="0" smtClean="0">
-                <a:solidFill>
-                  <a:schemeClr val="bg1"/>
-                </a:solidFill>
-              </a:rPr>
-              <a:t>*.</a:t>
-            </a:r>
-            <a:r>
-              <a:rPr lang="en-US" dirty="0" err="1" smtClean="0">
-                <a:solidFill>
-                  <a:schemeClr val="bg1"/>
-                </a:solidFill>
-              </a:rPr>
-              <a:t>cfapps.io</a:t>
-            </a:r>
-            <a:endParaRPr lang="en-US" dirty="0">
-              <a:solidFill>
-                <a:schemeClr val="bg1"/>
-              </a:solidFill>
-            </a:endParaRPr>
-          </a:p>
-        </p:txBody>
-      </p:sp>
-      <p:sp>
-        <p:nvSpPr>
-          <p:cNvPr id="21" name="Cube 20"/>
-          <p:cNvSpPr/>
-          <p:nvPr/>
-        </p:nvSpPr>
-        <p:spPr>
-          <a:xfrm>
-            <a:off x="585811" y="1976135"/>
-            <a:ext cx="1261422" cy="407134"/>
-          </a:xfrm>
-          <a:prstGeom prst="cube">
-            <a:avLst/>
-          </a:prstGeom>
-          <a:solidFill>
-            <a:srgbClr val="008881"/>
-          </a:solidFill>
-          <a:ln w="6350">
-            <a:solidFill>
-              <a:schemeClr val="bg1"/>
-            </a:solidFill>
-          </a:ln>
-          <a:effectLst/>
-        </p:spPr>
-        <p:style>
-          <a:lnRef idx="1">
-            <a:schemeClr val="accent1"/>
-          </a:lnRef>
-          <a:fillRef idx="3">
-            <a:schemeClr val="accent1"/>
-          </a:fillRef>
-          <a:effectRef idx="2">
-            <a:schemeClr val="accent1"/>
-          </a:effectRef>
-          <a:fontRef idx="minor">
-            <a:schemeClr val="lt1"/>
-          </a:fontRef>
-        </p:style>
-        <p:txBody>
-          <a:bodyPr rtlCol="0" anchor="ctr"/>
-          <a:lstStyle/>
-          <a:p>
-            <a:pPr algn="ctr"/>
-            <a:r>
-              <a:rPr lang="en-US" sz="1400" dirty="0" smtClean="0"/>
-              <a:t>BLOB store</a:t>
-            </a:r>
-            <a:endParaRPr lang="en-US" sz="1400" dirty="0"/>
-          </a:p>
-        </p:txBody>
-      </p:sp>
-      <p:sp>
-        <p:nvSpPr>
-          <p:cNvPr id="22" name="Can 21"/>
-          <p:cNvSpPr/>
-          <p:nvPr/>
-        </p:nvSpPr>
-        <p:spPr>
-          <a:xfrm>
-            <a:off x="585811" y="2492677"/>
-            <a:ext cx="1261422" cy="414600"/>
-          </a:xfrm>
-          <a:prstGeom prst="can">
-            <a:avLst/>
-          </a:prstGeom>
-          <a:solidFill>
-            <a:srgbClr val="008881"/>
-          </a:solidFill>
-          <a:ln w="6350">
-            <a:solidFill>
-              <a:schemeClr val="bg1"/>
-            </a:solidFill>
-          </a:ln>
-          <a:effectLst/>
-        </p:spPr>
-        <p:style>
-          <a:lnRef idx="1">
-            <a:schemeClr val="accent1"/>
-          </a:lnRef>
-          <a:fillRef idx="3">
-            <a:schemeClr val="accent1"/>
-          </a:fillRef>
-          <a:effectRef idx="2">
-            <a:schemeClr val="accent1"/>
-          </a:effectRef>
-          <a:fontRef idx="minor">
-            <a:schemeClr val="lt1"/>
-          </a:fontRef>
-        </p:style>
-        <p:txBody>
-          <a:bodyPr rtlCol="0" anchor="ctr"/>
-          <a:lstStyle/>
-          <a:p>
-            <a:pPr algn="ctr"/>
-            <a:r>
-              <a:rPr lang="en-US" sz="1400" dirty="0" smtClean="0"/>
-              <a:t>metadata</a:t>
-            </a:r>
-            <a:endParaRPr lang="en-US" sz="1400" dirty="0"/>
-          </a:p>
-        </p:txBody>
-      </p:sp>
-      <p:cxnSp>
-        <p:nvCxnSpPr>
-          <p:cNvPr id="24" name="Straight Connector 23"/>
-          <p:cNvCxnSpPr>
-            <a:stCxn id="4" idx="2"/>
-            <a:endCxn id="5" idx="0"/>
-          </p:cNvCxnSpPr>
-          <p:nvPr/>
-        </p:nvCxnSpPr>
-        <p:spPr>
-          <a:xfrm>
-            <a:off x="4715761" y="1310021"/>
-            <a:ext cx="0" cy="553681"/>
-          </a:xfrm>
-          <a:prstGeom prst="line">
-            <a:avLst/>
-          </a:prstGeom>
-        </p:spPr>
-        <p:style>
-          <a:lnRef idx="2">
-            <a:schemeClr val="accent1"/>
-          </a:lnRef>
-          <a:fillRef idx="0">
-            <a:schemeClr val="accent1"/>
-          </a:fillRef>
-          <a:effectRef idx="1">
-            <a:schemeClr val="accent1"/>
-          </a:effectRef>
-          <a:fontRef idx="minor">
-            <a:schemeClr val="tx1"/>
-          </a:fontRef>
-        </p:style>
-      </p:cxnSp>
-      <p:cxnSp>
-        <p:nvCxnSpPr>
-          <p:cNvPr id="28" name="Straight Arrow Connector 27"/>
-          <p:cNvCxnSpPr>
-            <a:stCxn id="5" idx="2"/>
-            <a:endCxn id="7" idx="0"/>
-          </p:cNvCxnSpPr>
-          <p:nvPr/>
-        </p:nvCxnSpPr>
-        <p:spPr>
-          <a:xfrm>
-            <a:off x="4715761" y="2387710"/>
-            <a:ext cx="0" cy="1221028"/>
-          </a:xfrm>
-          <a:prstGeom prst="straightConnector1">
-            <a:avLst/>
-          </a:prstGeom>
-          <a:ln>
-            <a:tailEnd type="arrow"/>
-          </a:ln>
-        </p:spPr>
-        <p:style>
-          <a:lnRef idx="2">
-            <a:schemeClr val="accent1"/>
-          </a:lnRef>
-          <a:fillRef idx="0">
-            <a:schemeClr val="accent1"/>
-          </a:fillRef>
-          <a:effectRef idx="1">
-            <a:schemeClr val="accent1"/>
-          </a:effectRef>
-          <a:fontRef idx="minor">
-            <a:schemeClr val="tx1"/>
-          </a:fontRef>
-        </p:style>
-      </p:cxnSp>
-      <p:cxnSp>
-        <p:nvCxnSpPr>
-          <p:cNvPr id="30" name="Straight Arrow Connector 29"/>
-          <p:cNvCxnSpPr>
-            <a:stCxn id="5" idx="2"/>
-            <a:endCxn id="8" idx="0"/>
-          </p:cNvCxnSpPr>
-          <p:nvPr/>
-        </p:nvCxnSpPr>
-        <p:spPr>
-          <a:xfrm>
-            <a:off x="4715761" y="2387710"/>
-            <a:ext cx="2521297" cy="1221028"/>
-          </a:xfrm>
-          <a:prstGeom prst="straightConnector1">
-            <a:avLst/>
-          </a:prstGeom>
-          <a:ln>
-            <a:tailEnd type="arrow"/>
-          </a:ln>
-        </p:spPr>
-        <p:style>
-          <a:lnRef idx="2">
-            <a:schemeClr val="accent1"/>
-          </a:lnRef>
-          <a:fillRef idx="0">
-            <a:schemeClr val="accent1"/>
-          </a:fillRef>
-          <a:effectRef idx="1">
-            <a:schemeClr val="accent1"/>
-          </a:effectRef>
-          <a:fontRef idx="minor">
-            <a:schemeClr val="tx1"/>
-          </a:fontRef>
-        </p:style>
-      </p:cxnSp>
-      <p:sp>
-        <p:nvSpPr>
-          <p:cNvPr id="6" name="Rounded Rectangle 5"/>
-          <p:cNvSpPr/>
-          <p:nvPr/>
-        </p:nvSpPr>
-        <p:spPr>
-          <a:xfrm>
-            <a:off x="1403182" y="3608738"/>
-            <a:ext cx="2123962" cy="524008"/>
-          </a:xfrm>
-          <a:prstGeom prst="roundRect">
-            <a:avLst/>
-          </a:prstGeom>
-          <a:solidFill>
-            <a:schemeClr val="accent2"/>
-          </a:solidFill>
-          <a:ln w="6350">
-            <a:solidFill>
-              <a:schemeClr val="bg1"/>
-            </a:solidFill>
-          </a:ln>
-          <a:effectLst/>
-        </p:spPr>
-        <p:style>
-          <a:lnRef idx="1">
-            <a:schemeClr val="accent1"/>
-          </a:lnRef>
-          <a:fillRef idx="3">
-            <a:schemeClr val="accent1"/>
-          </a:fillRef>
-          <a:effectRef idx="2">
-            <a:schemeClr val="accent1"/>
-          </a:effectRef>
-          <a:fontRef idx="minor">
-            <a:schemeClr val="lt1"/>
-          </a:fontRef>
-        </p:style>
-        <p:txBody>
-          <a:bodyPr rtlCol="0" anchor="ctr"/>
-          <a:lstStyle/>
-          <a:p>
-            <a:pPr algn="ctr"/>
-            <a:r>
-              <a:rPr lang="en-US" sz="1200" b="1" dirty="0" err="1"/>
-              <a:t>a</a:t>
-            </a:r>
-            <a:r>
-              <a:rPr lang="en-US" sz="1200" b="1" dirty="0" err="1" smtClean="0"/>
-              <a:t>ttendees</a:t>
-            </a:r>
-            <a:r>
-              <a:rPr lang="en-US" sz="1200" dirty="0" err="1" smtClean="0"/>
-              <a:t>.cfapps.io</a:t>
-            </a:r>
-            <a:endParaRPr lang="en-US" sz="1400" dirty="0"/>
-          </a:p>
-        </p:txBody>
-      </p:sp>
-      <p:sp>
-        <p:nvSpPr>
-          <p:cNvPr id="7" name="Rounded Rectangle 6"/>
-          <p:cNvSpPr/>
-          <p:nvPr/>
-        </p:nvSpPr>
-        <p:spPr>
-          <a:xfrm>
-            <a:off x="3648627" y="3608738"/>
-            <a:ext cx="2134267" cy="524008"/>
-          </a:xfrm>
-          <a:prstGeom prst="roundRect">
-            <a:avLst/>
-          </a:prstGeom>
-          <a:solidFill>
-            <a:schemeClr val="accent2"/>
-          </a:solidFill>
-          <a:ln w="6350">
-            <a:solidFill>
-              <a:schemeClr val="bg1"/>
-            </a:solidFill>
-          </a:ln>
-          <a:effectLst/>
-        </p:spPr>
-        <p:style>
-          <a:lnRef idx="1">
-            <a:schemeClr val="accent1"/>
-          </a:lnRef>
-          <a:fillRef idx="3">
-            <a:schemeClr val="accent1"/>
-          </a:fillRef>
-          <a:effectRef idx="2">
-            <a:schemeClr val="accent1"/>
-          </a:effectRef>
-          <a:fontRef idx="minor">
-            <a:schemeClr val="lt1"/>
-          </a:fontRef>
-        </p:style>
-        <p:txBody>
-          <a:bodyPr rtlCol="0" anchor="ctr"/>
-          <a:lstStyle/>
-          <a:p>
-            <a:pPr algn="ctr"/>
-            <a:r>
-              <a:rPr lang="en-US" sz="1200" dirty="0"/>
-              <a:t>a</a:t>
-            </a:r>
-            <a:r>
-              <a:rPr lang="en-US" sz="1200" dirty="0" smtClean="0"/>
-              <a:t>ttendees-</a:t>
-            </a:r>
-            <a:r>
-              <a:rPr lang="en-US" sz="1200" dirty="0" err="1" smtClean="0"/>
-              <a:t>blue.cfapps.io</a:t>
-            </a:r>
-            <a:endParaRPr lang="en-US" sz="1200" dirty="0"/>
-          </a:p>
-        </p:txBody>
-      </p:sp>
-      <p:sp>
-        <p:nvSpPr>
-          <p:cNvPr id="8" name="Rounded Rectangle 7"/>
-          <p:cNvSpPr/>
-          <p:nvPr/>
-        </p:nvSpPr>
-        <p:spPr>
-          <a:xfrm>
-            <a:off x="6164771" y="3608738"/>
-            <a:ext cx="2144574" cy="524008"/>
-          </a:xfrm>
-          <a:prstGeom prst="roundRect">
-            <a:avLst/>
-          </a:prstGeom>
-          <a:solidFill>
-            <a:schemeClr val="accent2"/>
-          </a:solidFill>
-          <a:ln w="6350">
-            <a:solidFill>
-              <a:schemeClr val="bg1"/>
-            </a:solidFill>
-          </a:ln>
-          <a:effectLst/>
-        </p:spPr>
-        <p:style>
-          <a:lnRef idx="1">
-            <a:schemeClr val="accent1"/>
-          </a:lnRef>
-          <a:fillRef idx="3">
-            <a:schemeClr val="accent1"/>
-          </a:fillRef>
-          <a:effectRef idx="2">
-            <a:schemeClr val="accent1"/>
-          </a:effectRef>
-          <a:fontRef idx="minor">
-            <a:schemeClr val="lt1"/>
-          </a:fontRef>
-        </p:style>
-        <p:txBody>
-          <a:bodyPr rtlCol="0" anchor="ctr"/>
-          <a:lstStyle/>
-          <a:p>
-            <a:pPr algn="ctr"/>
-            <a:r>
-              <a:rPr lang="en-US" sz="1200" dirty="0"/>
-              <a:t>a</a:t>
-            </a:r>
-            <a:r>
-              <a:rPr lang="en-US" sz="1200" dirty="0" smtClean="0"/>
-              <a:t>ttendees-</a:t>
-            </a:r>
-            <a:r>
-              <a:rPr lang="en-US" sz="1200" dirty="0" err="1" smtClean="0"/>
-              <a:t>green.cfapps.io</a:t>
-            </a:r>
-            <a:endParaRPr lang="en-US" sz="1200" dirty="0"/>
-          </a:p>
-        </p:txBody>
-      </p:sp>
-      <p:sp>
-        <p:nvSpPr>
-          <p:cNvPr id="12" name="Rounded Rectangle 11"/>
-          <p:cNvSpPr/>
-          <p:nvPr/>
-        </p:nvSpPr>
-        <p:spPr>
-          <a:xfrm>
-            <a:off x="6248975" y="3652752"/>
-            <a:ext cx="2144574" cy="524008"/>
-          </a:xfrm>
-          <a:prstGeom prst="roundRect">
-            <a:avLst/>
-          </a:prstGeom>
-          <a:solidFill>
-            <a:schemeClr val="accent2"/>
-          </a:solidFill>
-          <a:ln w="6350">
-            <a:solidFill>
-              <a:schemeClr val="bg1"/>
-            </a:solidFill>
-          </a:ln>
-          <a:effectLst/>
-        </p:spPr>
-        <p:style>
-          <a:lnRef idx="1">
-            <a:schemeClr val="accent1"/>
-          </a:lnRef>
-          <a:fillRef idx="3">
-            <a:schemeClr val="accent1"/>
-          </a:fillRef>
-          <a:effectRef idx="2">
-            <a:schemeClr val="accent1"/>
-          </a:effectRef>
-          <a:fontRef idx="minor">
-            <a:schemeClr val="lt1"/>
-          </a:fontRef>
-        </p:style>
-        <p:txBody>
-          <a:bodyPr rtlCol="0" anchor="ctr"/>
-          <a:lstStyle/>
-          <a:p>
-            <a:pPr algn="ctr"/>
-            <a:r>
-              <a:rPr lang="en-US" sz="1200" b="1" dirty="0"/>
-              <a:t>a</a:t>
-            </a:r>
-            <a:r>
-              <a:rPr lang="en-US" sz="1200" b="1" dirty="0" smtClean="0"/>
-              <a:t>ttendees-</a:t>
-            </a:r>
-            <a:r>
-              <a:rPr lang="en-US" sz="1200" b="1" dirty="0" err="1" smtClean="0"/>
-              <a:t>green</a:t>
-            </a:r>
-            <a:r>
-              <a:rPr lang="en-US" sz="1200" dirty="0" err="1" smtClean="0"/>
-              <a:t>.cfapps.io</a:t>
-            </a:r>
-            <a:endParaRPr lang="en-US" sz="1200" dirty="0"/>
-          </a:p>
-        </p:txBody>
-      </p:sp>
-      <p:sp>
-        <p:nvSpPr>
-          <p:cNvPr id="13" name="Rounded Rectangle 12"/>
-          <p:cNvSpPr/>
-          <p:nvPr/>
-        </p:nvSpPr>
-        <p:spPr>
-          <a:xfrm>
-            <a:off x="3725704" y="3651534"/>
-            <a:ext cx="2134267" cy="524008"/>
-          </a:xfrm>
-          <a:prstGeom prst="roundRect">
-            <a:avLst/>
-          </a:prstGeom>
-          <a:solidFill>
-            <a:schemeClr val="accent2"/>
-          </a:solidFill>
-          <a:ln w="6350">
-            <a:solidFill>
-              <a:schemeClr val="bg1"/>
-            </a:solidFill>
-          </a:ln>
-          <a:effectLst/>
-        </p:spPr>
-        <p:style>
-          <a:lnRef idx="1">
-            <a:schemeClr val="accent1"/>
-          </a:lnRef>
-          <a:fillRef idx="3">
-            <a:schemeClr val="accent1"/>
-          </a:fillRef>
-          <a:effectRef idx="2">
-            <a:schemeClr val="accent1"/>
-          </a:effectRef>
-          <a:fontRef idx="minor">
-            <a:schemeClr val="lt1"/>
-          </a:fontRef>
-        </p:style>
-        <p:txBody>
-          <a:bodyPr rtlCol="0" anchor="ctr"/>
-          <a:lstStyle/>
-          <a:p>
-            <a:pPr algn="ctr"/>
-            <a:r>
-              <a:rPr lang="en-US" sz="1200" dirty="0"/>
-              <a:t>a</a:t>
-            </a:r>
-            <a:r>
-              <a:rPr lang="en-US" sz="1200" dirty="0" smtClean="0"/>
-              <a:t>ttendees-</a:t>
-            </a:r>
-            <a:r>
-              <a:rPr lang="en-US" sz="1200" dirty="0" err="1" smtClean="0"/>
-              <a:t>blue.cfapps.io</a:t>
-            </a:r>
-            <a:endParaRPr lang="en-US" sz="1200" dirty="0"/>
-          </a:p>
-        </p:txBody>
-      </p:sp>
-      <p:sp>
-        <p:nvSpPr>
-          <p:cNvPr id="14" name="Rounded Rectangle 13"/>
-          <p:cNvSpPr/>
-          <p:nvPr/>
-        </p:nvSpPr>
-        <p:spPr>
-          <a:xfrm>
-            <a:off x="3809908" y="3738738"/>
-            <a:ext cx="2134267" cy="524008"/>
-          </a:xfrm>
-          <a:prstGeom prst="roundRect">
-            <a:avLst/>
-          </a:prstGeom>
-          <a:solidFill>
-            <a:schemeClr val="accent2"/>
-          </a:solidFill>
-          <a:ln w="6350">
-            <a:solidFill>
-              <a:schemeClr val="bg1"/>
-            </a:solidFill>
-          </a:ln>
-          <a:effectLst/>
-        </p:spPr>
-        <p:style>
-          <a:lnRef idx="1">
-            <a:schemeClr val="accent1"/>
-          </a:lnRef>
-          <a:fillRef idx="3">
-            <a:schemeClr val="accent1"/>
-          </a:fillRef>
-          <a:effectRef idx="2">
-            <a:schemeClr val="accent1"/>
-          </a:effectRef>
-          <a:fontRef idx="minor">
-            <a:schemeClr val="lt1"/>
-          </a:fontRef>
-        </p:style>
-        <p:txBody>
-          <a:bodyPr rtlCol="0" anchor="ctr"/>
-          <a:lstStyle/>
-          <a:p>
-            <a:pPr algn="ctr"/>
-            <a:r>
-              <a:rPr lang="en-US" sz="1200" dirty="0"/>
-              <a:t>a</a:t>
-            </a:r>
-            <a:r>
-              <a:rPr lang="en-US" sz="1200" dirty="0" smtClean="0"/>
-              <a:t>ttendees-</a:t>
-            </a:r>
-            <a:r>
-              <a:rPr lang="en-US" sz="1200" dirty="0" err="1" smtClean="0"/>
-              <a:t>blue.cfapps.io</a:t>
-            </a:r>
-            <a:endParaRPr lang="en-US" sz="1200" dirty="0"/>
-          </a:p>
-        </p:txBody>
-      </p:sp>
-      <p:cxnSp>
-        <p:nvCxnSpPr>
-          <p:cNvPr id="26" name="Straight Arrow Connector 25"/>
-          <p:cNvCxnSpPr>
-            <a:stCxn id="5" idx="2"/>
-            <a:endCxn id="6" idx="0"/>
-          </p:cNvCxnSpPr>
-          <p:nvPr/>
-        </p:nvCxnSpPr>
-        <p:spPr>
-          <a:xfrm flipH="1">
-            <a:off x="2465163" y="2387710"/>
-            <a:ext cx="2250598" cy="1221028"/>
-          </a:xfrm>
-          <a:prstGeom prst="straightConnector1">
-            <a:avLst/>
-          </a:prstGeom>
-          <a:ln>
-            <a:tailEnd type="arrow"/>
-          </a:ln>
-        </p:spPr>
-        <p:style>
-          <a:lnRef idx="2">
-            <a:schemeClr val="accent1"/>
-          </a:lnRef>
-          <a:fillRef idx="0">
-            <a:schemeClr val="accent1"/>
-          </a:fillRef>
-          <a:effectRef idx="1">
-            <a:schemeClr val="accent1"/>
-          </a:effectRef>
-          <a:fontRef idx="minor">
-            <a:schemeClr val="tx1"/>
-          </a:fontRef>
-        </p:style>
-      </p:cxnSp>
+        </p:spPr>
+      </p:pic>
     </p:spTree>
     <p:extLst>
       <p:ext uri="{BB962C8B-B14F-4D97-AF65-F5344CB8AC3E}">
-        <p14:creationId xmlns:p14="http://schemas.microsoft.com/office/powerpoint/2010/main" val="3688061064"/>
+        <p14:creationId xmlns:p14="http://schemas.microsoft.com/office/powerpoint/2010/main" val="58988786"/>
       </p:ext>
     </p:extLst>
   </p:cSld>
   <p:clrMapOvr>
     <a:masterClrMapping/>
   </p:clrMapOvr>
+  <mc:AlternateContent xmlns:mc="http://schemas.openxmlformats.org/markup-compatibility/2006" xmlns:p14="http://schemas.microsoft.com/office/powerpoint/2010/main">
+    <mc:Choice Requires="p14">
+      <p:transition spd="slow" p14:dur="2000"/>
+    </mc:Choice>
+    <mc:Fallback xmlns="">
+      <p:transition xmlns:p14="http://schemas.microsoft.com/office/powerpoint/2010/main" spd="slow"/>
+    </mc:Fallback>
+  </mc:AlternateContent>
   <p:timing>
     <p:tnLst>
       <p:par>

--- a/docs/app-content.pptx
+++ b/docs/app-content.pptx
@@ -250,7 +250,7 @@
           <a:p>
             <a:fld id="{C1F639CD-02BA-E14F-BB05-54A9501A84F3}" type="datetimeFigureOut">
               <a:rPr lang="en-US" smtClean="0"/>
-              <a:t>4/13/16</a:t>
+              <a:t>9/26/16</a:t>
             </a:fld>
             <a:endParaRPr lang="en-US"/>
           </a:p>
@@ -415,7 +415,7 @@
           <a:p>
             <a:fld id="{7B47E9F9-6557-4923-BE10-1C342566E3EE}" type="datetimeFigureOut">
               <a:rPr lang="en-US" smtClean="0"/>
-              <a:t>4/13/16</a:t>
+              <a:t>9/26/16</a:t>
             </a:fld>
             <a:endParaRPr lang="en-US"/>
           </a:p>
@@ -11911,7 +11911,7 @@
             <a:pPr algn="ctr"/>
             <a:r>
               <a:rPr lang="en-US" sz="1200" dirty="0" smtClean="0"/>
-              <a:t>Spring </a:t>
+              <a:t>(Spring </a:t>
             </a:r>
             <a:r>
               <a:rPr lang="en-US" sz="1200" dirty="0"/>
@@ -11919,7 +11919,23 @@
             </a:r>
             <a:r>
               <a:rPr lang="en-US" sz="1200" dirty="0" smtClean="0"/>
-              <a:t>oot, Spring Data JPA, Spring Cloud Connectors</a:t>
+              <a:t>oot, </a:t>
+            </a:r>
+            <a:r>
+              <a:rPr lang="en-US" sz="1200" dirty="0" smtClean="0"/>
+              <a:t>Spring Data </a:t>
+            </a:r>
+            <a:r>
+              <a:rPr lang="en-US" sz="1200" smtClean="0"/>
+              <a:t>REST, Spring </a:t>
+            </a:r>
+            <a:r>
+              <a:rPr lang="en-US" sz="1200" dirty="0" smtClean="0"/>
+              <a:t>Data </a:t>
+            </a:r>
+            <a:r>
+              <a:rPr lang="en-US" sz="1200" dirty="0" smtClean="0"/>
+              <a:t>JPA)</a:t>
             </a:r>
             <a:endParaRPr lang="en-US" sz="1200" dirty="0"/>
           </a:p>
